--- a/Presentations/Sprint One Presentation Final.pptx
+++ b/Presentations/Sprint One Presentation Final.pptx
@@ -2,7 +2,7 @@
 <file path=ppt/presentation.xml><?xml version="1.0" encoding="utf-8"?>
 <p:presentation xmlns:a="http://schemas.openxmlformats.org/drawingml/2006/main" xmlns:r="http://schemas.openxmlformats.org/officeDocument/2006/relationships" xmlns:p="http://schemas.openxmlformats.org/presentationml/2006/main" saveSubsetFonts="1">
   <p:sldMasterIdLst>
-    <p:sldMasterId id="2147484031" r:id="rId1"/>
+    <p:sldMasterId id="2147484061" r:id="rId1"/>
   </p:sldMasterIdLst>
   <p:sldIdLst>
     <p:sldId id="256" r:id="rId2"/>
@@ -127,14 +127,6 @@
 <file path=ppt/slideLayouts/slideLayout1.xml><?xml version="1.0" encoding="utf-8"?>
 <p:sldLayout xmlns:a="http://schemas.openxmlformats.org/drawingml/2006/main" xmlns:r="http://schemas.openxmlformats.org/officeDocument/2006/relationships" xmlns:p="http://schemas.openxmlformats.org/presentationml/2006/main" type="title" preserve="1">
   <p:cSld name="Title Slide">
-    <p:bg>
-      <p:bgPr>
-        <a:solidFill>
-          <a:schemeClr val="accent1"/>
-        </a:solidFill>
-        <a:effectLst/>
-      </p:bgPr>
-    </p:bg>
     <p:spTree>
       <p:nvGrpSpPr>
         <p:cNvPr id="1" name=""/>
@@ -151,141 +143,145 @@
       </p:grpSpPr>
       <p:sp>
         <p:nvSpPr>
-          <p:cNvPr id="4" name="Rectangle 3"/>
-          <p:cNvSpPr/>
-          <p:nvPr/>
+          <p:cNvPr id="2" name="Title 1"/>
+          <p:cNvSpPr>
+            <a:spLocks noGrp="1"/>
+          </p:cNvSpPr>
+          <p:nvPr>
+            <p:ph type="ctrTitle"/>
+          </p:nvPr>
         </p:nvSpPr>
         <p:spPr>
           <a:xfrm>
-            <a:off x="0" y="0"/>
-            <a:ext cx="12192000" cy="6858000"/>
+            <a:off x="1154955" y="1447800"/>
+            <a:ext cx="8825658" cy="3329581"/>
           </a:xfrm>
-          <a:prstGeom prst="rect">
-            <a:avLst/>
-          </a:prstGeom>
-          <a:ln>
-            <a:noFill/>
-          </a:ln>
         </p:spPr>
-        <p:style>
-          <a:lnRef idx="2">
-            <a:schemeClr val="accent1">
-              <a:shade val="50000"/>
-            </a:schemeClr>
-          </a:lnRef>
-          <a:fillRef idx="1">
-            <a:schemeClr val="accent1"/>
-          </a:fillRef>
-          <a:effectRef idx="0">
-            <a:schemeClr val="accent1"/>
-          </a:effectRef>
-          <a:fontRef idx="minor">
-            <a:schemeClr val="lt1"/>
-          </a:fontRef>
-        </p:style>
-      </p:sp>
-      <p:sp>
-        <p:nvSpPr>
-          <p:cNvPr id="2" name="Title 1"/>
-          <p:cNvSpPr>
-            <a:spLocks noGrp="1"/>
-          </p:cNvSpPr>
-          <p:nvPr>
-            <p:ph type="ctrTitle"/>
+        <p:txBody>
+          <a:bodyPr anchor="b"/>
+          <a:lstStyle>
+            <a:lvl1pPr>
+              <a:defRPr sz="7200"/>
+            </a:lvl1pPr>
+          </a:lstStyle>
+          <a:p>
+            <a:r>
+              <a:rPr lang="en-US" smtClean="0"/>
+              <a:t>Click to edit Master title style</a:t>
+            </a:r>
+            <a:endParaRPr lang="en-US" dirty="0"/>
+          </a:p>
+        </p:txBody>
+      </p:sp>
+      <p:sp>
+        <p:nvSpPr>
+          <p:cNvPr id="3" name="Subtitle 2"/>
+          <p:cNvSpPr>
+            <a:spLocks noGrp="1"/>
+          </p:cNvSpPr>
+          <p:nvPr>
+            <p:ph type="subTitle" idx="1"/>
           </p:nvPr>
         </p:nvSpPr>
         <p:spPr>
           <a:xfrm>
-            <a:off x="603504" y="770467"/>
-            <a:ext cx="10782300" cy="3352800"/>
+            <a:off x="1154955" y="4777380"/>
+            <a:ext cx="8825658" cy="861420"/>
           </a:xfrm>
         </p:spPr>
         <p:txBody>
-          <a:bodyPr anchor="b">
-            <a:noAutofit/>
-          </a:bodyPr>
+          <a:bodyPr anchor="t"/>
           <a:lstStyle>
-            <a:lvl1pPr algn="l">
-              <a:lnSpc>
-                <a:spcPct val="80000"/>
-              </a:lnSpc>
-              <a:defRPr sz="8800" spc="-120" baseline="0">
+            <a:lvl1pPr marL="0" indent="0" algn="l">
+              <a:buNone/>
+              <a:defRPr cap="all">
                 <a:solidFill>
-                  <a:srgbClr val="FFFFFF"/>
+                  <a:schemeClr val="bg2">
+                    <a:lumMod val="40000"/>
+                    <a:lumOff val="60000"/>
+                  </a:schemeClr>
                 </a:solidFill>
               </a:defRPr>
             </a:lvl1pPr>
-          </a:lstStyle>
-          <a:p>
-            <a:r>
-              <a:rPr lang="en-US" smtClean="0"/>
-              <a:t>Click to edit Master title style</a:t>
-            </a:r>
-            <a:endParaRPr lang="en-US" dirty="0"/>
-          </a:p>
-        </p:txBody>
-      </p:sp>
-      <p:sp>
-        <p:nvSpPr>
-          <p:cNvPr id="3" name="Subtitle 2"/>
-          <p:cNvSpPr>
-            <a:spLocks noGrp="1"/>
-          </p:cNvSpPr>
-          <p:nvPr>
-            <p:ph type="subTitle" idx="1"/>
-          </p:nvPr>
-        </p:nvSpPr>
-        <p:spPr>
-          <a:xfrm>
-            <a:off x="667512" y="4206876"/>
-            <a:ext cx="9228201" cy="1645920"/>
-          </a:xfrm>
-        </p:spPr>
-        <p:txBody>
-          <a:bodyPr>
-            <a:normAutofit/>
-          </a:bodyPr>
-          <a:lstStyle>
-            <a:lvl1pPr marL="0" indent="0" algn="l">
-              <a:buNone/>
-              <a:defRPr sz="3200">
+            <a:lvl2pPr marL="457200" indent="0" algn="ctr">
+              <a:buNone/>
+              <a:defRPr>
                 <a:solidFill>
-                  <a:schemeClr val="bg1"/>
+                  <a:schemeClr val="tx1">
+                    <a:tint val="75000"/>
+                  </a:schemeClr>
                 </a:solidFill>
-                <a:latin typeface="+mj-lt"/>
               </a:defRPr>
-            </a:lvl1pPr>
-            <a:lvl2pPr marL="457200" indent="0" algn="ctr">
-              <a:buNone/>
-              <a:defRPr sz="2800"/>
             </a:lvl2pPr>
             <a:lvl3pPr marL="914400" indent="0" algn="ctr">
               <a:buNone/>
-              <a:defRPr sz="2400"/>
+              <a:defRPr>
+                <a:solidFill>
+                  <a:schemeClr val="tx1">
+                    <a:tint val="75000"/>
+                  </a:schemeClr>
+                </a:solidFill>
+              </a:defRPr>
             </a:lvl3pPr>
             <a:lvl4pPr marL="1371600" indent="0" algn="ctr">
               <a:buNone/>
-              <a:defRPr sz="2000"/>
+              <a:defRPr>
+                <a:solidFill>
+                  <a:schemeClr val="tx1">
+                    <a:tint val="75000"/>
+                  </a:schemeClr>
+                </a:solidFill>
+              </a:defRPr>
             </a:lvl4pPr>
             <a:lvl5pPr marL="1828800" indent="0" algn="ctr">
               <a:buNone/>
-              <a:defRPr sz="2000"/>
+              <a:defRPr>
+                <a:solidFill>
+                  <a:schemeClr val="tx1">
+                    <a:tint val="75000"/>
+                  </a:schemeClr>
+                </a:solidFill>
+              </a:defRPr>
             </a:lvl5pPr>
             <a:lvl6pPr marL="2286000" indent="0" algn="ctr">
               <a:buNone/>
-              <a:defRPr sz="2000"/>
+              <a:defRPr>
+                <a:solidFill>
+                  <a:schemeClr val="tx1">
+                    <a:tint val="75000"/>
+                  </a:schemeClr>
+                </a:solidFill>
+              </a:defRPr>
             </a:lvl6pPr>
             <a:lvl7pPr marL="2743200" indent="0" algn="ctr">
               <a:buNone/>
-              <a:defRPr sz="2000"/>
+              <a:defRPr>
+                <a:solidFill>
+                  <a:schemeClr val="tx1">
+                    <a:tint val="75000"/>
+                  </a:schemeClr>
+                </a:solidFill>
+              </a:defRPr>
             </a:lvl7pPr>
             <a:lvl8pPr marL="3200400" indent="0" algn="ctr">
               <a:buNone/>
-              <a:defRPr sz="2000"/>
+              <a:defRPr>
+                <a:solidFill>
+                  <a:schemeClr val="tx1">
+                    <a:tint val="75000"/>
+                  </a:schemeClr>
+                </a:solidFill>
+              </a:defRPr>
             </a:lvl8pPr>
             <a:lvl9pPr marL="3657600" indent="0" algn="ctr">
               <a:buNone/>
-              <a:defRPr sz="2000"/>
+              <a:defRPr>
+                <a:solidFill>
+                  <a:schemeClr val="tx1">
+                    <a:tint val="75000"/>
+                  </a:schemeClr>
+                </a:solidFill>
+              </a:defRPr>
             </a:lvl9pPr>
           </a:lstStyle>
           <a:p>
@@ -299,7 +295,7 @@
       </p:sp>
       <p:sp>
         <p:nvSpPr>
-          <p:cNvPr id="7" name="Date Placeholder 6"/>
+          <p:cNvPr id="4" name="Date Placeholder 3"/>
           <p:cNvSpPr>
             <a:spLocks noGrp="1"/>
           </p:cNvSpPr>
@@ -310,17 +306,7 @@
         <p:spPr/>
         <p:txBody>
           <a:bodyPr/>
-          <a:lstStyle>
-            <a:lvl1pPr>
-              <a:defRPr>
-                <a:solidFill>
-                  <a:srgbClr val="FFFFFF">
-                    <a:alpha val="80000"/>
-                  </a:srgbClr>
-                </a:solidFill>
-              </a:defRPr>
-            </a:lvl1pPr>
-          </a:lstStyle>
+          <a:lstStyle/>
           <a:p>
             <a:fld id="{23635349-6CC1-4828-A550-3FA4C396D5D2}" type="datetimeFigureOut">
               <a:rPr lang="en-US" smtClean="0"/>
@@ -332,7 +318,7 @@
       </p:sp>
       <p:sp>
         <p:nvSpPr>
-          <p:cNvPr id="8" name="Footer Placeholder 7"/>
+          <p:cNvPr id="5" name="Footer Placeholder 4"/>
           <p:cNvSpPr>
             <a:spLocks noGrp="1"/>
           </p:cNvSpPr>
@@ -343,17 +329,7 @@
         <p:spPr/>
         <p:txBody>
           <a:bodyPr/>
-          <a:lstStyle>
-            <a:lvl1pPr>
-              <a:defRPr>
-                <a:solidFill>
-                  <a:srgbClr val="FFFFFF">
-                    <a:alpha val="80000"/>
-                  </a:srgbClr>
-                </a:solidFill>
-              </a:defRPr>
-            </a:lvl1pPr>
-          </a:lstStyle>
+          <a:lstStyle/>
           <a:p>
             <a:endParaRPr lang="en-US"/>
           </a:p>
@@ -361,7 +337,7 @@
       </p:sp>
       <p:sp>
         <p:nvSpPr>
-          <p:cNvPr id="9" name="Slide Number Placeholder 8"/>
+          <p:cNvPr id="6" name="Slide Number Placeholder 5"/>
           <p:cNvSpPr>
             <a:spLocks noGrp="1"/>
           </p:cNvSpPr>
@@ -372,17 +348,7 @@
         <p:spPr/>
         <p:txBody>
           <a:bodyPr/>
-          <a:lstStyle>
-            <a:lvl1pPr>
-              <a:defRPr>
-                <a:solidFill>
-                  <a:srgbClr val="FFFFFF">
-                    <a:alpha val="25000"/>
-                  </a:srgbClr>
-                </a:solidFill>
-              </a:defRPr>
-            </a:lvl1pPr>
-          </a:lstStyle>
+          <a:lstStyle/>
           <a:p>
             <a:fld id="{9CF90E31-9492-468D-B5CF-42E9C00E9A84}" type="slidenum">
               <a:rPr lang="en-US" smtClean="0"/>
@@ -395,7 +361,7 @@
     </p:spTree>
     <p:extLst>
       <p:ext uri="{BB962C8B-B14F-4D97-AF65-F5344CB8AC3E}">
-        <p14:creationId xmlns:p14="http://schemas.microsoft.com/office/powerpoint/2010/main" val="2339421589"/>
+        <p14:creationId xmlns:p14="http://schemas.microsoft.com/office/powerpoint/2010/main" val="4074011278"/>
       </p:ext>
     </p:extLst>
   </p:cSld>
@@ -411,6 +377,2572 @@
 </file>
 
 <file path=ppt/slideLayouts/slideLayout10.xml><?xml version="1.0" encoding="utf-8"?>
+<p:sldLayout xmlns:a="http://schemas.openxmlformats.org/drawingml/2006/main" xmlns:r="http://schemas.openxmlformats.org/officeDocument/2006/relationships" xmlns:p="http://schemas.openxmlformats.org/presentationml/2006/main" preserve="1">
+  <p:cSld name="Panoramic Picture with Caption">
+    <p:spTree>
+      <p:nvGrpSpPr>
+        <p:cNvPr id="1" name=""/>
+        <p:cNvGrpSpPr/>
+        <p:nvPr/>
+      </p:nvGrpSpPr>
+      <p:grpSpPr>
+        <a:xfrm>
+          <a:off x="0" y="0"/>
+          <a:ext cx="0" cy="0"/>
+          <a:chOff x="0" y="0"/>
+          <a:chExt cx="0" cy="0"/>
+        </a:xfrm>
+      </p:grpSpPr>
+      <p:sp>
+        <p:nvSpPr>
+          <p:cNvPr id="2" name="Title 1"/>
+          <p:cNvSpPr>
+            <a:spLocks noGrp="1"/>
+          </p:cNvSpPr>
+          <p:nvPr>
+            <p:ph type="title"/>
+          </p:nvPr>
+        </p:nvSpPr>
+        <p:spPr>
+          <a:xfrm>
+            <a:off x="1154956" y="4800587"/>
+            <a:ext cx="8825657" cy="566738"/>
+          </a:xfrm>
+        </p:spPr>
+        <p:txBody>
+          <a:bodyPr anchor="b">
+            <a:normAutofit/>
+          </a:bodyPr>
+          <a:lstStyle>
+            <a:lvl1pPr algn="l">
+              <a:defRPr sz="2400" b="0"/>
+            </a:lvl1pPr>
+          </a:lstStyle>
+          <a:p>
+            <a:r>
+              <a:rPr lang="en-US" smtClean="0"/>
+              <a:t>Click to edit Master title style</a:t>
+            </a:r>
+            <a:endParaRPr lang="en-US" dirty="0"/>
+          </a:p>
+        </p:txBody>
+      </p:sp>
+      <p:sp>
+        <p:nvSpPr>
+          <p:cNvPr id="3" name="Picture Placeholder 2"/>
+          <p:cNvSpPr>
+            <a:spLocks noGrp="1" noChangeAspect="1"/>
+          </p:cNvSpPr>
+          <p:nvPr>
+            <p:ph type="pic" idx="1"/>
+          </p:nvPr>
+        </p:nvSpPr>
+        <p:spPr>
+          <a:xfrm>
+            <a:off x="1154955" y="685800"/>
+            <a:ext cx="8825658" cy="3640666"/>
+          </a:xfrm>
+          <a:prstGeom prst="roundRect">
+            <a:avLst>
+              <a:gd name="adj" fmla="val 1858"/>
+            </a:avLst>
+          </a:prstGeom>
+          <a:effectLst>
+            <a:outerShdw blurRad="50800" dist="50800" dir="5400000" algn="tl" rotWithShape="0">
+              <a:srgbClr val="000000">
+                <a:alpha val="43000"/>
+              </a:srgbClr>
+            </a:outerShdw>
+          </a:effectLst>
+        </p:spPr>
+        <p:txBody>
+          <a:bodyPr anchor="t">
+            <a:normAutofit/>
+          </a:bodyPr>
+          <a:lstStyle>
+            <a:lvl1pPr marL="0" indent="0" algn="ctr">
+              <a:buNone/>
+              <a:defRPr sz="1600"/>
+            </a:lvl1pPr>
+            <a:lvl2pPr marL="457200" indent="0">
+              <a:buNone/>
+              <a:defRPr sz="1600"/>
+            </a:lvl2pPr>
+            <a:lvl3pPr marL="914400" indent="0">
+              <a:buNone/>
+              <a:defRPr sz="1600"/>
+            </a:lvl3pPr>
+            <a:lvl4pPr marL="1371600" indent="0">
+              <a:buNone/>
+              <a:defRPr sz="1600"/>
+            </a:lvl4pPr>
+            <a:lvl5pPr marL="1828800" indent="0">
+              <a:buNone/>
+              <a:defRPr sz="1600"/>
+            </a:lvl5pPr>
+            <a:lvl6pPr marL="2286000" indent="0">
+              <a:buNone/>
+              <a:defRPr sz="1600"/>
+            </a:lvl6pPr>
+            <a:lvl7pPr marL="2743200" indent="0">
+              <a:buNone/>
+              <a:defRPr sz="1600"/>
+            </a:lvl7pPr>
+            <a:lvl8pPr marL="3200400" indent="0">
+              <a:buNone/>
+              <a:defRPr sz="1600"/>
+            </a:lvl8pPr>
+            <a:lvl9pPr marL="3657600" indent="0">
+              <a:buNone/>
+              <a:defRPr sz="1600"/>
+            </a:lvl9pPr>
+          </a:lstStyle>
+          <a:p>
+            <a:r>
+              <a:rPr lang="en-US" smtClean="0"/>
+              <a:t>Click icon to add picture</a:t>
+            </a:r>
+            <a:endParaRPr lang="en-US" dirty="0"/>
+          </a:p>
+        </p:txBody>
+      </p:sp>
+      <p:sp>
+        <p:nvSpPr>
+          <p:cNvPr id="4" name="Text Placeholder 3"/>
+          <p:cNvSpPr>
+            <a:spLocks noGrp="1"/>
+          </p:cNvSpPr>
+          <p:nvPr>
+            <p:ph type="body" sz="half" idx="2"/>
+          </p:nvPr>
+        </p:nvSpPr>
+        <p:spPr>
+          <a:xfrm>
+            <a:off x="1154956" y="5367325"/>
+            <a:ext cx="8825656" cy="493712"/>
+          </a:xfrm>
+        </p:spPr>
+        <p:txBody>
+          <a:bodyPr>
+            <a:normAutofit/>
+          </a:bodyPr>
+          <a:lstStyle>
+            <a:lvl1pPr marL="0" indent="0">
+              <a:buNone/>
+              <a:defRPr sz="1200"/>
+            </a:lvl1pPr>
+            <a:lvl2pPr marL="457200" indent="0">
+              <a:buNone/>
+              <a:defRPr sz="1200"/>
+            </a:lvl2pPr>
+            <a:lvl3pPr marL="914400" indent="0">
+              <a:buNone/>
+              <a:defRPr sz="1000"/>
+            </a:lvl3pPr>
+            <a:lvl4pPr marL="1371600" indent="0">
+              <a:buNone/>
+              <a:defRPr sz="900"/>
+            </a:lvl4pPr>
+            <a:lvl5pPr marL="1828800" indent="0">
+              <a:buNone/>
+              <a:defRPr sz="900"/>
+            </a:lvl5pPr>
+            <a:lvl6pPr marL="2286000" indent="0">
+              <a:buNone/>
+              <a:defRPr sz="900"/>
+            </a:lvl6pPr>
+            <a:lvl7pPr marL="2743200" indent="0">
+              <a:buNone/>
+              <a:defRPr sz="900"/>
+            </a:lvl7pPr>
+            <a:lvl8pPr marL="3200400" indent="0">
+              <a:buNone/>
+              <a:defRPr sz="900"/>
+            </a:lvl8pPr>
+            <a:lvl9pPr marL="3657600" indent="0">
+              <a:buNone/>
+              <a:defRPr sz="900"/>
+            </a:lvl9pPr>
+          </a:lstStyle>
+          <a:p>
+            <a:pPr lvl="0"/>
+            <a:r>
+              <a:rPr lang="en-US" smtClean="0"/>
+              <a:t>Edit Master text styles</a:t>
+            </a:r>
+          </a:p>
+        </p:txBody>
+      </p:sp>
+      <p:sp>
+        <p:nvSpPr>
+          <p:cNvPr id="5" name="Date Placeholder 4"/>
+          <p:cNvSpPr>
+            <a:spLocks noGrp="1"/>
+          </p:cNvSpPr>
+          <p:nvPr>
+            <p:ph type="dt" sz="half" idx="10"/>
+          </p:nvPr>
+        </p:nvSpPr>
+        <p:spPr/>
+        <p:txBody>
+          <a:bodyPr/>
+          <a:lstStyle/>
+          <a:p>
+            <a:fld id="{23635349-6CC1-4828-A550-3FA4C396D5D2}" type="datetimeFigureOut">
+              <a:rPr lang="en-US" smtClean="0"/>
+              <a:t>12/9/2016</a:t>
+            </a:fld>
+            <a:endParaRPr lang="en-US"/>
+          </a:p>
+        </p:txBody>
+      </p:sp>
+      <p:sp>
+        <p:nvSpPr>
+          <p:cNvPr id="6" name="Footer Placeholder 5"/>
+          <p:cNvSpPr>
+            <a:spLocks noGrp="1"/>
+          </p:cNvSpPr>
+          <p:nvPr>
+            <p:ph type="ftr" sz="quarter" idx="11"/>
+          </p:nvPr>
+        </p:nvSpPr>
+        <p:spPr/>
+        <p:txBody>
+          <a:bodyPr/>
+          <a:lstStyle/>
+          <a:p>
+            <a:endParaRPr lang="en-US"/>
+          </a:p>
+        </p:txBody>
+      </p:sp>
+      <p:sp>
+        <p:nvSpPr>
+          <p:cNvPr id="7" name="Slide Number Placeholder 6"/>
+          <p:cNvSpPr>
+            <a:spLocks noGrp="1"/>
+          </p:cNvSpPr>
+          <p:nvPr>
+            <p:ph type="sldNum" sz="quarter" idx="12"/>
+          </p:nvPr>
+        </p:nvSpPr>
+        <p:spPr/>
+        <p:txBody>
+          <a:bodyPr/>
+          <a:lstStyle/>
+          <a:p>
+            <a:fld id="{9CF90E31-9492-468D-B5CF-42E9C00E9A84}" type="slidenum">
+              <a:rPr lang="en-US" smtClean="0"/>
+              <a:t>‹#›</a:t>
+            </a:fld>
+            <a:endParaRPr lang="en-US"/>
+          </a:p>
+        </p:txBody>
+      </p:sp>
+    </p:spTree>
+    <p:extLst>
+      <p:ext uri="{BB962C8B-B14F-4D97-AF65-F5344CB8AC3E}">
+        <p14:creationId xmlns:p14="http://schemas.microsoft.com/office/powerpoint/2010/main" val="2170282327"/>
+      </p:ext>
+    </p:extLst>
+  </p:cSld>
+  <p:clrMapOvr>
+    <a:masterClrMapping/>
+  </p:clrMapOvr>
+</p:sldLayout>
+</file>
+
+<file path=ppt/slideLayouts/slideLayout11.xml><?xml version="1.0" encoding="utf-8"?>
+<p:sldLayout xmlns:a="http://schemas.openxmlformats.org/drawingml/2006/main" xmlns:r="http://schemas.openxmlformats.org/officeDocument/2006/relationships" xmlns:p="http://schemas.openxmlformats.org/presentationml/2006/main" preserve="1">
+  <p:cSld name="Title and Caption">
+    <p:spTree>
+      <p:nvGrpSpPr>
+        <p:cNvPr id="1" name=""/>
+        <p:cNvGrpSpPr/>
+        <p:nvPr/>
+      </p:nvGrpSpPr>
+      <p:grpSpPr>
+        <a:xfrm>
+          <a:off x="0" y="0"/>
+          <a:ext cx="0" cy="0"/>
+          <a:chOff x="0" y="0"/>
+          <a:chExt cx="0" cy="0"/>
+        </a:xfrm>
+      </p:grpSpPr>
+      <p:sp>
+        <p:nvSpPr>
+          <p:cNvPr id="2" name="Title 1"/>
+          <p:cNvSpPr>
+            <a:spLocks noGrp="1"/>
+          </p:cNvSpPr>
+          <p:nvPr>
+            <p:ph type="title"/>
+          </p:nvPr>
+        </p:nvSpPr>
+        <p:spPr>
+          <a:xfrm>
+            <a:off x="1154954" y="1447800"/>
+            <a:ext cx="8825659" cy="1981200"/>
+          </a:xfrm>
+        </p:spPr>
+        <p:txBody>
+          <a:bodyPr/>
+          <a:lstStyle>
+            <a:lvl1pPr>
+              <a:defRPr sz="4800"/>
+            </a:lvl1pPr>
+          </a:lstStyle>
+          <a:p>
+            <a:r>
+              <a:rPr lang="en-US" smtClean="0"/>
+              <a:t>Click to edit Master title style</a:t>
+            </a:r>
+            <a:endParaRPr lang="en-US" dirty="0"/>
+          </a:p>
+        </p:txBody>
+      </p:sp>
+      <p:sp>
+        <p:nvSpPr>
+          <p:cNvPr id="8" name="Text Placeholder 3"/>
+          <p:cNvSpPr>
+            <a:spLocks noGrp="1"/>
+          </p:cNvSpPr>
+          <p:nvPr>
+            <p:ph type="body" sz="half" idx="2"/>
+          </p:nvPr>
+        </p:nvSpPr>
+        <p:spPr>
+          <a:xfrm>
+            <a:off x="1154954" y="3657600"/>
+            <a:ext cx="8825659" cy="2362200"/>
+          </a:xfrm>
+        </p:spPr>
+        <p:txBody>
+          <a:bodyPr anchor="ctr">
+            <a:normAutofit/>
+          </a:bodyPr>
+          <a:lstStyle>
+            <a:lvl1pPr marL="0" indent="0">
+              <a:buNone/>
+              <a:defRPr sz="1800"/>
+            </a:lvl1pPr>
+            <a:lvl2pPr marL="457200" indent="0">
+              <a:buNone/>
+              <a:defRPr sz="1200"/>
+            </a:lvl2pPr>
+            <a:lvl3pPr marL="914400" indent="0">
+              <a:buNone/>
+              <a:defRPr sz="1000"/>
+            </a:lvl3pPr>
+            <a:lvl4pPr marL="1371600" indent="0">
+              <a:buNone/>
+              <a:defRPr sz="900"/>
+            </a:lvl4pPr>
+            <a:lvl5pPr marL="1828800" indent="0">
+              <a:buNone/>
+              <a:defRPr sz="900"/>
+            </a:lvl5pPr>
+            <a:lvl6pPr marL="2286000" indent="0">
+              <a:buNone/>
+              <a:defRPr sz="900"/>
+            </a:lvl6pPr>
+            <a:lvl7pPr marL="2743200" indent="0">
+              <a:buNone/>
+              <a:defRPr sz="900"/>
+            </a:lvl7pPr>
+            <a:lvl8pPr marL="3200400" indent="0">
+              <a:buNone/>
+              <a:defRPr sz="900"/>
+            </a:lvl8pPr>
+            <a:lvl9pPr marL="3657600" indent="0">
+              <a:buNone/>
+              <a:defRPr sz="900"/>
+            </a:lvl9pPr>
+          </a:lstStyle>
+          <a:p>
+            <a:pPr lvl="0"/>
+            <a:r>
+              <a:rPr lang="en-US" smtClean="0"/>
+              <a:t>Edit Master text styles</a:t>
+            </a:r>
+          </a:p>
+        </p:txBody>
+      </p:sp>
+      <p:sp>
+        <p:nvSpPr>
+          <p:cNvPr id="4" name="Date Placeholder 3"/>
+          <p:cNvSpPr>
+            <a:spLocks noGrp="1"/>
+          </p:cNvSpPr>
+          <p:nvPr>
+            <p:ph type="dt" sz="half" idx="10"/>
+          </p:nvPr>
+        </p:nvSpPr>
+        <p:spPr/>
+        <p:txBody>
+          <a:bodyPr/>
+          <a:lstStyle/>
+          <a:p>
+            <a:fld id="{23635349-6CC1-4828-A550-3FA4C396D5D2}" type="datetimeFigureOut">
+              <a:rPr lang="en-US" smtClean="0"/>
+              <a:t>12/9/2016</a:t>
+            </a:fld>
+            <a:endParaRPr lang="en-US"/>
+          </a:p>
+        </p:txBody>
+      </p:sp>
+      <p:sp>
+        <p:nvSpPr>
+          <p:cNvPr id="5" name="Footer Placeholder 4"/>
+          <p:cNvSpPr>
+            <a:spLocks noGrp="1"/>
+          </p:cNvSpPr>
+          <p:nvPr>
+            <p:ph type="ftr" sz="quarter" idx="11"/>
+          </p:nvPr>
+        </p:nvSpPr>
+        <p:spPr/>
+        <p:txBody>
+          <a:bodyPr/>
+          <a:lstStyle/>
+          <a:p>
+            <a:endParaRPr lang="en-US"/>
+          </a:p>
+        </p:txBody>
+      </p:sp>
+      <p:sp>
+        <p:nvSpPr>
+          <p:cNvPr id="6" name="Slide Number Placeholder 5"/>
+          <p:cNvSpPr>
+            <a:spLocks noGrp="1"/>
+          </p:cNvSpPr>
+          <p:nvPr>
+            <p:ph type="sldNum" sz="quarter" idx="12"/>
+          </p:nvPr>
+        </p:nvSpPr>
+        <p:spPr/>
+        <p:txBody>
+          <a:bodyPr/>
+          <a:lstStyle/>
+          <a:p>
+            <a:fld id="{9CF90E31-9492-468D-B5CF-42E9C00E9A84}" type="slidenum">
+              <a:rPr lang="en-US" smtClean="0"/>
+              <a:t>‹#›</a:t>
+            </a:fld>
+            <a:endParaRPr lang="en-US"/>
+          </a:p>
+        </p:txBody>
+      </p:sp>
+    </p:spTree>
+    <p:extLst>
+      <p:ext uri="{BB962C8B-B14F-4D97-AF65-F5344CB8AC3E}">
+        <p14:creationId xmlns:p14="http://schemas.microsoft.com/office/powerpoint/2010/main" val="2751338811"/>
+      </p:ext>
+    </p:extLst>
+  </p:cSld>
+  <p:clrMapOvr>
+    <a:masterClrMapping/>
+  </p:clrMapOvr>
+</p:sldLayout>
+</file>
+
+<file path=ppt/slideLayouts/slideLayout12.xml><?xml version="1.0" encoding="utf-8"?>
+<p:sldLayout xmlns:a="http://schemas.openxmlformats.org/drawingml/2006/main" xmlns:r="http://schemas.openxmlformats.org/officeDocument/2006/relationships" xmlns:p="http://schemas.openxmlformats.org/presentationml/2006/main" preserve="1">
+  <p:cSld name="Quote with Caption">
+    <p:spTree>
+      <p:nvGrpSpPr>
+        <p:cNvPr id="1" name=""/>
+        <p:cNvGrpSpPr/>
+        <p:nvPr/>
+      </p:nvGrpSpPr>
+      <p:grpSpPr>
+        <a:xfrm>
+          <a:off x="0" y="0"/>
+          <a:ext cx="0" cy="0"/>
+          <a:chOff x="0" y="0"/>
+          <a:chExt cx="0" cy="0"/>
+        </a:xfrm>
+      </p:grpSpPr>
+      <p:sp>
+        <p:nvSpPr>
+          <p:cNvPr id="2" name="Title 1"/>
+          <p:cNvSpPr>
+            <a:spLocks noGrp="1"/>
+          </p:cNvSpPr>
+          <p:nvPr>
+            <p:ph type="title"/>
+          </p:nvPr>
+        </p:nvSpPr>
+        <p:spPr>
+          <a:xfrm>
+            <a:off x="1574801" y="1447800"/>
+            <a:ext cx="7999315" cy="2323374"/>
+          </a:xfrm>
+        </p:spPr>
+        <p:txBody>
+          <a:bodyPr/>
+          <a:lstStyle>
+            <a:lvl1pPr>
+              <a:defRPr sz="4800"/>
+            </a:lvl1pPr>
+          </a:lstStyle>
+          <a:p>
+            <a:r>
+              <a:rPr lang="en-US" smtClean="0"/>
+              <a:t>Click to edit Master title style</a:t>
+            </a:r>
+            <a:endParaRPr lang="en-US" dirty="0"/>
+          </a:p>
+        </p:txBody>
+      </p:sp>
+      <p:sp>
+        <p:nvSpPr>
+          <p:cNvPr id="11" name="Text Placeholder 3"/>
+          <p:cNvSpPr>
+            <a:spLocks noGrp="1"/>
+          </p:cNvSpPr>
+          <p:nvPr>
+            <p:ph type="body" sz="half" idx="14"/>
+          </p:nvPr>
+        </p:nvSpPr>
+        <p:spPr>
+          <a:xfrm>
+            <a:off x="1930400" y="3771174"/>
+            <a:ext cx="7279649" cy="342174"/>
+          </a:xfrm>
+        </p:spPr>
+        <p:txBody>
+          <a:bodyPr vert="horz" lIns="91440" tIns="45720" rIns="91440" bIns="45720" rtlCol="0" anchor="t">
+            <a:normAutofit/>
+          </a:bodyPr>
+          <a:lstStyle>
+            <a:lvl1pPr marL="0" indent="0">
+              <a:buNone/>
+              <a:defRPr lang="en-US" sz="1400" b="0" i="0" kern="1200" cap="small" dirty="0">
+                <a:solidFill>
+                  <a:schemeClr val="bg2">
+                    <a:lumMod val="40000"/>
+                    <a:lumOff val="60000"/>
+                  </a:schemeClr>
+                </a:solidFill>
+                <a:latin typeface="+mj-lt"/>
+                <a:ea typeface="+mj-ea"/>
+                <a:cs typeface="+mj-cs"/>
+              </a:defRPr>
+            </a:lvl1pPr>
+            <a:lvl2pPr marL="457200" indent="0">
+              <a:buNone/>
+              <a:defRPr sz="1200"/>
+            </a:lvl2pPr>
+            <a:lvl3pPr marL="914400" indent="0">
+              <a:buNone/>
+              <a:defRPr sz="1000"/>
+            </a:lvl3pPr>
+            <a:lvl4pPr marL="1371600" indent="0">
+              <a:buNone/>
+              <a:defRPr sz="900"/>
+            </a:lvl4pPr>
+            <a:lvl5pPr marL="1828800" indent="0">
+              <a:buNone/>
+              <a:defRPr sz="900"/>
+            </a:lvl5pPr>
+            <a:lvl6pPr marL="2286000" indent="0">
+              <a:buNone/>
+              <a:defRPr sz="900"/>
+            </a:lvl6pPr>
+            <a:lvl7pPr marL="2743200" indent="0">
+              <a:buNone/>
+              <a:defRPr sz="900"/>
+            </a:lvl7pPr>
+            <a:lvl8pPr marL="3200400" indent="0">
+              <a:buNone/>
+              <a:defRPr sz="900"/>
+            </a:lvl8pPr>
+            <a:lvl9pPr marL="3657600" indent="0">
+              <a:buNone/>
+              <a:defRPr sz="900"/>
+            </a:lvl9pPr>
+          </a:lstStyle>
+          <a:p>
+            <a:pPr marL="0" lvl="0" indent="0">
+              <a:buNone/>
+            </a:pPr>
+            <a:r>
+              <a:rPr lang="en-US" smtClean="0"/>
+              <a:t>Edit Master text styles</a:t>
+            </a:r>
+          </a:p>
+        </p:txBody>
+      </p:sp>
+      <p:sp>
+        <p:nvSpPr>
+          <p:cNvPr id="10" name="Text Placeholder 3"/>
+          <p:cNvSpPr>
+            <a:spLocks noGrp="1"/>
+          </p:cNvSpPr>
+          <p:nvPr>
+            <p:ph type="body" sz="half" idx="2"/>
+          </p:nvPr>
+        </p:nvSpPr>
+        <p:spPr>
+          <a:xfrm>
+            <a:off x="1154954" y="4350657"/>
+            <a:ext cx="8825659" cy="1676400"/>
+          </a:xfrm>
+        </p:spPr>
+        <p:txBody>
+          <a:bodyPr anchor="ctr">
+            <a:normAutofit/>
+          </a:bodyPr>
+          <a:lstStyle>
+            <a:lvl1pPr marL="0" indent="0">
+              <a:buNone/>
+              <a:defRPr sz="1800"/>
+            </a:lvl1pPr>
+            <a:lvl2pPr marL="457200" indent="0">
+              <a:buNone/>
+              <a:defRPr sz="1200"/>
+            </a:lvl2pPr>
+            <a:lvl3pPr marL="914400" indent="0">
+              <a:buNone/>
+              <a:defRPr sz="1000"/>
+            </a:lvl3pPr>
+            <a:lvl4pPr marL="1371600" indent="0">
+              <a:buNone/>
+              <a:defRPr sz="900"/>
+            </a:lvl4pPr>
+            <a:lvl5pPr marL="1828800" indent="0">
+              <a:buNone/>
+              <a:defRPr sz="900"/>
+            </a:lvl5pPr>
+            <a:lvl6pPr marL="2286000" indent="0">
+              <a:buNone/>
+              <a:defRPr sz="900"/>
+            </a:lvl6pPr>
+            <a:lvl7pPr marL="2743200" indent="0">
+              <a:buNone/>
+              <a:defRPr sz="900"/>
+            </a:lvl7pPr>
+            <a:lvl8pPr marL="3200400" indent="0">
+              <a:buNone/>
+              <a:defRPr sz="900"/>
+            </a:lvl8pPr>
+            <a:lvl9pPr marL="3657600" indent="0">
+              <a:buNone/>
+              <a:defRPr sz="900"/>
+            </a:lvl9pPr>
+          </a:lstStyle>
+          <a:p>
+            <a:pPr lvl="0"/>
+            <a:r>
+              <a:rPr lang="en-US" smtClean="0"/>
+              <a:t>Edit Master text styles</a:t>
+            </a:r>
+          </a:p>
+        </p:txBody>
+      </p:sp>
+      <p:sp>
+        <p:nvSpPr>
+          <p:cNvPr id="4" name="Date Placeholder 3"/>
+          <p:cNvSpPr>
+            <a:spLocks noGrp="1"/>
+          </p:cNvSpPr>
+          <p:nvPr>
+            <p:ph type="dt" sz="half" idx="10"/>
+          </p:nvPr>
+        </p:nvSpPr>
+        <p:spPr/>
+        <p:txBody>
+          <a:bodyPr/>
+          <a:lstStyle/>
+          <a:p>
+            <a:fld id="{23635349-6CC1-4828-A550-3FA4C396D5D2}" type="datetimeFigureOut">
+              <a:rPr lang="en-US" smtClean="0"/>
+              <a:t>12/9/2016</a:t>
+            </a:fld>
+            <a:endParaRPr lang="en-US"/>
+          </a:p>
+        </p:txBody>
+      </p:sp>
+      <p:sp>
+        <p:nvSpPr>
+          <p:cNvPr id="5" name="Footer Placeholder 4"/>
+          <p:cNvSpPr>
+            <a:spLocks noGrp="1"/>
+          </p:cNvSpPr>
+          <p:nvPr>
+            <p:ph type="ftr" sz="quarter" idx="11"/>
+          </p:nvPr>
+        </p:nvSpPr>
+        <p:spPr/>
+        <p:txBody>
+          <a:bodyPr/>
+          <a:lstStyle/>
+          <a:p>
+            <a:endParaRPr lang="en-US"/>
+          </a:p>
+        </p:txBody>
+      </p:sp>
+      <p:sp>
+        <p:nvSpPr>
+          <p:cNvPr id="6" name="Slide Number Placeholder 5"/>
+          <p:cNvSpPr>
+            <a:spLocks noGrp="1"/>
+          </p:cNvSpPr>
+          <p:nvPr>
+            <p:ph type="sldNum" sz="quarter" idx="12"/>
+          </p:nvPr>
+        </p:nvSpPr>
+        <p:spPr/>
+        <p:txBody>
+          <a:bodyPr/>
+          <a:lstStyle/>
+          <a:p>
+            <a:fld id="{9CF90E31-9492-468D-B5CF-42E9C00E9A84}" type="slidenum">
+              <a:rPr lang="en-US" smtClean="0"/>
+              <a:t>‹#›</a:t>
+            </a:fld>
+            <a:endParaRPr lang="en-US"/>
+          </a:p>
+        </p:txBody>
+      </p:sp>
+      <p:sp>
+        <p:nvSpPr>
+          <p:cNvPr id="12" name="TextBox 11"/>
+          <p:cNvSpPr txBox="1"/>
+          <p:nvPr/>
+        </p:nvSpPr>
+        <p:spPr>
+          <a:xfrm>
+            <a:off x="898295" y="971253"/>
+            <a:ext cx="801912" cy="1969770"/>
+          </a:xfrm>
+          <a:prstGeom prst="rect">
+            <a:avLst/>
+          </a:prstGeom>
+          <a:noFill/>
+        </p:spPr>
+        <p:txBody>
+          <a:bodyPr wrap="square" rtlCol="0">
+            <a:spAutoFit/>
+          </a:bodyPr>
+          <a:lstStyle>
+            <a:defPPr>
+              <a:defRPr lang="en-US"/>
+            </a:defPPr>
+            <a:lvl1pPr algn="r">
+              <a:defRPr sz="12200" b="0" i="0">
+                <a:solidFill>
+                  <a:schemeClr val="bg2">
+                    <a:lumMod val="40000"/>
+                    <a:lumOff val="60000"/>
+                  </a:schemeClr>
+                </a:solidFill>
+                <a:latin typeface="Arial"/>
+                <a:ea typeface="+mj-ea"/>
+                <a:cs typeface="+mj-cs"/>
+              </a:defRPr>
+            </a:lvl1pPr>
+          </a:lstStyle>
+          <a:p>
+            <a:pPr lvl="0"/>
+            <a:r>
+              <a:rPr lang="en-US" dirty="0"/>
+              <a:t>“</a:t>
+            </a:r>
+          </a:p>
+        </p:txBody>
+      </p:sp>
+      <p:sp>
+        <p:nvSpPr>
+          <p:cNvPr id="15" name="TextBox 14"/>
+          <p:cNvSpPr txBox="1"/>
+          <p:nvPr/>
+        </p:nvSpPr>
+        <p:spPr>
+          <a:xfrm>
+            <a:off x="9330490" y="2613787"/>
+            <a:ext cx="801912" cy="1969770"/>
+          </a:xfrm>
+          <a:prstGeom prst="rect">
+            <a:avLst/>
+          </a:prstGeom>
+          <a:noFill/>
+        </p:spPr>
+        <p:txBody>
+          <a:bodyPr wrap="square" rtlCol="0">
+            <a:spAutoFit/>
+          </a:bodyPr>
+          <a:lstStyle>
+            <a:defPPr>
+              <a:defRPr lang="en-US"/>
+            </a:defPPr>
+            <a:lvl1pPr algn="r">
+              <a:defRPr sz="12200" b="0" i="0">
+                <a:solidFill>
+                  <a:schemeClr val="bg2">
+                    <a:lumMod val="40000"/>
+                    <a:lumOff val="60000"/>
+                  </a:schemeClr>
+                </a:solidFill>
+                <a:latin typeface="Arial"/>
+                <a:ea typeface="+mj-ea"/>
+                <a:cs typeface="+mj-cs"/>
+              </a:defRPr>
+            </a:lvl1pPr>
+          </a:lstStyle>
+          <a:p>
+            <a:pPr lvl="0"/>
+            <a:r>
+              <a:rPr lang="en-US" dirty="0"/>
+              <a:t>”</a:t>
+            </a:r>
+          </a:p>
+        </p:txBody>
+      </p:sp>
+    </p:spTree>
+    <p:extLst>
+      <p:ext uri="{BB962C8B-B14F-4D97-AF65-F5344CB8AC3E}">
+        <p14:creationId xmlns:p14="http://schemas.microsoft.com/office/powerpoint/2010/main" val="3627659340"/>
+      </p:ext>
+    </p:extLst>
+  </p:cSld>
+  <p:clrMapOvr>
+    <a:masterClrMapping/>
+  </p:clrMapOvr>
+</p:sldLayout>
+</file>
+
+<file path=ppt/slideLayouts/slideLayout13.xml><?xml version="1.0" encoding="utf-8"?>
+<p:sldLayout xmlns:a="http://schemas.openxmlformats.org/drawingml/2006/main" xmlns:r="http://schemas.openxmlformats.org/officeDocument/2006/relationships" xmlns:p="http://schemas.openxmlformats.org/presentationml/2006/main" preserve="1">
+  <p:cSld name="Name Card">
+    <p:spTree>
+      <p:nvGrpSpPr>
+        <p:cNvPr id="1" name=""/>
+        <p:cNvGrpSpPr/>
+        <p:nvPr/>
+      </p:nvGrpSpPr>
+      <p:grpSpPr>
+        <a:xfrm>
+          <a:off x="0" y="0"/>
+          <a:ext cx="0" cy="0"/>
+          <a:chOff x="0" y="0"/>
+          <a:chExt cx="0" cy="0"/>
+        </a:xfrm>
+      </p:grpSpPr>
+      <p:sp>
+        <p:nvSpPr>
+          <p:cNvPr id="2" name="Title 1"/>
+          <p:cNvSpPr>
+            <a:spLocks noGrp="1"/>
+          </p:cNvSpPr>
+          <p:nvPr>
+            <p:ph type="title"/>
+          </p:nvPr>
+        </p:nvSpPr>
+        <p:spPr>
+          <a:xfrm>
+            <a:off x="1154954" y="3124201"/>
+            <a:ext cx="8825660" cy="1653180"/>
+          </a:xfrm>
+        </p:spPr>
+        <p:txBody>
+          <a:bodyPr anchor="b"/>
+          <a:lstStyle>
+            <a:lvl1pPr algn="l">
+              <a:defRPr sz="4000" b="0" cap="none"/>
+            </a:lvl1pPr>
+          </a:lstStyle>
+          <a:p>
+            <a:r>
+              <a:rPr lang="en-US" smtClean="0"/>
+              <a:t>Click to edit Master title style</a:t>
+            </a:r>
+            <a:endParaRPr lang="en-US" dirty="0"/>
+          </a:p>
+        </p:txBody>
+      </p:sp>
+      <p:sp>
+        <p:nvSpPr>
+          <p:cNvPr id="3" name="Text Placeholder 2"/>
+          <p:cNvSpPr>
+            <a:spLocks noGrp="1"/>
+          </p:cNvSpPr>
+          <p:nvPr>
+            <p:ph type="body" idx="1"/>
+          </p:nvPr>
+        </p:nvSpPr>
+        <p:spPr>
+          <a:xfrm>
+            <a:off x="1154954" y="4777381"/>
+            <a:ext cx="8825659" cy="860400"/>
+          </a:xfrm>
+        </p:spPr>
+        <p:txBody>
+          <a:bodyPr anchor="t"/>
+          <a:lstStyle>
+            <a:lvl1pPr marL="0" indent="0" algn="l">
+              <a:buNone/>
+              <a:defRPr sz="2000" cap="none">
+                <a:solidFill>
+                  <a:schemeClr val="bg2">
+                    <a:lumMod val="40000"/>
+                    <a:lumOff val="60000"/>
+                  </a:schemeClr>
+                </a:solidFill>
+              </a:defRPr>
+            </a:lvl1pPr>
+            <a:lvl2pPr marL="457200" indent="0">
+              <a:buNone/>
+              <a:defRPr sz="1800">
+                <a:solidFill>
+                  <a:schemeClr val="tx1">
+                    <a:tint val="75000"/>
+                  </a:schemeClr>
+                </a:solidFill>
+              </a:defRPr>
+            </a:lvl2pPr>
+            <a:lvl3pPr marL="914400" indent="0">
+              <a:buNone/>
+              <a:defRPr sz="1600">
+                <a:solidFill>
+                  <a:schemeClr val="tx1">
+                    <a:tint val="75000"/>
+                  </a:schemeClr>
+                </a:solidFill>
+              </a:defRPr>
+            </a:lvl3pPr>
+            <a:lvl4pPr marL="1371600" indent="0">
+              <a:buNone/>
+              <a:defRPr sz="1400">
+                <a:solidFill>
+                  <a:schemeClr val="tx1">
+                    <a:tint val="75000"/>
+                  </a:schemeClr>
+                </a:solidFill>
+              </a:defRPr>
+            </a:lvl4pPr>
+            <a:lvl5pPr marL="1828800" indent="0">
+              <a:buNone/>
+              <a:defRPr sz="1400">
+                <a:solidFill>
+                  <a:schemeClr val="tx1">
+                    <a:tint val="75000"/>
+                  </a:schemeClr>
+                </a:solidFill>
+              </a:defRPr>
+            </a:lvl5pPr>
+            <a:lvl6pPr marL="2286000" indent="0">
+              <a:buNone/>
+              <a:defRPr sz="1400">
+                <a:solidFill>
+                  <a:schemeClr val="tx1">
+                    <a:tint val="75000"/>
+                  </a:schemeClr>
+                </a:solidFill>
+              </a:defRPr>
+            </a:lvl6pPr>
+            <a:lvl7pPr marL="2743200" indent="0">
+              <a:buNone/>
+              <a:defRPr sz="1400">
+                <a:solidFill>
+                  <a:schemeClr val="tx1">
+                    <a:tint val="75000"/>
+                  </a:schemeClr>
+                </a:solidFill>
+              </a:defRPr>
+            </a:lvl7pPr>
+            <a:lvl8pPr marL="3200400" indent="0">
+              <a:buNone/>
+              <a:defRPr sz="1400">
+                <a:solidFill>
+                  <a:schemeClr val="tx1">
+                    <a:tint val="75000"/>
+                  </a:schemeClr>
+                </a:solidFill>
+              </a:defRPr>
+            </a:lvl8pPr>
+            <a:lvl9pPr marL="3657600" indent="0">
+              <a:buNone/>
+              <a:defRPr sz="1400">
+                <a:solidFill>
+                  <a:schemeClr val="tx1">
+                    <a:tint val="75000"/>
+                  </a:schemeClr>
+                </a:solidFill>
+              </a:defRPr>
+            </a:lvl9pPr>
+          </a:lstStyle>
+          <a:p>
+            <a:pPr lvl="0"/>
+            <a:r>
+              <a:rPr lang="en-US" smtClean="0"/>
+              <a:t>Edit Master text styles</a:t>
+            </a:r>
+          </a:p>
+        </p:txBody>
+      </p:sp>
+      <p:sp>
+        <p:nvSpPr>
+          <p:cNvPr id="4" name="Date Placeholder 3"/>
+          <p:cNvSpPr>
+            <a:spLocks noGrp="1"/>
+          </p:cNvSpPr>
+          <p:nvPr>
+            <p:ph type="dt" sz="half" idx="10"/>
+          </p:nvPr>
+        </p:nvSpPr>
+        <p:spPr/>
+        <p:txBody>
+          <a:bodyPr/>
+          <a:lstStyle/>
+          <a:p>
+            <a:fld id="{23635349-6CC1-4828-A550-3FA4C396D5D2}" type="datetimeFigureOut">
+              <a:rPr lang="en-US" smtClean="0"/>
+              <a:t>12/9/2016</a:t>
+            </a:fld>
+            <a:endParaRPr lang="en-US"/>
+          </a:p>
+        </p:txBody>
+      </p:sp>
+      <p:sp>
+        <p:nvSpPr>
+          <p:cNvPr id="5" name="Footer Placeholder 4"/>
+          <p:cNvSpPr>
+            <a:spLocks noGrp="1"/>
+          </p:cNvSpPr>
+          <p:nvPr>
+            <p:ph type="ftr" sz="quarter" idx="11"/>
+          </p:nvPr>
+        </p:nvSpPr>
+        <p:spPr/>
+        <p:txBody>
+          <a:bodyPr/>
+          <a:lstStyle/>
+          <a:p>
+            <a:endParaRPr lang="en-US"/>
+          </a:p>
+        </p:txBody>
+      </p:sp>
+      <p:sp>
+        <p:nvSpPr>
+          <p:cNvPr id="6" name="Slide Number Placeholder 5"/>
+          <p:cNvSpPr>
+            <a:spLocks noGrp="1"/>
+          </p:cNvSpPr>
+          <p:nvPr>
+            <p:ph type="sldNum" sz="quarter" idx="12"/>
+          </p:nvPr>
+        </p:nvSpPr>
+        <p:spPr/>
+        <p:txBody>
+          <a:bodyPr/>
+          <a:lstStyle/>
+          <a:p>
+            <a:fld id="{9CF90E31-9492-468D-B5CF-42E9C00E9A84}" type="slidenum">
+              <a:rPr lang="en-US" smtClean="0"/>
+              <a:t>‹#›</a:t>
+            </a:fld>
+            <a:endParaRPr lang="en-US"/>
+          </a:p>
+        </p:txBody>
+      </p:sp>
+    </p:spTree>
+    <p:extLst>
+      <p:ext uri="{BB962C8B-B14F-4D97-AF65-F5344CB8AC3E}">
+        <p14:creationId xmlns:p14="http://schemas.microsoft.com/office/powerpoint/2010/main" val="917732849"/>
+      </p:ext>
+    </p:extLst>
+  </p:cSld>
+  <p:clrMapOvr>
+    <a:masterClrMapping/>
+  </p:clrMapOvr>
+</p:sldLayout>
+</file>
+
+<file path=ppt/slideLayouts/slideLayout14.xml><?xml version="1.0" encoding="utf-8"?>
+<p:sldLayout xmlns:a="http://schemas.openxmlformats.org/drawingml/2006/main" xmlns:r="http://schemas.openxmlformats.org/officeDocument/2006/relationships" xmlns:p="http://schemas.openxmlformats.org/presentationml/2006/main" preserve="1">
+  <p:cSld name="3 Column">
+    <p:spTree>
+      <p:nvGrpSpPr>
+        <p:cNvPr id="1" name=""/>
+        <p:cNvGrpSpPr/>
+        <p:nvPr/>
+      </p:nvGrpSpPr>
+      <p:grpSpPr>
+        <a:xfrm>
+          <a:off x="0" y="0"/>
+          <a:ext cx="0" cy="0"/>
+          <a:chOff x="0" y="0"/>
+          <a:chExt cx="0" cy="0"/>
+        </a:xfrm>
+      </p:grpSpPr>
+      <p:sp>
+        <p:nvSpPr>
+          <p:cNvPr id="2" name="Title 1"/>
+          <p:cNvSpPr>
+            <a:spLocks noGrp="1"/>
+          </p:cNvSpPr>
+          <p:nvPr>
+            <p:ph type="title"/>
+          </p:nvPr>
+        </p:nvSpPr>
+        <p:spPr/>
+        <p:txBody>
+          <a:bodyPr/>
+          <a:lstStyle>
+            <a:lvl1pPr>
+              <a:defRPr sz="4200"/>
+            </a:lvl1pPr>
+          </a:lstStyle>
+          <a:p>
+            <a:r>
+              <a:rPr lang="en-US" smtClean="0"/>
+              <a:t>Click to edit Master title style</a:t>
+            </a:r>
+            <a:endParaRPr lang="en-US" dirty="0"/>
+          </a:p>
+        </p:txBody>
+      </p:sp>
+      <p:sp>
+        <p:nvSpPr>
+          <p:cNvPr id="3" name="Text Placeholder 2"/>
+          <p:cNvSpPr>
+            <a:spLocks noGrp="1"/>
+          </p:cNvSpPr>
+          <p:nvPr>
+            <p:ph type="body" idx="1"/>
+          </p:nvPr>
+        </p:nvSpPr>
+        <p:spPr>
+          <a:xfrm>
+            <a:off x="632947" y="1981200"/>
+            <a:ext cx="2946866" cy="576262"/>
+          </a:xfrm>
+        </p:spPr>
+        <p:txBody>
+          <a:bodyPr anchor="b">
+            <a:noAutofit/>
+          </a:bodyPr>
+          <a:lstStyle>
+            <a:lvl1pPr marL="0" indent="0">
+              <a:buNone/>
+              <a:defRPr sz="2400" b="0">
+                <a:solidFill>
+                  <a:schemeClr val="bg2">
+                    <a:lumMod val="40000"/>
+                    <a:lumOff val="60000"/>
+                  </a:schemeClr>
+                </a:solidFill>
+              </a:defRPr>
+            </a:lvl1pPr>
+            <a:lvl2pPr marL="457200" indent="0">
+              <a:buNone/>
+              <a:defRPr sz="2000" b="1"/>
+            </a:lvl2pPr>
+            <a:lvl3pPr marL="914400" indent="0">
+              <a:buNone/>
+              <a:defRPr sz="1800" b="1"/>
+            </a:lvl3pPr>
+            <a:lvl4pPr marL="1371600" indent="0">
+              <a:buNone/>
+              <a:defRPr sz="1600" b="1"/>
+            </a:lvl4pPr>
+            <a:lvl5pPr marL="1828800" indent="0">
+              <a:buNone/>
+              <a:defRPr sz="1600" b="1"/>
+            </a:lvl5pPr>
+            <a:lvl6pPr marL="2286000" indent="0">
+              <a:buNone/>
+              <a:defRPr sz="1600" b="1"/>
+            </a:lvl6pPr>
+            <a:lvl7pPr marL="2743200" indent="0">
+              <a:buNone/>
+              <a:defRPr sz="1600" b="1"/>
+            </a:lvl7pPr>
+            <a:lvl8pPr marL="3200400" indent="0">
+              <a:buNone/>
+              <a:defRPr sz="1600" b="1"/>
+            </a:lvl8pPr>
+            <a:lvl9pPr marL="3657600" indent="0">
+              <a:buNone/>
+              <a:defRPr sz="1600" b="1"/>
+            </a:lvl9pPr>
+          </a:lstStyle>
+          <a:p>
+            <a:pPr lvl="0"/>
+            <a:r>
+              <a:rPr lang="en-US" smtClean="0"/>
+              <a:t>Edit Master text styles</a:t>
+            </a:r>
+          </a:p>
+        </p:txBody>
+      </p:sp>
+      <p:sp>
+        <p:nvSpPr>
+          <p:cNvPr id="16" name="Text Placeholder 3"/>
+          <p:cNvSpPr>
+            <a:spLocks noGrp="1"/>
+          </p:cNvSpPr>
+          <p:nvPr>
+            <p:ph type="body" sz="half" idx="15"/>
+          </p:nvPr>
+        </p:nvSpPr>
+        <p:spPr>
+          <a:xfrm>
+            <a:off x="652463" y="2667000"/>
+            <a:ext cx="2927350" cy="3589338"/>
+          </a:xfrm>
+        </p:spPr>
+        <p:txBody>
+          <a:bodyPr anchor="t">
+            <a:normAutofit/>
+          </a:bodyPr>
+          <a:lstStyle>
+            <a:lvl1pPr marL="0" indent="0">
+              <a:buNone/>
+              <a:defRPr sz="1400"/>
+            </a:lvl1pPr>
+            <a:lvl2pPr marL="457200" indent="0">
+              <a:buNone/>
+              <a:defRPr sz="1200"/>
+            </a:lvl2pPr>
+            <a:lvl3pPr marL="914400" indent="0">
+              <a:buNone/>
+              <a:defRPr sz="1000"/>
+            </a:lvl3pPr>
+            <a:lvl4pPr marL="1371600" indent="0">
+              <a:buNone/>
+              <a:defRPr sz="900"/>
+            </a:lvl4pPr>
+            <a:lvl5pPr marL="1828800" indent="0">
+              <a:buNone/>
+              <a:defRPr sz="900"/>
+            </a:lvl5pPr>
+            <a:lvl6pPr marL="2286000" indent="0">
+              <a:buNone/>
+              <a:defRPr sz="900"/>
+            </a:lvl6pPr>
+            <a:lvl7pPr marL="2743200" indent="0">
+              <a:buNone/>
+              <a:defRPr sz="900"/>
+            </a:lvl7pPr>
+            <a:lvl8pPr marL="3200400" indent="0">
+              <a:buNone/>
+              <a:defRPr sz="900"/>
+            </a:lvl8pPr>
+            <a:lvl9pPr marL="3657600" indent="0">
+              <a:buNone/>
+              <a:defRPr sz="900"/>
+            </a:lvl9pPr>
+          </a:lstStyle>
+          <a:p>
+            <a:pPr lvl="0"/>
+            <a:r>
+              <a:rPr lang="en-US" smtClean="0"/>
+              <a:t>Edit Master text styles</a:t>
+            </a:r>
+          </a:p>
+        </p:txBody>
+      </p:sp>
+      <p:sp>
+        <p:nvSpPr>
+          <p:cNvPr id="5" name="Text Placeholder 4"/>
+          <p:cNvSpPr>
+            <a:spLocks noGrp="1"/>
+          </p:cNvSpPr>
+          <p:nvPr>
+            <p:ph type="body" sz="quarter" idx="3"/>
+          </p:nvPr>
+        </p:nvSpPr>
+        <p:spPr>
+          <a:xfrm>
+            <a:off x="3883659" y="1981200"/>
+            <a:ext cx="2936241" cy="576262"/>
+          </a:xfrm>
+        </p:spPr>
+        <p:txBody>
+          <a:bodyPr anchor="b">
+            <a:noAutofit/>
+          </a:bodyPr>
+          <a:lstStyle>
+            <a:lvl1pPr marL="0" indent="0">
+              <a:buNone/>
+              <a:defRPr sz="2400" b="0">
+                <a:solidFill>
+                  <a:schemeClr val="bg2">
+                    <a:lumMod val="40000"/>
+                    <a:lumOff val="60000"/>
+                  </a:schemeClr>
+                </a:solidFill>
+              </a:defRPr>
+            </a:lvl1pPr>
+            <a:lvl2pPr marL="457200" indent="0">
+              <a:buNone/>
+              <a:defRPr sz="2000" b="1"/>
+            </a:lvl2pPr>
+            <a:lvl3pPr marL="914400" indent="0">
+              <a:buNone/>
+              <a:defRPr sz="1800" b="1"/>
+            </a:lvl3pPr>
+            <a:lvl4pPr marL="1371600" indent="0">
+              <a:buNone/>
+              <a:defRPr sz="1600" b="1"/>
+            </a:lvl4pPr>
+            <a:lvl5pPr marL="1828800" indent="0">
+              <a:buNone/>
+              <a:defRPr sz="1600" b="1"/>
+            </a:lvl5pPr>
+            <a:lvl6pPr marL="2286000" indent="0">
+              <a:buNone/>
+              <a:defRPr sz="1600" b="1"/>
+            </a:lvl6pPr>
+            <a:lvl7pPr marL="2743200" indent="0">
+              <a:buNone/>
+              <a:defRPr sz="1600" b="1"/>
+            </a:lvl7pPr>
+            <a:lvl8pPr marL="3200400" indent="0">
+              <a:buNone/>
+              <a:defRPr sz="1600" b="1"/>
+            </a:lvl8pPr>
+            <a:lvl9pPr marL="3657600" indent="0">
+              <a:buNone/>
+              <a:defRPr sz="1600" b="1"/>
+            </a:lvl9pPr>
+          </a:lstStyle>
+          <a:p>
+            <a:pPr lvl="0"/>
+            <a:r>
+              <a:rPr lang="en-US" smtClean="0"/>
+              <a:t>Edit Master text styles</a:t>
+            </a:r>
+          </a:p>
+        </p:txBody>
+      </p:sp>
+      <p:sp>
+        <p:nvSpPr>
+          <p:cNvPr id="19" name="Text Placeholder 3"/>
+          <p:cNvSpPr>
+            <a:spLocks noGrp="1"/>
+          </p:cNvSpPr>
+          <p:nvPr>
+            <p:ph type="body" sz="half" idx="16"/>
+          </p:nvPr>
+        </p:nvSpPr>
+        <p:spPr>
+          <a:xfrm>
+            <a:off x="3873106" y="2667000"/>
+            <a:ext cx="2946794" cy="3589338"/>
+          </a:xfrm>
+        </p:spPr>
+        <p:txBody>
+          <a:bodyPr anchor="t">
+            <a:normAutofit/>
+          </a:bodyPr>
+          <a:lstStyle>
+            <a:lvl1pPr marL="0" indent="0">
+              <a:buNone/>
+              <a:defRPr sz="1400"/>
+            </a:lvl1pPr>
+            <a:lvl2pPr marL="457200" indent="0">
+              <a:buNone/>
+              <a:defRPr sz="1200"/>
+            </a:lvl2pPr>
+            <a:lvl3pPr marL="914400" indent="0">
+              <a:buNone/>
+              <a:defRPr sz="1000"/>
+            </a:lvl3pPr>
+            <a:lvl4pPr marL="1371600" indent="0">
+              <a:buNone/>
+              <a:defRPr sz="900"/>
+            </a:lvl4pPr>
+            <a:lvl5pPr marL="1828800" indent="0">
+              <a:buNone/>
+              <a:defRPr sz="900"/>
+            </a:lvl5pPr>
+            <a:lvl6pPr marL="2286000" indent="0">
+              <a:buNone/>
+              <a:defRPr sz="900"/>
+            </a:lvl6pPr>
+            <a:lvl7pPr marL="2743200" indent="0">
+              <a:buNone/>
+              <a:defRPr sz="900"/>
+            </a:lvl7pPr>
+            <a:lvl8pPr marL="3200400" indent="0">
+              <a:buNone/>
+              <a:defRPr sz="900"/>
+            </a:lvl8pPr>
+            <a:lvl9pPr marL="3657600" indent="0">
+              <a:buNone/>
+              <a:defRPr sz="900"/>
+            </a:lvl9pPr>
+          </a:lstStyle>
+          <a:p>
+            <a:pPr lvl="0"/>
+            <a:r>
+              <a:rPr lang="en-US" smtClean="0"/>
+              <a:t>Edit Master text styles</a:t>
+            </a:r>
+          </a:p>
+        </p:txBody>
+      </p:sp>
+      <p:sp>
+        <p:nvSpPr>
+          <p:cNvPr id="14" name="Text Placeholder 4"/>
+          <p:cNvSpPr>
+            <a:spLocks noGrp="1"/>
+          </p:cNvSpPr>
+          <p:nvPr>
+            <p:ph type="body" sz="quarter" idx="13"/>
+          </p:nvPr>
+        </p:nvSpPr>
+        <p:spPr>
+          <a:xfrm>
+            <a:off x="7124700" y="1981200"/>
+            <a:ext cx="2932113" cy="576262"/>
+          </a:xfrm>
+        </p:spPr>
+        <p:txBody>
+          <a:bodyPr anchor="b">
+            <a:noAutofit/>
+          </a:bodyPr>
+          <a:lstStyle>
+            <a:lvl1pPr marL="0" indent="0">
+              <a:buNone/>
+              <a:defRPr sz="2400" b="0">
+                <a:solidFill>
+                  <a:schemeClr val="bg2">
+                    <a:lumMod val="40000"/>
+                    <a:lumOff val="60000"/>
+                  </a:schemeClr>
+                </a:solidFill>
+              </a:defRPr>
+            </a:lvl1pPr>
+            <a:lvl2pPr marL="457200" indent="0">
+              <a:buNone/>
+              <a:defRPr sz="2000" b="1"/>
+            </a:lvl2pPr>
+            <a:lvl3pPr marL="914400" indent="0">
+              <a:buNone/>
+              <a:defRPr sz="1800" b="1"/>
+            </a:lvl3pPr>
+            <a:lvl4pPr marL="1371600" indent="0">
+              <a:buNone/>
+              <a:defRPr sz="1600" b="1"/>
+            </a:lvl4pPr>
+            <a:lvl5pPr marL="1828800" indent="0">
+              <a:buNone/>
+              <a:defRPr sz="1600" b="1"/>
+            </a:lvl5pPr>
+            <a:lvl6pPr marL="2286000" indent="0">
+              <a:buNone/>
+              <a:defRPr sz="1600" b="1"/>
+            </a:lvl6pPr>
+            <a:lvl7pPr marL="2743200" indent="0">
+              <a:buNone/>
+              <a:defRPr sz="1600" b="1"/>
+            </a:lvl7pPr>
+            <a:lvl8pPr marL="3200400" indent="0">
+              <a:buNone/>
+              <a:defRPr sz="1600" b="1"/>
+            </a:lvl8pPr>
+            <a:lvl9pPr marL="3657600" indent="0">
+              <a:buNone/>
+              <a:defRPr sz="1600" b="1"/>
+            </a:lvl9pPr>
+          </a:lstStyle>
+          <a:p>
+            <a:pPr lvl="0"/>
+            <a:r>
+              <a:rPr lang="en-US" smtClean="0"/>
+              <a:t>Edit Master text styles</a:t>
+            </a:r>
+          </a:p>
+        </p:txBody>
+      </p:sp>
+      <p:sp>
+        <p:nvSpPr>
+          <p:cNvPr id="20" name="Text Placeholder 3"/>
+          <p:cNvSpPr>
+            <a:spLocks noGrp="1"/>
+          </p:cNvSpPr>
+          <p:nvPr>
+            <p:ph type="body" sz="half" idx="17"/>
+          </p:nvPr>
+        </p:nvSpPr>
+        <p:spPr>
+          <a:xfrm>
+            <a:off x="7124700" y="2667000"/>
+            <a:ext cx="2932113" cy="3589338"/>
+          </a:xfrm>
+        </p:spPr>
+        <p:txBody>
+          <a:bodyPr anchor="t">
+            <a:normAutofit/>
+          </a:bodyPr>
+          <a:lstStyle>
+            <a:lvl1pPr marL="0" indent="0">
+              <a:buNone/>
+              <a:defRPr sz="1400"/>
+            </a:lvl1pPr>
+            <a:lvl2pPr marL="457200" indent="0">
+              <a:buNone/>
+              <a:defRPr sz="1200"/>
+            </a:lvl2pPr>
+            <a:lvl3pPr marL="914400" indent="0">
+              <a:buNone/>
+              <a:defRPr sz="1000"/>
+            </a:lvl3pPr>
+            <a:lvl4pPr marL="1371600" indent="0">
+              <a:buNone/>
+              <a:defRPr sz="900"/>
+            </a:lvl4pPr>
+            <a:lvl5pPr marL="1828800" indent="0">
+              <a:buNone/>
+              <a:defRPr sz="900"/>
+            </a:lvl5pPr>
+            <a:lvl6pPr marL="2286000" indent="0">
+              <a:buNone/>
+              <a:defRPr sz="900"/>
+            </a:lvl6pPr>
+            <a:lvl7pPr marL="2743200" indent="0">
+              <a:buNone/>
+              <a:defRPr sz="900"/>
+            </a:lvl7pPr>
+            <a:lvl8pPr marL="3200400" indent="0">
+              <a:buNone/>
+              <a:defRPr sz="900"/>
+            </a:lvl8pPr>
+            <a:lvl9pPr marL="3657600" indent="0">
+              <a:buNone/>
+              <a:defRPr sz="900"/>
+            </a:lvl9pPr>
+          </a:lstStyle>
+          <a:p>
+            <a:pPr lvl="0"/>
+            <a:r>
+              <a:rPr lang="en-US" smtClean="0"/>
+              <a:t>Edit Master text styles</a:t>
+            </a:r>
+          </a:p>
+        </p:txBody>
+      </p:sp>
+      <p:cxnSp>
+        <p:nvCxnSpPr>
+          <p:cNvPr id="17" name="Straight Connector 16"/>
+          <p:cNvCxnSpPr/>
+          <p:nvPr/>
+        </p:nvCxnSpPr>
+        <p:spPr>
+          <a:xfrm>
+            <a:off x="3726142" y="2133600"/>
+            <a:ext cx="0" cy="3962400"/>
+          </a:xfrm>
+          <a:prstGeom prst="line">
+            <a:avLst/>
+          </a:prstGeom>
+          <a:ln w="12700" cmpd="sng">
+            <a:solidFill>
+              <a:schemeClr val="bg2">
+                <a:lumMod val="40000"/>
+                <a:lumOff val="60000"/>
+                <a:alpha val="40000"/>
+              </a:schemeClr>
+            </a:solidFill>
+          </a:ln>
+        </p:spPr>
+        <p:style>
+          <a:lnRef idx="2">
+            <a:schemeClr val="accent1"/>
+          </a:lnRef>
+          <a:fillRef idx="0">
+            <a:schemeClr val="accent1"/>
+          </a:fillRef>
+          <a:effectRef idx="1">
+            <a:schemeClr val="accent1"/>
+          </a:effectRef>
+          <a:fontRef idx="minor">
+            <a:schemeClr val="tx1"/>
+          </a:fontRef>
+        </p:style>
+      </p:cxnSp>
+      <p:cxnSp>
+        <p:nvCxnSpPr>
+          <p:cNvPr id="18" name="Straight Connector 17"/>
+          <p:cNvCxnSpPr/>
+          <p:nvPr/>
+        </p:nvCxnSpPr>
+        <p:spPr>
+          <a:xfrm>
+            <a:off x="6962227" y="2133600"/>
+            <a:ext cx="0" cy="3966882"/>
+          </a:xfrm>
+          <a:prstGeom prst="line">
+            <a:avLst/>
+          </a:prstGeom>
+          <a:ln w="12700" cmpd="sng">
+            <a:solidFill>
+              <a:schemeClr val="bg2">
+                <a:lumMod val="40000"/>
+                <a:lumOff val="60000"/>
+                <a:alpha val="40000"/>
+              </a:schemeClr>
+            </a:solidFill>
+          </a:ln>
+        </p:spPr>
+        <p:style>
+          <a:lnRef idx="2">
+            <a:schemeClr val="accent1"/>
+          </a:lnRef>
+          <a:fillRef idx="0">
+            <a:schemeClr val="accent1"/>
+          </a:fillRef>
+          <a:effectRef idx="1">
+            <a:schemeClr val="accent1"/>
+          </a:effectRef>
+          <a:fontRef idx="minor">
+            <a:schemeClr val="tx1"/>
+          </a:fontRef>
+        </p:style>
+      </p:cxnSp>
+      <p:sp>
+        <p:nvSpPr>
+          <p:cNvPr id="7" name="Date Placeholder 3"/>
+          <p:cNvSpPr>
+            <a:spLocks noGrp="1"/>
+          </p:cNvSpPr>
+          <p:nvPr>
+            <p:ph type="dt" sz="half" idx="10"/>
+          </p:nvPr>
+        </p:nvSpPr>
+        <p:spPr/>
+        <p:txBody>
+          <a:bodyPr/>
+          <a:lstStyle/>
+          <a:p>
+            <a:fld id="{23635349-6CC1-4828-A550-3FA4C396D5D2}" type="datetimeFigureOut">
+              <a:rPr lang="en-US" smtClean="0"/>
+              <a:t>12/9/2016</a:t>
+            </a:fld>
+            <a:endParaRPr lang="en-US"/>
+          </a:p>
+        </p:txBody>
+      </p:sp>
+      <p:sp>
+        <p:nvSpPr>
+          <p:cNvPr id="4" name="Footer Placeholder 4"/>
+          <p:cNvSpPr>
+            <a:spLocks noGrp="1"/>
+          </p:cNvSpPr>
+          <p:nvPr>
+            <p:ph type="ftr" sz="quarter" idx="11"/>
+          </p:nvPr>
+        </p:nvSpPr>
+        <p:spPr/>
+        <p:txBody>
+          <a:bodyPr/>
+          <a:lstStyle/>
+          <a:p>
+            <a:endParaRPr lang="en-US"/>
+          </a:p>
+        </p:txBody>
+      </p:sp>
+      <p:sp>
+        <p:nvSpPr>
+          <p:cNvPr id="6" name="Slide Number Placeholder 5"/>
+          <p:cNvSpPr>
+            <a:spLocks noGrp="1"/>
+          </p:cNvSpPr>
+          <p:nvPr>
+            <p:ph type="sldNum" sz="quarter" idx="12"/>
+          </p:nvPr>
+        </p:nvSpPr>
+        <p:spPr/>
+        <p:txBody>
+          <a:bodyPr/>
+          <a:lstStyle/>
+          <a:p>
+            <a:fld id="{9CF90E31-9492-468D-B5CF-42E9C00E9A84}" type="slidenum">
+              <a:rPr lang="en-US" smtClean="0"/>
+              <a:t>‹#›</a:t>
+            </a:fld>
+            <a:endParaRPr lang="en-US"/>
+          </a:p>
+        </p:txBody>
+      </p:sp>
+    </p:spTree>
+    <p:extLst>
+      <p:ext uri="{BB962C8B-B14F-4D97-AF65-F5344CB8AC3E}">
+        <p14:creationId xmlns:p14="http://schemas.microsoft.com/office/powerpoint/2010/main" val="3298053880"/>
+      </p:ext>
+    </p:extLst>
+  </p:cSld>
+  <p:clrMapOvr>
+    <a:masterClrMapping/>
+  </p:clrMapOvr>
+</p:sldLayout>
+</file>
+
+<file path=ppt/slideLayouts/slideLayout15.xml><?xml version="1.0" encoding="utf-8"?>
+<p:sldLayout xmlns:a="http://schemas.openxmlformats.org/drawingml/2006/main" xmlns:r="http://schemas.openxmlformats.org/officeDocument/2006/relationships" xmlns:p="http://schemas.openxmlformats.org/presentationml/2006/main" preserve="1">
+  <p:cSld name="3 Picture Column">
+    <p:spTree>
+      <p:nvGrpSpPr>
+        <p:cNvPr id="1" name=""/>
+        <p:cNvGrpSpPr/>
+        <p:nvPr/>
+      </p:nvGrpSpPr>
+      <p:grpSpPr>
+        <a:xfrm>
+          <a:off x="0" y="0"/>
+          <a:ext cx="0" cy="0"/>
+          <a:chOff x="0" y="0"/>
+          <a:chExt cx="0" cy="0"/>
+        </a:xfrm>
+      </p:grpSpPr>
+      <p:sp>
+        <p:nvSpPr>
+          <p:cNvPr id="2" name="Title 1"/>
+          <p:cNvSpPr>
+            <a:spLocks noGrp="1"/>
+          </p:cNvSpPr>
+          <p:nvPr>
+            <p:ph type="title"/>
+          </p:nvPr>
+        </p:nvSpPr>
+        <p:spPr/>
+        <p:txBody>
+          <a:bodyPr/>
+          <a:lstStyle>
+            <a:lvl1pPr>
+              <a:defRPr sz="4200"/>
+            </a:lvl1pPr>
+          </a:lstStyle>
+          <a:p>
+            <a:r>
+              <a:rPr lang="en-US" smtClean="0"/>
+              <a:t>Click to edit Master title style</a:t>
+            </a:r>
+            <a:endParaRPr lang="en-US" dirty="0"/>
+          </a:p>
+        </p:txBody>
+      </p:sp>
+      <p:sp>
+        <p:nvSpPr>
+          <p:cNvPr id="3" name="Text Placeholder 2"/>
+          <p:cNvSpPr>
+            <a:spLocks noGrp="1"/>
+          </p:cNvSpPr>
+          <p:nvPr>
+            <p:ph type="body" idx="1"/>
+          </p:nvPr>
+        </p:nvSpPr>
+        <p:spPr>
+          <a:xfrm>
+            <a:off x="652463" y="4250949"/>
+            <a:ext cx="2940050" cy="576262"/>
+          </a:xfrm>
+        </p:spPr>
+        <p:txBody>
+          <a:bodyPr anchor="b">
+            <a:noAutofit/>
+          </a:bodyPr>
+          <a:lstStyle>
+            <a:lvl1pPr marL="0" indent="0">
+              <a:buNone/>
+              <a:defRPr sz="2400" b="0">
+                <a:solidFill>
+                  <a:schemeClr val="bg2">
+                    <a:lumMod val="40000"/>
+                    <a:lumOff val="60000"/>
+                  </a:schemeClr>
+                </a:solidFill>
+              </a:defRPr>
+            </a:lvl1pPr>
+            <a:lvl2pPr marL="457200" indent="0">
+              <a:buNone/>
+              <a:defRPr sz="2000" b="1"/>
+            </a:lvl2pPr>
+            <a:lvl3pPr marL="914400" indent="0">
+              <a:buNone/>
+              <a:defRPr sz="1800" b="1"/>
+            </a:lvl3pPr>
+            <a:lvl4pPr marL="1371600" indent="0">
+              <a:buNone/>
+              <a:defRPr sz="1600" b="1"/>
+            </a:lvl4pPr>
+            <a:lvl5pPr marL="1828800" indent="0">
+              <a:buNone/>
+              <a:defRPr sz="1600" b="1"/>
+            </a:lvl5pPr>
+            <a:lvl6pPr marL="2286000" indent="0">
+              <a:buNone/>
+              <a:defRPr sz="1600" b="1"/>
+            </a:lvl6pPr>
+            <a:lvl7pPr marL="2743200" indent="0">
+              <a:buNone/>
+              <a:defRPr sz="1600" b="1"/>
+            </a:lvl7pPr>
+            <a:lvl8pPr marL="3200400" indent="0">
+              <a:buNone/>
+              <a:defRPr sz="1600" b="1"/>
+            </a:lvl8pPr>
+            <a:lvl9pPr marL="3657600" indent="0">
+              <a:buNone/>
+              <a:defRPr sz="1600" b="1"/>
+            </a:lvl9pPr>
+          </a:lstStyle>
+          <a:p>
+            <a:pPr lvl="0"/>
+            <a:r>
+              <a:rPr lang="en-US" smtClean="0"/>
+              <a:t>Edit Master text styles</a:t>
+            </a:r>
+          </a:p>
+        </p:txBody>
+      </p:sp>
+      <p:sp>
+        <p:nvSpPr>
+          <p:cNvPr id="29" name="Picture Placeholder 2"/>
+          <p:cNvSpPr>
+            <a:spLocks noGrp="1" noChangeAspect="1"/>
+          </p:cNvSpPr>
+          <p:nvPr>
+            <p:ph type="pic" idx="15"/>
+          </p:nvPr>
+        </p:nvSpPr>
+        <p:spPr>
+          <a:xfrm>
+            <a:off x="652463" y="2209800"/>
+            <a:ext cx="2940050" cy="1524000"/>
+          </a:xfrm>
+          <a:prstGeom prst="roundRect">
+            <a:avLst>
+              <a:gd name="adj" fmla="val 1858"/>
+            </a:avLst>
+          </a:prstGeom>
+          <a:effectLst>
+            <a:outerShdw blurRad="50800" dist="50800" dir="5400000" algn="tl" rotWithShape="0">
+              <a:srgbClr val="000000">
+                <a:alpha val="43000"/>
+              </a:srgbClr>
+            </a:outerShdw>
+          </a:effectLst>
+        </p:spPr>
+        <p:txBody>
+          <a:bodyPr anchor="t">
+            <a:normAutofit/>
+          </a:bodyPr>
+          <a:lstStyle>
+            <a:lvl1pPr marL="0" indent="0" algn="ctr">
+              <a:buNone/>
+              <a:defRPr sz="1600"/>
+            </a:lvl1pPr>
+            <a:lvl2pPr marL="457200" indent="0">
+              <a:buNone/>
+              <a:defRPr sz="1600"/>
+            </a:lvl2pPr>
+            <a:lvl3pPr marL="914400" indent="0">
+              <a:buNone/>
+              <a:defRPr sz="1600"/>
+            </a:lvl3pPr>
+            <a:lvl4pPr marL="1371600" indent="0">
+              <a:buNone/>
+              <a:defRPr sz="1600"/>
+            </a:lvl4pPr>
+            <a:lvl5pPr marL="1828800" indent="0">
+              <a:buNone/>
+              <a:defRPr sz="1600"/>
+            </a:lvl5pPr>
+            <a:lvl6pPr marL="2286000" indent="0">
+              <a:buNone/>
+              <a:defRPr sz="1600"/>
+            </a:lvl6pPr>
+            <a:lvl7pPr marL="2743200" indent="0">
+              <a:buNone/>
+              <a:defRPr sz="1600"/>
+            </a:lvl7pPr>
+            <a:lvl8pPr marL="3200400" indent="0">
+              <a:buNone/>
+              <a:defRPr sz="1600"/>
+            </a:lvl8pPr>
+            <a:lvl9pPr marL="3657600" indent="0">
+              <a:buNone/>
+              <a:defRPr sz="1600"/>
+            </a:lvl9pPr>
+          </a:lstStyle>
+          <a:p>
+            <a:r>
+              <a:rPr lang="en-US" smtClean="0"/>
+              <a:t>Click icon to add picture</a:t>
+            </a:r>
+            <a:endParaRPr lang="en-US" dirty="0"/>
+          </a:p>
+        </p:txBody>
+      </p:sp>
+      <p:sp>
+        <p:nvSpPr>
+          <p:cNvPr id="22" name="Text Placeholder 3"/>
+          <p:cNvSpPr>
+            <a:spLocks noGrp="1"/>
+          </p:cNvSpPr>
+          <p:nvPr>
+            <p:ph type="body" sz="half" idx="18"/>
+          </p:nvPr>
+        </p:nvSpPr>
+        <p:spPr>
+          <a:xfrm>
+            <a:off x="652463" y="4827211"/>
+            <a:ext cx="2940050" cy="659189"/>
+          </a:xfrm>
+        </p:spPr>
+        <p:txBody>
+          <a:bodyPr anchor="t">
+            <a:normAutofit/>
+          </a:bodyPr>
+          <a:lstStyle>
+            <a:lvl1pPr marL="0" indent="0">
+              <a:buNone/>
+              <a:defRPr sz="1400"/>
+            </a:lvl1pPr>
+            <a:lvl2pPr marL="457200" indent="0">
+              <a:buNone/>
+              <a:defRPr sz="1200"/>
+            </a:lvl2pPr>
+            <a:lvl3pPr marL="914400" indent="0">
+              <a:buNone/>
+              <a:defRPr sz="1000"/>
+            </a:lvl3pPr>
+            <a:lvl4pPr marL="1371600" indent="0">
+              <a:buNone/>
+              <a:defRPr sz="900"/>
+            </a:lvl4pPr>
+            <a:lvl5pPr marL="1828800" indent="0">
+              <a:buNone/>
+              <a:defRPr sz="900"/>
+            </a:lvl5pPr>
+            <a:lvl6pPr marL="2286000" indent="0">
+              <a:buNone/>
+              <a:defRPr sz="900"/>
+            </a:lvl6pPr>
+            <a:lvl7pPr marL="2743200" indent="0">
+              <a:buNone/>
+              <a:defRPr sz="900"/>
+            </a:lvl7pPr>
+            <a:lvl8pPr marL="3200400" indent="0">
+              <a:buNone/>
+              <a:defRPr sz="900"/>
+            </a:lvl8pPr>
+            <a:lvl9pPr marL="3657600" indent="0">
+              <a:buNone/>
+              <a:defRPr sz="900"/>
+            </a:lvl9pPr>
+          </a:lstStyle>
+          <a:p>
+            <a:pPr lvl="0"/>
+            <a:r>
+              <a:rPr lang="en-US" smtClean="0"/>
+              <a:t>Edit Master text styles</a:t>
+            </a:r>
+          </a:p>
+        </p:txBody>
+      </p:sp>
+      <p:sp>
+        <p:nvSpPr>
+          <p:cNvPr id="5" name="Text Placeholder 4"/>
+          <p:cNvSpPr>
+            <a:spLocks noGrp="1"/>
+          </p:cNvSpPr>
+          <p:nvPr>
+            <p:ph type="body" sz="quarter" idx="3"/>
+          </p:nvPr>
+        </p:nvSpPr>
+        <p:spPr>
+          <a:xfrm>
+            <a:off x="3889375" y="4250949"/>
+            <a:ext cx="2930525" cy="576262"/>
+          </a:xfrm>
+        </p:spPr>
+        <p:txBody>
+          <a:bodyPr anchor="b">
+            <a:noAutofit/>
+          </a:bodyPr>
+          <a:lstStyle>
+            <a:lvl1pPr marL="0" indent="0">
+              <a:buNone/>
+              <a:defRPr sz="2400" b="0">
+                <a:solidFill>
+                  <a:schemeClr val="bg2">
+                    <a:lumMod val="40000"/>
+                    <a:lumOff val="60000"/>
+                  </a:schemeClr>
+                </a:solidFill>
+              </a:defRPr>
+            </a:lvl1pPr>
+            <a:lvl2pPr marL="457200" indent="0">
+              <a:buNone/>
+              <a:defRPr sz="2000" b="1"/>
+            </a:lvl2pPr>
+            <a:lvl3pPr marL="914400" indent="0">
+              <a:buNone/>
+              <a:defRPr sz="1800" b="1"/>
+            </a:lvl3pPr>
+            <a:lvl4pPr marL="1371600" indent="0">
+              <a:buNone/>
+              <a:defRPr sz="1600" b="1"/>
+            </a:lvl4pPr>
+            <a:lvl5pPr marL="1828800" indent="0">
+              <a:buNone/>
+              <a:defRPr sz="1600" b="1"/>
+            </a:lvl5pPr>
+            <a:lvl6pPr marL="2286000" indent="0">
+              <a:buNone/>
+              <a:defRPr sz="1600" b="1"/>
+            </a:lvl6pPr>
+            <a:lvl7pPr marL="2743200" indent="0">
+              <a:buNone/>
+              <a:defRPr sz="1600" b="1"/>
+            </a:lvl7pPr>
+            <a:lvl8pPr marL="3200400" indent="0">
+              <a:buNone/>
+              <a:defRPr sz="1600" b="1"/>
+            </a:lvl8pPr>
+            <a:lvl9pPr marL="3657600" indent="0">
+              <a:buNone/>
+              <a:defRPr sz="1600" b="1"/>
+            </a:lvl9pPr>
+          </a:lstStyle>
+          <a:p>
+            <a:pPr lvl="0"/>
+            <a:r>
+              <a:rPr lang="en-US" smtClean="0"/>
+              <a:t>Edit Master text styles</a:t>
+            </a:r>
+          </a:p>
+        </p:txBody>
+      </p:sp>
+      <p:sp>
+        <p:nvSpPr>
+          <p:cNvPr id="30" name="Picture Placeholder 2"/>
+          <p:cNvSpPr>
+            <a:spLocks noGrp="1" noChangeAspect="1"/>
+          </p:cNvSpPr>
+          <p:nvPr>
+            <p:ph type="pic" idx="21"/>
+          </p:nvPr>
+        </p:nvSpPr>
+        <p:spPr>
+          <a:xfrm>
+            <a:off x="3889374" y="2209800"/>
+            <a:ext cx="2930525" cy="1524000"/>
+          </a:xfrm>
+          <a:prstGeom prst="roundRect">
+            <a:avLst>
+              <a:gd name="adj" fmla="val 1858"/>
+            </a:avLst>
+          </a:prstGeom>
+          <a:effectLst>
+            <a:outerShdw blurRad="50800" dist="50800" dir="5400000" algn="tl" rotWithShape="0">
+              <a:srgbClr val="000000">
+                <a:alpha val="43000"/>
+              </a:srgbClr>
+            </a:outerShdw>
+          </a:effectLst>
+        </p:spPr>
+        <p:txBody>
+          <a:bodyPr anchor="t">
+            <a:normAutofit/>
+          </a:bodyPr>
+          <a:lstStyle>
+            <a:lvl1pPr marL="0" indent="0" algn="ctr">
+              <a:buNone/>
+              <a:defRPr sz="1600"/>
+            </a:lvl1pPr>
+            <a:lvl2pPr marL="457200" indent="0">
+              <a:buNone/>
+              <a:defRPr sz="1600"/>
+            </a:lvl2pPr>
+            <a:lvl3pPr marL="914400" indent="0">
+              <a:buNone/>
+              <a:defRPr sz="1600"/>
+            </a:lvl3pPr>
+            <a:lvl4pPr marL="1371600" indent="0">
+              <a:buNone/>
+              <a:defRPr sz="1600"/>
+            </a:lvl4pPr>
+            <a:lvl5pPr marL="1828800" indent="0">
+              <a:buNone/>
+              <a:defRPr sz="1600"/>
+            </a:lvl5pPr>
+            <a:lvl6pPr marL="2286000" indent="0">
+              <a:buNone/>
+              <a:defRPr sz="1600"/>
+            </a:lvl6pPr>
+            <a:lvl7pPr marL="2743200" indent="0">
+              <a:buNone/>
+              <a:defRPr sz="1600"/>
+            </a:lvl7pPr>
+            <a:lvl8pPr marL="3200400" indent="0">
+              <a:buNone/>
+              <a:defRPr sz="1600"/>
+            </a:lvl8pPr>
+            <a:lvl9pPr marL="3657600" indent="0">
+              <a:buNone/>
+              <a:defRPr sz="1600"/>
+            </a:lvl9pPr>
+          </a:lstStyle>
+          <a:p>
+            <a:r>
+              <a:rPr lang="en-US" smtClean="0"/>
+              <a:t>Click icon to add picture</a:t>
+            </a:r>
+            <a:endParaRPr lang="en-US" dirty="0"/>
+          </a:p>
+        </p:txBody>
+      </p:sp>
+      <p:sp>
+        <p:nvSpPr>
+          <p:cNvPr id="23" name="Text Placeholder 3"/>
+          <p:cNvSpPr>
+            <a:spLocks noGrp="1"/>
+          </p:cNvSpPr>
+          <p:nvPr>
+            <p:ph type="body" sz="half" idx="19"/>
+          </p:nvPr>
+        </p:nvSpPr>
+        <p:spPr>
+          <a:xfrm>
+            <a:off x="3888022" y="4827210"/>
+            <a:ext cx="2934406" cy="659189"/>
+          </a:xfrm>
+        </p:spPr>
+        <p:txBody>
+          <a:bodyPr anchor="t">
+            <a:normAutofit/>
+          </a:bodyPr>
+          <a:lstStyle>
+            <a:lvl1pPr marL="0" indent="0">
+              <a:buNone/>
+              <a:defRPr sz="1400"/>
+            </a:lvl1pPr>
+            <a:lvl2pPr marL="457200" indent="0">
+              <a:buNone/>
+              <a:defRPr sz="1200"/>
+            </a:lvl2pPr>
+            <a:lvl3pPr marL="914400" indent="0">
+              <a:buNone/>
+              <a:defRPr sz="1000"/>
+            </a:lvl3pPr>
+            <a:lvl4pPr marL="1371600" indent="0">
+              <a:buNone/>
+              <a:defRPr sz="900"/>
+            </a:lvl4pPr>
+            <a:lvl5pPr marL="1828800" indent="0">
+              <a:buNone/>
+              <a:defRPr sz="900"/>
+            </a:lvl5pPr>
+            <a:lvl6pPr marL="2286000" indent="0">
+              <a:buNone/>
+              <a:defRPr sz="900"/>
+            </a:lvl6pPr>
+            <a:lvl7pPr marL="2743200" indent="0">
+              <a:buNone/>
+              <a:defRPr sz="900"/>
+            </a:lvl7pPr>
+            <a:lvl8pPr marL="3200400" indent="0">
+              <a:buNone/>
+              <a:defRPr sz="900"/>
+            </a:lvl8pPr>
+            <a:lvl9pPr marL="3657600" indent="0">
+              <a:buNone/>
+              <a:defRPr sz="900"/>
+            </a:lvl9pPr>
+          </a:lstStyle>
+          <a:p>
+            <a:pPr lvl="0"/>
+            <a:r>
+              <a:rPr lang="en-US" smtClean="0"/>
+              <a:t>Edit Master text styles</a:t>
+            </a:r>
+          </a:p>
+        </p:txBody>
+      </p:sp>
+      <p:sp>
+        <p:nvSpPr>
+          <p:cNvPr id="14" name="Text Placeholder 4"/>
+          <p:cNvSpPr>
+            <a:spLocks noGrp="1"/>
+          </p:cNvSpPr>
+          <p:nvPr>
+            <p:ph type="body" sz="quarter" idx="13"/>
+          </p:nvPr>
+        </p:nvSpPr>
+        <p:spPr>
+          <a:xfrm>
+            <a:off x="7124700" y="4250949"/>
+            <a:ext cx="2932113" cy="576262"/>
+          </a:xfrm>
+        </p:spPr>
+        <p:txBody>
+          <a:bodyPr anchor="b">
+            <a:noAutofit/>
+          </a:bodyPr>
+          <a:lstStyle>
+            <a:lvl1pPr marL="0" indent="0">
+              <a:buNone/>
+              <a:defRPr sz="2400" b="0">
+                <a:solidFill>
+                  <a:schemeClr val="bg2">
+                    <a:lumMod val="40000"/>
+                    <a:lumOff val="60000"/>
+                  </a:schemeClr>
+                </a:solidFill>
+              </a:defRPr>
+            </a:lvl1pPr>
+            <a:lvl2pPr marL="457200" indent="0">
+              <a:buNone/>
+              <a:defRPr sz="2000" b="1"/>
+            </a:lvl2pPr>
+            <a:lvl3pPr marL="914400" indent="0">
+              <a:buNone/>
+              <a:defRPr sz="1800" b="1"/>
+            </a:lvl3pPr>
+            <a:lvl4pPr marL="1371600" indent="0">
+              <a:buNone/>
+              <a:defRPr sz="1600" b="1"/>
+            </a:lvl4pPr>
+            <a:lvl5pPr marL="1828800" indent="0">
+              <a:buNone/>
+              <a:defRPr sz="1600" b="1"/>
+            </a:lvl5pPr>
+            <a:lvl6pPr marL="2286000" indent="0">
+              <a:buNone/>
+              <a:defRPr sz="1600" b="1"/>
+            </a:lvl6pPr>
+            <a:lvl7pPr marL="2743200" indent="0">
+              <a:buNone/>
+              <a:defRPr sz="1600" b="1"/>
+            </a:lvl7pPr>
+            <a:lvl8pPr marL="3200400" indent="0">
+              <a:buNone/>
+              <a:defRPr sz="1600" b="1"/>
+            </a:lvl8pPr>
+            <a:lvl9pPr marL="3657600" indent="0">
+              <a:buNone/>
+              <a:defRPr sz="1600" b="1"/>
+            </a:lvl9pPr>
+          </a:lstStyle>
+          <a:p>
+            <a:pPr lvl="0"/>
+            <a:r>
+              <a:rPr lang="en-US" smtClean="0"/>
+              <a:t>Edit Master text styles</a:t>
+            </a:r>
+          </a:p>
+        </p:txBody>
+      </p:sp>
+      <p:sp>
+        <p:nvSpPr>
+          <p:cNvPr id="31" name="Picture Placeholder 2"/>
+          <p:cNvSpPr>
+            <a:spLocks noGrp="1" noChangeAspect="1"/>
+          </p:cNvSpPr>
+          <p:nvPr>
+            <p:ph type="pic" idx="22"/>
+          </p:nvPr>
+        </p:nvSpPr>
+        <p:spPr>
+          <a:xfrm>
+            <a:off x="7124699" y="2209800"/>
+            <a:ext cx="2932113" cy="1524000"/>
+          </a:xfrm>
+          <a:prstGeom prst="roundRect">
+            <a:avLst>
+              <a:gd name="adj" fmla="val 1858"/>
+            </a:avLst>
+          </a:prstGeom>
+          <a:effectLst>
+            <a:outerShdw blurRad="50800" dist="50800" dir="5400000" algn="tl" rotWithShape="0">
+              <a:srgbClr val="000000">
+                <a:alpha val="43000"/>
+              </a:srgbClr>
+            </a:outerShdw>
+          </a:effectLst>
+        </p:spPr>
+        <p:txBody>
+          <a:bodyPr anchor="t">
+            <a:normAutofit/>
+          </a:bodyPr>
+          <a:lstStyle>
+            <a:lvl1pPr marL="0" indent="0" algn="ctr">
+              <a:buNone/>
+              <a:defRPr sz="1600"/>
+            </a:lvl1pPr>
+            <a:lvl2pPr marL="457200" indent="0">
+              <a:buNone/>
+              <a:defRPr sz="1600"/>
+            </a:lvl2pPr>
+            <a:lvl3pPr marL="914400" indent="0">
+              <a:buNone/>
+              <a:defRPr sz="1600"/>
+            </a:lvl3pPr>
+            <a:lvl4pPr marL="1371600" indent="0">
+              <a:buNone/>
+              <a:defRPr sz="1600"/>
+            </a:lvl4pPr>
+            <a:lvl5pPr marL="1828800" indent="0">
+              <a:buNone/>
+              <a:defRPr sz="1600"/>
+            </a:lvl5pPr>
+            <a:lvl6pPr marL="2286000" indent="0">
+              <a:buNone/>
+              <a:defRPr sz="1600"/>
+            </a:lvl6pPr>
+            <a:lvl7pPr marL="2743200" indent="0">
+              <a:buNone/>
+              <a:defRPr sz="1600"/>
+            </a:lvl7pPr>
+            <a:lvl8pPr marL="3200400" indent="0">
+              <a:buNone/>
+              <a:defRPr sz="1600"/>
+            </a:lvl8pPr>
+            <a:lvl9pPr marL="3657600" indent="0">
+              <a:buNone/>
+              <a:defRPr sz="1600"/>
+            </a:lvl9pPr>
+          </a:lstStyle>
+          <a:p>
+            <a:r>
+              <a:rPr lang="en-US" smtClean="0"/>
+              <a:t>Click icon to add picture</a:t>
+            </a:r>
+            <a:endParaRPr lang="en-US" dirty="0"/>
+          </a:p>
+        </p:txBody>
+      </p:sp>
+      <p:sp>
+        <p:nvSpPr>
+          <p:cNvPr id="24" name="Text Placeholder 3"/>
+          <p:cNvSpPr>
+            <a:spLocks noGrp="1"/>
+          </p:cNvSpPr>
+          <p:nvPr>
+            <p:ph type="body" sz="half" idx="20"/>
+          </p:nvPr>
+        </p:nvSpPr>
+        <p:spPr>
+          <a:xfrm>
+            <a:off x="7124575" y="4827208"/>
+            <a:ext cx="2935997" cy="659189"/>
+          </a:xfrm>
+        </p:spPr>
+        <p:txBody>
+          <a:bodyPr anchor="t">
+            <a:normAutofit/>
+          </a:bodyPr>
+          <a:lstStyle>
+            <a:lvl1pPr marL="0" indent="0">
+              <a:buNone/>
+              <a:defRPr sz="1400"/>
+            </a:lvl1pPr>
+            <a:lvl2pPr marL="457200" indent="0">
+              <a:buNone/>
+              <a:defRPr sz="1200"/>
+            </a:lvl2pPr>
+            <a:lvl3pPr marL="914400" indent="0">
+              <a:buNone/>
+              <a:defRPr sz="1000"/>
+            </a:lvl3pPr>
+            <a:lvl4pPr marL="1371600" indent="0">
+              <a:buNone/>
+              <a:defRPr sz="900"/>
+            </a:lvl4pPr>
+            <a:lvl5pPr marL="1828800" indent="0">
+              <a:buNone/>
+              <a:defRPr sz="900"/>
+            </a:lvl5pPr>
+            <a:lvl6pPr marL="2286000" indent="0">
+              <a:buNone/>
+              <a:defRPr sz="900"/>
+            </a:lvl6pPr>
+            <a:lvl7pPr marL="2743200" indent="0">
+              <a:buNone/>
+              <a:defRPr sz="900"/>
+            </a:lvl7pPr>
+            <a:lvl8pPr marL="3200400" indent="0">
+              <a:buNone/>
+              <a:defRPr sz="900"/>
+            </a:lvl8pPr>
+            <a:lvl9pPr marL="3657600" indent="0">
+              <a:buNone/>
+              <a:defRPr sz="900"/>
+            </a:lvl9pPr>
+          </a:lstStyle>
+          <a:p>
+            <a:pPr lvl="0"/>
+            <a:r>
+              <a:rPr lang="en-US" smtClean="0"/>
+              <a:t>Edit Master text styles</a:t>
+            </a:r>
+          </a:p>
+        </p:txBody>
+      </p:sp>
+      <p:cxnSp>
+        <p:nvCxnSpPr>
+          <p:cNvPr id="19" name="Straight Connector 18"/>
+          <p:cNvCxnSpPr/>
+          <p:nvPr/>
+        </p:nvCxnSpPr>
+        <p:spPr>
+          <a:xfrm>
+            <a:off x="3726142" y="2133600"/>
+            <a:ext cx="0" cy="3962400"/>
+          </a:xfrm>
+          <a:prstGeom prst="line">
+            <a:avLst/>
+          </a:prstGeom>
+          <a:ln w="12700" cmpd="sng">
+            <a:solidFill>
+              <a:schemeClr val="bg2">
+                <a:lumMod val="40000"/>
+                <a:lumOff val="60000"/>
+                <a:alpha val="40000"/>
+              </a:schemeClr>
+            </a:solidFill>
+          </a:ln>
+        </p:spPr>
+        <p:style>
+          <a:lnRef idx="2">
+            <a:schemeClr val="accent1"/>
+          </a:lnRef>
+          <a:fillRef idx="0">
+            <a:schemeClr val="accent1"/>
+          </a:fillRef>
+          <a:effectRef idx="1">
+            <a:schemeClr val="accent1"/>
+          </a:effectRef>
+          <a:fontRef idx="minor">
+            <a:schemeClr val="tx1"/>
+          </a:fontRef>
+        </p:style>
+      </p:cxnSp>
+      <p:cxnSp>
+        <p:nvCxnSpPr>
+          <p:cNvPr id="20" name="Straight Connector 19"/>
+          <p:cNvCxnSpPr/>
+          <p:nvPr/>
+        </p:nvCxnSpPr>
+        <p:spPr>
+          <a:xfrm>
+            <a:off x="6962227" y="2133600"/>
+            <a:ext cx="0" cy="3966882"/>
+          </a:xfrm>
+          <a:prstGeom prst="line">
+            <a:avLst/>
+          </a:prstGeom>
+          <a:ln w="12700" cmpd="sng">
+            <a:solidFill>
+              <a:schemeClr val="bg2">
+                <a:lumMod val="40000"/>
+                <a:lumOff val="60000"/>
+                <a:alpha val="40000"/>
+              </a:schemeClr>
+            </a:solidFill>
+          </a:ln>
+        </p:spPr>
+        <p:style>
+          <a:lnRef idx="2">
+            <a:schemeClr val="accent1"/>
+          </a:lnRef>
+          <a:fillRef idx="0">
+            <a:schemeClr val="accent1"/>
+          </a:fillRef>
+          <a:effectRef idx="1">
+            <a:schemeClr val="accent1"/>
+          </a:effectRef>
+          <a:fontRef idx="minor">
+            <a:schemeClr val="tx1"/>
+          </a:fontRef>
+        </p:style>
+      </p:cxnSp>
+      <p:sp>
+        <p:nvSpPr>
+          <p:cNvPr id="7" name="Date Placeholder 3"/>
+          <p:cNvSpPr>
+            <a:spLocks noGrp="1"/>
+          </p:cNvSpPr>
+          <p:nvPr>
+            <p:ph type="dt" sz="half" idx="10"/>
+          </p:nvPr>
+        </p:nvSpPr>
+        <p:spPr/>
+        <p:txBody>
+          <a:bodyPr/>
+          <a:lstStyle/>
+          <a:p>
+            <a:fld id="{23635349-6CC1-4828-A550-3FA4C396D5D2}" type="datetimeFigureOut">
+              <a:rPr lang="en-US" smtClean="0"/>
+              <a:t>12/9/2016</a:t>
+            </a:fld>
+            <a:endParaRPr lang="en-US"/>
+          </a:p>
+        </p:txBody>
+      </p:sp>
+      <p:sp>
+        <p:nvSpPr>
+          <p:cNvPr id="4" name="Footer Placeholder 4"/>
+          <p:cNvSpPr>
+            <a:spLocks noGrp="1"/>
+          </p:cNvSpPr>
+          <p:nvPr>
+            <p:ph type="ftr" sz="quarter" idx="11"/>
+          </p:nvPr>
+        </p:nvSpPr>
+        <p:spPr/>
+        <p:txBody>
+          <a:bodyPr/>
+          <a:lstStyle/>
+          <a:p>
+            <a:endParaRPr lang="en-US"/>
+          </a:p>
+        </p:txBody>
+      </p:sp>
+      <p:sp>
+        <p:nvSpPr>
+          <p:cNvPr id="6" name="Slide Number Placeholder 5"/>
+          <p:cNvSpPr>
+            <a:spLocks noGrp="1"/>
+          </p:cNvSpPr>
+          <p:nvPr>
+            <p:ph type="sldNum" sz="quarter" idx="12"/>
+          </p:nvPr>
+        </p:nvSpPr>
+        <p:spPr/>
+        <p:txBody>
+          <a:bodyPr/>
+          <a:lstStyle/>
+          <a:p>
+            <a:fld id="{9CF90E31-9492-468D-B5CF-42E9C00E9A84}" type="slidenum">
+              <a:rPr lang="en-US" smtClean="0"/>
+              <a:t>‹#›</a:t>
+            </a:fld>
+            <a:endParaRPr lang="en-US"/>
+          </a:p>
+        </p:txBody>
+      </p:sp>
+    </p:spTree>
+    <p:extLst>
+      <p:ext uri="{BB962C8B-B14F-4D97-AF65-F5344CB8AC3E}">
+        <p14:creationId xmlns:p14="http://schemas.microsoft.com/office/powerpoint/2010/main" val="4289596515"/>
+      </p:ext>
+    </p:extLst>
+  </p:cSld>
+  <p:clrMapOvr>
+    <a:masterClrMapping/>
+  </p:clrMapOvr>
+</p:sldLayout>
+</file>
+
+<file path=ppt/slideLayouts/slideLayout16.xml><?xml version="1.0" encoding="utf-8"?>
 <p:sldLayout xmlns:a="http://schemas.openxmlformats.org/drawingml/2006/main" xmlns:r="http://schemas.openxmlformats.org/officeDocument/2006/relationships" xmlns:p="http://schemas.openxmlformats.org/presentationml/2006/main" type="vertTx" preserve="1">
   <p:cSld name="Title and Vertical Text">
     <p:spTree>
@@ -462,7 +2994,7 @@
         </p:nvSpPr>
         <p:spPr/>
         <p:txBody>
-          <a:bodyPr vert="eaVert"/>
+          <a:bodyPr vert="eaVert" anchor="t" anchorCtr="0"/>
           <a:lstStyle/>
           <a:p>
             <a:pPr lvl="0"/>
@@ -570,7 +3102,7 @@
     </p:spTree>
     <p:extLst>
       <p:ext uri="{BB962C8B-B14F-4D97-AF65-F5344CB8AC3E}">
-        <p14:creationId xmlns:p14="http://schemas.microsoft.com/office/powerpoint/2010/main" val="1358641482"/>
+        <p14:creationId xmlns:p14="http://schemas.microsoft.com/office/powerpoint/2010/main" val="3311136045"/>
       </p:ext>
     </p:extLst>
   </p:cSld>
@@ -580,7 +3112,7 @@
 </p:sldLayout>
 </file>
 
-<file path=ppt/slideLayouts/slideLayout11.xml><?xml version="1.0" encoding="utf-8"?>
+<file path=ppt/slideLayouts/slideLayout17.xml><?xml version="1.0" encoding="utf-8"?>
 <p:sldLayout xmlns:a="http://schemas.openxmlformats.org/drawingml/2006/main" xmlns:r="http://schemas.openxmlformats.org/officeDocument/2006/relationships" xmlns:p="http://schemas.openxmlformats.org/presentationml/2006/main" type="vertTitleAndTx" preserve="1">
   <p:cSld name="Vertical Title and Text">
     <p:spTree>
@@ -609,12 +3141,12 @@
         </p:nvSpPr>
         <p:spPr>
           <a:xfrm>
-            <a:off x="8743950" y="695325"/>
-            <a:ext cx="2628900" cy="4800600"/>
+            <a:off x="8304212" y="430213"/>
+            <a:ext cx="1752601" cy="5826125"/>
           </a:xfrm>
         </p:spPr>
         <p:txBody>
-          <a:bodyPr vert="eaVert"/>
+          <a:bodyPr vert="eaVert" anchor="b" anchorCtr="0"/>
           <a:lstStyle/>
           <a:p>
             <a:r>
@@ -637,8 +3169,8 @@
         </p:nvSpPr>
         <p:spPr>
           <a:xfrm>
-            <a:off x="771525" y="714375"/>
-            <a:ext cx="7734300" cy="5400675"/>
+            <a:off x="652463" y="887414"/>
+            <a:ext cx="7423149" cy="5368924"/>
           </a:xfrm>
         </p:spPr>
         <p:txBody>
@@ -750,7 +3282,7 @@
     </p:spTree>
     <p:extLst>
       <p:ext uri="{BB962C8B-B14F-4D97-AF65-F5344CB8AC3E}">
-        <p14:creationId xmlns:p14="http://schemas.microsoft.com/office/powerpoint/2010/main" val="929407154"/>
+        <p14:creationId xmlns:p14="http://schemas.microsoft.com/office/powerpoint/2010/main" val="677541460"/>
       </p:ext>
     </p:extLst>
   </p:cSld>
@@ -859,7 +3391,7 @@
       </p:sp>
       <p:sp>
         <p:nvSpPr>
-          <p:cNvPr id="4" name="Date Placeholder 3"/>
+          <p:cNvPr id="7" name="Date Placeholder 3"/>
           <p:cNvSpPr>
             <a:spLocks noGrp="1"/>
           </p:cNvSpPr>
@@ -925,7 +3457,7 @@
     </p:spTree>
     <p:extLst>
       <p:ext uri="{BB962C8B-B14F-4D97-AF65-F5344CB8AC3E}">
-        <p14:creationId xmlns:p14="http://schemas.microsoft.com/office/powerpoint/2010/main" val="1029745210"/>
+        <p14:creationId xmlns:p14="http://schemas.microsoft.com/office/powerpoint/2010/main" val="1624412798"/>
       </p:ext>
     </p:extLst>
   </p:cSld>
@@ -964,24 +3496,15 @@
         </p:nvSpPr>
         <p:spPr>
           <a:xfrm>
-            <a:off x="603504" y="767419"/>
-            <a:ext cx="10780776" cy="3355848"/>
+            <a:off x="1154956" y="2861733"/>
+            <a:ext cx="8825657" cy="1915647"/>
           </a:xfrm>
         </p:spPr>
         <p:txBody>
-          <a:bodyPr anchor="b">
-            <a:normAutofit/>
-          </a:bodyPr>
+          <a:bodyPr anchor="b"/>
           <a:lstStyle>
-            <a:lvl1pPr>
-              <a:lnSpc>
-                <a:spcPct val="80000"/>
-              </a:lnSpc>
-              <a:defRPr sz="8800" b="0" baseline="0">
-                <a:solidFill>
-                  <a:schemeClr val="accent1"/>
-                </a:solidFill>
-              </a:defRPr>
+            <a:lvl1pPr algn="l">
+              <a:defRPr sz="4000" b="0" cap="none"/>
             </a:lvl1pPr>
           </a:lstStyle>
           <a:p>
@@ -1005,22 +3528,22 @@
         </p:nvSpPr>
         <p:spPr>
           <a:xfrm>
-            <a:off x="667512" y="4204209"/>
-            <a:ext cx="9226296" cy="1645920"/>
+            <a:off x="1154955" y="4777381"/>
+            <a:ext cx="8825658" cy="860400"/>
           </a:xfrm>
         </p:spPr>
         <p:txBody>
-          <a:bodyPr anchor="t">
-            <a:normAutofit/>
-          </a:bodyPr>
+          <a:bodyPr anchor="t"/>
           <a:lstStyle>
-            <a:lvl1pPr marL="0" indent="0">
-              <a:buNone/>
-              <a:defRPr sz="3200">
+            <a:lvl1pPr marL="0" indent="0" algn="l">
+              <a:buNone/>
+              <a:defRPr sz="2000" cap="all">
                 <a:solidFill>
-                  <a:schemeClr val="tx1"/>
+                  <a:schemeClr val="bg2">
+                    <a:lumMod val="40000"/>
+                    <a:lumOff val="60000"/>
+                  </a:schemeClr>
                 </a:solidFill>
-                <a:latin typeface="+mj-lt"/>
               </a:defRPr>
             </a:lvl1pPr>
             <a:lvl2pPr marL="457200" indent="0">
@@ -1181,7 +3704,7 @@
     </p:spTree>
     <p:extLst>
       <p:ext uri="{BB962C8B-B14F-4D97-AF65-F5344CB8AC3E}">
-        <p14:creationId xmlns:p14="http://schemas.microsoft.com/office/powerpoint/2010/main" val="1800293612"/>
+        <p14:creationId xmlns:p14="http://schemas.microsoft.com/office/powerpoint/2010/main" val="887229749"/>
       </p:ext>
     </p:extLst>
   </p:cSld>
@@ -1248,39 +3771,41 @@
         </p:nvSpPr>
         <p:spPr>
           <a:xfrm>
-            <a:off x="676656" y="1998134"/>
-            <a:ext cx="4663440" cy="3767328"/>
+            <a:off x="1103312" y="2060575"/>
+            <a:ext cx="4396339" cy="4195763"/>
           </a:xfrm>
         </p:spPr>
         <p:txBody>
-          <a:bodyPr/>
+          <a:bodyPr>
+            <a:normAutofit/>
+          </a:bodyPr>
           <a:lstStyle>
             <a:lvl1pPr>
-              <a:defRPr sz="2400"/>
+              <a:defRPr sz="1800"/>
             </a:lvl1pPr>
             <a:lvl2pPr>
-              <a:defRPr sz="2000"/>
+              <a:defRPr sz="1600"/>
             </a:lvl2pPr>
             <a:lvl3pPr>
-              <a:defRPr sz="1800"/>
+              <a:defRPr sz="1400"/>
             </a:lvl3pPr>
             <a:lvl4pPr>
-              <a:defRPr sz="1600"/>
+              <a:defRPr sz="1200"/>
             </a:lvl4pPr>
             <a:lvl5pPr>
-              <a:defRPr sz="1600"/>
+              <a:defRPr sz="1200"/>
             </a:lvl5pPr>
             <a:lvl6pPr>
-              <a:defRPr sz="1600"/>
+              <a:defRPr sz="1200"/>
             </a:lvl6pPr>
             <a:lvl7pPr>
-              <a:defRPr sz="1600"/>
+              <a:defRPr sz="1200"/>
             </a:lvl7pPr>
             <a:lvl8pPr>
-              <a:defRPr sz="1600"/>
+              <a:defRPr sz="1200"/>
             </a:lvl8pPr>
             <a:lvl9pPr>
-              <a:defRPr sz="1600"/>
+              <a:defRPr sz="1200"/>
             </a:lvl9pPr>
           </a:lstStyle>
           <a:p>
@@ -1333,39 +3858,41 @@
         </p:nvSpPr>
         <p:spPr>
           <a:xfrm>
-            <a:off x="6011330" y="1998134"/>
-            <a:ext cx="4663440" cy="3767328"/>
+            <a:off x="5654493" y="2056092"/>
+            <a:ext cx="4396341" cy="4200245"/>
           </a:xfrm>
         </p:spPr>
         <p:txBody>
-          <a:bodyPr/>
+          <a:bodyPr>
+            <a:normAutofit/>
+          </a:bodyPr>
           <a:lstStyle>
             <a:lvl1pPr>
-              <a:defRPr sz="2400"/>
+              <a:defRPr sz="1800"/>
             </a:lvl1pPr>
             <a:lvl2pPr>
-              <a:defRPr sz="2000"/>
+              <a:defRPr sz="1600"/>
             </a:lvl2pPr>
             <a:lvl3pPr>
-              <a:defRPr sz="1800"/>
+              <a:defRPr sz="1400"/>
             </a:lvl3pPr>
             <a:lvl4pPr>
-              <a:defRPr sz="1600"/>
+              <a:defRPr sz="1200"/>
             </a:lvl4pPr>
             <a:lvl5pPr>
-              <a:defRPr sz="1600"/>
+              <a:defRPr sz="1200"/>
             </a:lvl5pPr>
             <a:lvl6pPr>
-              <a:defRPr sz="1600"/>
+              <a:defRPr sz="1200"/>
             </a:lvl6pPr>
             <a:lvl7pPr>
-              <a:defRPr sz="1600"/>
+              <a:defRPr sz="1200"/>
             </a:lvl7pPr>
             <a:lvl8pPr>
-              <a:defRPr sz="1600"/>
+              <a:defRPr sz="1200"/>
             </a:lvl8pPr>
             <a:lvl9pPr>
-              <a:defRPr sz="1600"/>
+              <a:defRPr sz="1200"/>
             </a:lvl9pPr>
           </a:lstStyle>
           <a:p>
@@ -1474,7 +4001,7 @@
     </p:spTree>
     <p:extLst>
       <p:ext uri="{BB962C8B-B14F-4D97-AF65-F5344CB8AC3E}">
-        <p14:creationId xmlns:p14="http://schemas.microsoft.com/office/powerpoint/2010/main" val="2922572199"/>
+        <p14:creationId xmlns:p14="http://schemas.microsoft.com/office/powerpoint/2010/main" val="527265984"/>
       </p:ext>
     </p:extLst>
   </p:cSld>
@@ -1503,7 +4030,7 @@
       </p:grpSpPr>
       <p:sp>
         <p:nvSpPr>
-          <p:cNvPr id="10" name="Title 9"/>
+          <p:cNvPr id="2" name="Title 1"/>
           <p:cNvSpPr>
             <a:spLocks noGrp="1"/>
           </p:cNvSpPr>
@@ -1514,7 +4041,11 @@
         <p:spPr/>
         <p:txBody>
           <a:bodyPr/>
-          <a:lstStyle/>
+          <a:lstStyle>
+            <a:lvl1pPr>
+              <a:defRPr/>
+            </a:lvl1pPr>
+          </a:lstStyle>
           <a:p>
             <a:r>
               <a:rPr lang="en-US" smtClean="0"/>
@@ -1536,25 +4067,185 @@
         </p:nvSpPr>
         <p:spPr>
           <a:xfrm>
-            <a:off x="676656" y="2040467"/>
-            <a:ext cx="4663440" cy="723400"/>
+            <a:off x="1103313" y="1905000"/>
+            <a:ext cx="4396338" cy="576262"/>
           </a:xfrm>
         </p:spPr>
         <p:txBody>
-          <a:bodyPr anchor="ctr">
+          <a:bodyPr anchor="b">
+            <a:noAutofit/>
+          </a:bodyPr>
+          <a:lstStyle>
+            <a:lvl1pPr marL="0" indent="0">
+              <a:buNone/>
+              <a:defRPr sz="2400" b="0">
+                <a:solidFill>
+                  <a:schemeClr val="bg2">
+                    <a:lumMod val="40000"/>
+                    <a:lumOff val="60000"/>
+                  </a:schemeClr>
+                </a:solidFill>
+              </a:defRPr>
+            </a:lvl1pPr>
+            <a:lvl2pPr marL="457200" indent="0">
+              <a:buNone/>
+              <a:defRPr sz="2000" b="1"/>
+            </a:lvl2pPr>
+            <a:lvl3pPr marL="914400" indent="0">
+              <a:buNone/>
+              <a:defRPr sz="1800" b="1"/>
+            </a:lvl3pPr>
+            <a:lvl4pPr marL="1371600" indent="0">
+              <a:buNone/>
+              <a:defRPr sz="1600" b="1"/>
+            </a:lvl4pPr>
+            <a:lvl5pPr marL="1828800" indent="0">
+              <a:buNone/>
+              <a:defRPr sz="1600" b="1"/>
+            </a:lvl5pPr>
+            <a:lvl6pPr marL="2286000" indent="0">
+              <a:buNone/>
+              <a:defRPr sz="1600" b="1"/>
+            </a:lvl6pPr>
+            <a:lvl7pPr marL="2743200" indent="0">
+              <a:buNone/>
+              <a:defRPr sz="1600" b="1"/>
+            </a:lvl7pPr>
+            <a:lvl8pPr marL="3200400" indent="0">
+              <a:buNone/>
+              <a:defRPr sz="1600" b="1"/>
+            </a:lvl8pPr>
+            <a:lvl9pPr marL="3657600" indent="0">
+              <a:buNone/>
+              <a:defRPr sz="1600" b="1"/>
+            </a:lvl9pPr>
+          </a:lstStyle>
+          <a:p>
+            <a:pPr lvl="0"/>
+            <a:r>
+              <a:rPr lang="en-US" smtClean="0"/>
+              <a:t>Edit Master text styles</a:t>
+            </a:r>
+          </a:p>
+        </p:txBody>
+      </p:sp>
+      <p:sp>
+        <p:nvSpPr>
+          <p:cNvPr id="4" name="Content Placeholder 3"/>
+          <p:cNvSpPr>
+            <a:spLocks noGrp="1"/>
+          </p:cNvSpPr>
+          <p:nvPr>
+            <p:ph sz="half" idx="2"/>
+          </p:nvPr>
+        </p:nvSpPr>
+        <p:spPr>
+          <a:xfrm>
+            <a:off x="1103312" y="2514600"/>
+            <a:ext cx="4396339" cy="3741738"/>
+          </a:xfrm>
+        </p:spPr>
+        <p:txBody>
+          <a:bodyPr>
             <a:normAutofit/>
           </a:bodyPr>
           <a:lstStyle>
+            <a:lvl1pPr>
+              <a:defRPr sz="1800"/>
+            </a:lvl1pPr>
+            <a:lvl2pPr>
+              <a:defRPr sz="1600"/>
+            </a:lvl2pPr>
+            <a:lvl3pPr>
+              <a:defRPr sz="1400"/>
+            </a:lvl3pPr>
+            <a:lvl4pPr>
+              <a:defRPr sz="1200"/>
+            </a:lvl4pPr>
+            <a:lvl5pPr>
+              <a:defRPr sz="1200"/>
+            </a:lvl5pPr>
+            <a:lvl6pPr>
+              <a:defRPr sz="1200"/>
+            </a:lvl6pPr>
+            <a:lvl7pPr>
+              <a:defRPr sz="1200"/>
+            </a:lvl7pPr>
+            <a:lvl8pPr>
+              <a:defRPr sz="1200"/>
+            </a:lvl8pPr>
+            <a:lvl9pPr>
+              <a:defRPr sz="1200"/>
+            </a:lvl9pPr>
+          </a:lstStyle>
+          <a:p>
+            <a:pPr lvl="0"/>
+            <a:r>
+              <a:rPr lang="en-US" smtClean="0"/>
+              <a:t>Edit Master text styles</a:t>
+            </a:r>
+          </a:p>
+          <a:p>
+            <a:pPr lvl="1"/>
+            <a:r>
+              <a:rPr lang="en-US" smtClean="0"/>
+              <a:t>Second level</a:t>
+            </a:r>
+          </a:p>
+          <a:p>
+            <a:pPr lvl="2"/>
+            <a:r>
+              <a:rPr lang="en-US" smtClean="0"/>
+              <a:t>Third level</a:t>
+            </a:r>
+          </a:p>
+          <a:p>
+            <a:pPr lvl="3"/>
+            <a:r>
+              <a:rPr lang="en-US" smtClean="0"/>
+              <a:t>Fourth level</a:t>
+            </a:r>
+          </a:p>
+          <a:p>
+            <a:pPr lvl="4"/>
+            <a:r>
+              <a:rPr lang="en-US" smtClean="0"/>
+              <a:t>Fifth level</a:t>
+            </a:r>
+            <a:endParaRPr lang="en-US" dirty="0"/>
+          </a:p>
+        </p:txBody>
+      </p:sp>
+      <p:sp>
+        <p:nvSpPr>
+          <p:cNvPr id="5" name="Text Placeholder 4"/>
+          <p:cNvSpPr>
+            <a:spLocks noGrp="1"/>
+          </p:cNvSpPr>
+          <p:nvPr>
+            <p:ph type="body" sz="quarter" idx="3"/>
+          </p:nvPr>
+        </p:nvSpPr>
+        <p:spPr>
+          <a:xfrm>
+            <a:off x="5654495" y="1905000"/>
+            <a:ext cx="4396339" cy="576262"/>
+          </a:xfrm>
+        </p:spPr>
+        <p:txBody>
+          <a:bodyPr anchor="b">
+            <a:noAutofit/>
+          </a:bodyPr>
+          <a:lstStyle>
             <a:lvl1pPr marL="0" indent="0">
               <a:buNone/>
-              <a:defRPr sz="2200" b="0" cap="all" baseline="0">
+              <a:defRPr sz="2400" b="0">
                 <a:solidFill>
-                  <a:schemeClr val="tx1">
-                    <a:lumMod val="85000"/>
-                    <a:lumOff val="15000"/>
+                  <a:schemeClr val="bg2">
+                    <a:lumMod val="40000"/>
+                    <a:lumOff val="60000"/>
                   </a:schemeClr>
                 </a:solidFill>
-                <a:latin typeface="+mj-lt"/>
               </a:defRPr>
             </a:lvl1pPr>
             <a:lvl2pPr marL="457200" indent="0">
@@ -1601,209 +4292,51 @@
       </p:sp>
       <p:sp>
         <p:nvSpPr>
-          <p:cNvPr id="4" name="Content Placeholder 3"/>
-          <p:cNvSpPr>
-            <a:spLocks noGrp="1"/>
-          </p:cNvSpPr>
-          <p:nvPr>
-            <p:ph sz="half" idx="2"/>
+          <p:cNvPr id="6" name="Content Placeholder 5"/>
+          <p:cNvSpPr>
+            <a:spLocks noGrp="1"/>
+          </p:cNvSpPr>
+          <p:nvPr>
+            <p:ph sz="quarter" idx="4"/>
           </p:nvPr>
         </p:nvSpPr>
         <p:spPr>
           <a:xfrm>
-            <a:off x="676656" y="2753084"/>
-            <a:ext cx="4663440" cy="3200400"/>
+            <a:off x="5654495" y="2514600"/>
+            <a:ext cx="4396339" cy="3741738"/>
           </a:xfrm>
         </p:spPr>
         <p:txBody>
-          <a:bodyPr/>
-          <a:lstStyle>
-            <a:lvl1pPr>
-              <a:defRPr sz="2400"/>
-            </a:lvl1pPr>
-            <a:lvl2pPr>
-              <a:defRPr sz="2000"/>
-            </a:lvl2pPr>
-            <a:lvl3pPr>
-              <a:defRPr sz="1800"/>
-            </a:lvl3pPr>
-            <a:lvl4pPr>
-              <a:defRPr sz="1600"/>
-            </a:lvl4pPr>
-            <a:lvl5pPr>
-              <a:defRPr sz="1600"/>
-            </a:lvl5pPr>
-            <a:lvl6pPr>
-              <a:defRPr sz="1600"/>
-            </a:lvl6pPr>
-            <a:lvl7pPr>
-              <a:defRPr sz="1600"/>
-            </a:lvl7pPr>
-            <a:lvl8pPr>
-              <a:defRPr sz="1600"/>
-            </a:lvl8pPr>
-            <a:lvl9pPr>
-              <a:defRPr sz="1600"/>
-            </a:lvl9pPr>
-          </a:lstStyle>
-          <a:p>
-            <a:pPr lvl="0"/>
-            <a:r>
-              <a:rPr lang="en-US" smtClean="0"/>
-              <a:t>Edit Master text styles</a:t>
-            </a:r>
-          </a:p>
-          <a:p>
-            <a:pPr lvl="1"/>
-            <a:r>
-              <a:rPr lang="en-US" smtClean="0"/>
-              <a:t>Second level</a:t>
-            </a:r>
-          </a:p>
-          <a:p>
-            <a:pPr lvl="2"/>
-            <a:r>
-              <a:rPr lang="en-US" smtClean="0"/>
-              <a:t>Third level</a:t>
-            </a:r>
-          </a:p>
-          <a:p>
-            <a:pPr lvl="3"/>
-            <a:r>
-              <a:rPr lang="en-US" smtClean="0"/>
-              <a:t>Fourth level</a:t>
-            </a:r>
-          </a:p>
-          <a:p>
-            <a:pPr lvl="4"/>
-            <a:r>
-              <a:rPr lang="en-US" smtClean="0"/>
-              <a:t>Fifth level</a:t>
-            </a:r>
-            <a:endParaRPr lang="en-US" dirty="0"/>
-          </a:p>
-        </p:txBody>
-      </p:sp>
-      <p:sp>
-        <p:nvSpPr>
-          <p:cNvPr id="5" name="Text Placeholder 4"/>
-          <p:cNvSpPr>
-            <a:spLocks noGrp="1"/>
-          </p:cNvSpPr>
-          <p:nvPr>
-            <p:ph type="body" sz="quarter" idx="3"/>
-          </p:nvPr>
-        </p:nvSpPr>
-        <p:spPr>
-          <a:xfrm>
-            <a:off x="6007608" y="2038435"/>
-            <a:ext cx="4663440" cy="722376"/>
-          </a:xfrm>
-        </p:spPr>
-        <p:txBody>
-          <a:bodyPr anchor="ctr">
+          <a:bodyPr>
             <a:normAutofit/>
           </a:bodyPr>
           <a:lstStyle>
-            <a:lvl1pPr marL="0" indent="0">
-              <a:buNone/>
-              <a:defRPr sz="2200" b="0" cap="all" baseline="0">
-                <a:solidFill>
-                  <a:schemeClr val="tx1">
-                    <a:lumMod val="85000"/>
-                    <a:lumOff val="15000"/>
-                  </a:schemeClr>
-                </a:solidFill>
-                <a:latin typeface="+mj-lt"/>
-              </a:defRPr>
-            </a:lvl1pPr>
-            <a:lvl2pPr marL="457200" indent="0">
-              <a:buNone/>
-              <a:defRPr sz="2000" b="1"/>
-            </a:lvl2pPr>
-            <a:lvl3pPr marL="914400" indent="0">
-              <a:buNone/>
-              <a:defRPr sz="1800" b="1"/>
-            </a:lvl3pPr>
-            <a:lvl4pPr marL="1371600" indent="0">
-              <a:buNone/>
-              <a:defRPr sz="1600" b="1"/>
-            </a:lvl4pPr>
-            <a:lvl5pPr marL="1828800" indent="0">
-              <a:buNone/>
-              <a:defRPr sz="1600" b="1"/>
-            </a:lvl5pPr>
-            <a:lvl6pPr marL="2286000" indent="0">
-              <a:buNone/>
-              <a:defRPr sz="1600" b="1"/>
-            </a:lvl6pPr>
-            <a:lvl7pPr marL="2743200" indent="0">
-              <a:buNone/>
-              <a:defRPr sz="1600" b="1"/>
-            </a:lvl7pPr>
-            <a:lvl8pPr marL="3200400" indent="0">
-              <a:buNone/>
-              <a:defRPr sz="1600" b="1"/>
-            </a:lvl8pPr>
-            <a:lvl9pPr marL="3657600" indent="0">
-              <a:buNone/>
-              <a:defRPr sz="1600" b="1"/>
-            </a:lvl9pPr>
-          </a:lstStyle>
-          <a:p>
-            <a:pPr lvl="0"/>
-            <a:r>
-              <a:rPr lang="en-US" smtClean="0"/>
-              <a:t>Edit Master text styles</a:t>
-            </a:r>
-          </a:p>
-        </p:txBody>
-      </p:sp>
-      <p:sp>
-        <p:nvSpPr>
-          <p:cNvPr id="6" name="Content Placeholder 5"/>
-          <p:cNvSpPr>
-            <a:spLocks noGrp="1"/>
-          </p:cNvSpPr>
-          <p:nvPr>
-            <p:ph sz="quarter" idx="4"/>
-          </p:nvPr>
-        </p:nvSpPr>
-        <p:spPr>
-          <a:xfrm>
-            <a:off x="6007608" y="2750990"/>
-            <a:ext cx="4663440" cy="3200400"/>
-          </a:xfrm>
-        </p:spPr>
-        <p:txBody>
-          <a:bodyPr/>
-          <a:lstStyle>
             <a:lvl1pPr>
-              <a:defRPr sz="2400"/>
+              <a:defRPr sz="1800"/>
             </a:lvl1pPr>
             <a:lvl2pPr>
-              <a:defRPr sz="2000"/>
+              <a:defRPr sz="1600"/>
             </a:lvl2pPr>
             <a:lvl3pPr>
-              <a:defRPr sz="1800"/>
+              <a:defRPr sz="1400"/>
             </a:lvl3pPr>
             <a:lvl4pPr>
-              <a:defRPr sz="1600"/>
+              <a:defRPr sz="1200"/>
             </a:lvl4pPr>
             <a:lvl5pPr>
-              <a:defRPr sz="1600"/>
+              <a:defRPr sz="1200"/>
             </a:lvl5pPr>
             <a:lvl6pPr>
-              <a:defRPr sz="1600"/>
+              <a:defRPr sz="1200"/>
             </a:lvl6pPr>
             <a:lvl7pPr>
-              <a:defRPr sz="1600"/>
+              <a:defRPr sz="1200"/>
             </a:lvl7pPr>
             <a:lvl8pPr>
-              <a:defRPr sz="1600"/>
+              <a:defRPr sz="1200"/>
             </a:lvl8pPr>
             <a:lvl9pPr>
-              <a:defRPr sz="1600"/>
+              <a:defRPr sz="1200"/>
             </a:lvl9pPr>
           </a:lstStyle>
           <a:p>
@@ -1912,7 +4445,7 @@
     </p:spTree>
     <p:extLst>
       <p:ext uri="{BB962C8B-B14F-4D97-AF65-F5344CB8AC3E}">
-        <p14:creationId xmlns:p14="http://schemas.microsoft.com/office/powerpoint/2010/main" val="502432870"/>
+        <p14:creationId xmlns:p14="http://schemas.microsoft.com/office/powerpoint/2010/main" val="996319326"/>
       </p:ext>
     </p:extLst>
   </p:cSld>
@@ -1941,7 +4474,7 @@
       </p:grpSpPr>
       <p:sp>
         <p:nvSpPr>
-          <p:cNvPr id="6" name="Title 5"/>
+          <p:cNvPr id="2" name="Title 1"/>
           <p:cNvSpPr>
             <a:spLocks noGrp="1"/>
           </p:cNvSpPr>
@@ -1964,7 +4497,7 @@
       </p:sp>
       <p:sp>
         <p:nvSpPr>
-          <p:cNvPr id="3" name="Date Placeholder 2"/>
+          <p:cNvPr id="7" name="Date Placeholder 2"/>
           <p:cNvSpPr>
             <a:spLocks noGrp="1"/>
           </p:cNvSpPr>
@@ -1987,7 +4520,7 @@
       </p:sp>
       <p:sp>
         <p:nvSpPr>
-          <p:cNvPr id="4" name="Footer Placeholder 3"/>
+          <p:cNvPr id="5" name="Footer Placeholder 3"/>
           <p:cNvSpPr>
             <a:spLocks noGrp="1"/>
           </p:cNvSpPr>
@@ -2006,7 +4539,7 @@
       </p:sp>
       <p:sp>
         <p:nvSpPr>
-          <p:cNvPr id="5" name="Slide Number Placeholder 4"/>
+          <p:cNvPr id="6" name="Slide Number Placeholder 4"/>
           <p:cNvSpPr>
             <a:spLocks noGrp="1"/>
           </p:cNvSpPr>
@@ -2030,7 +4563,7 @@
     </p:spTree>
     <p:extLst>
       <p:ext uri="{BB962C8B-B14F-4D97-AF65-F5344CB8AC3E}">
-        <p14:creationId xmlns:p14="http://schemas.microsoft.com/office/powerpoint/2010/main" val="168578817"/>
+        <p14:creationId xmlns:p14="http://schemas.microsoft.com/office/powerpoint/2010/main" val="4037263298"/>
       </p:ext>
     </p:extLst>
   </p:cSld>
@@ -2059,7 +4592,7 @@
       </p:grpSpPr>
       <p:sp>
         <p:nvSpPr>
-          <p:cNvPr id="2" name="Date Placeholder 1"/>
+          <p:cNvPr id="7" name="Date Placeholder 1"/>
           <p:cNvSpPr>
             <a:spLocks noGrp="1"/>
           </p:cNvSpPr>
@@ -2082,7 +4615,7 @@
       </p:sp>
       <p:sp>
         <p:nvSpPr>
-          <p:cNvPr id="3" name="Footer Placeholder 2"/>
+          <p:cNvPr id="5" name="Footer Placeholder 2"/>
           <p:cNvSpPr>
             <a:spLocks noGrp="1"/>
           </p:cNvSpPr>
@@ -2101,7 +4634,7 @@
       </p:sp>
       <p:sp>
         <p:nvSpPr>
-          <p:cNvPr id="4" name="Slide Number Placeholder 3"/>
+          <p:cNvPr id="6" name="Slide Number Placeholder 3"/>
           <p:cNvSpPr>
             <a:spLocks noGrp="1"/>
           </p:cNvSpPr>
@@ -2125,7 +4658,7 @@
     </p:spTree>
     <p:extLst>
       <p:ext uri="{BB962C8B-B14F-4D97-AF65-F5344CB8AC3E}">
-        <p14:creationId xmlns:p14="http://schemas.microsoft.com/office/powerpoint/2010/main" val="288215499"/>
+        <p14:creationId xmlns:p14="http://schemas.microsoft.com/office/powerpoint/2010/main" val="3573662926"/>
       </p:ext>
     </p:extLst>
   </p:cSld>
@@ -2159,75 +4692,118 @@
       </p:grpSpPr>
       <p:sp>
         <p:nvSpPr>
-          <p:cNvPr id="2" name="Rectangle 1"/>
-          <p:cNvSpPr/>
-          <p:nvPr/>
+          <p:cNvPr id="2" name="Title 1"/>
+          <p:cNvSpPr>
+            <a:spLocks noGrp="1"/>
+          </p:cNvSpPr>
+          <p:nvPr>
+            <p:ph type="title"/>
+          </p:nvPr>
         </p:nvSpPr>
         <p:spPr>
           <a:xfrm>
-            <a:off x="7620000" y="0"/>
-            <a:ext cx="4572000" cy="6858000"/>
+            <a:off x="1154953" y="1447800"/>
+            <a:ext cx="3401064" cy="1447800"/>
           </a:xfrm>
-          <a:prstGeom prst="rect">
-            <a:avLst/>
-          </a:prstGeom>
-          <a:ln>
-            <a:noFill/>
-          </a:ln>
         </p:spPr>
-        <p:style>
-          <a:lnRef idx="2">
-            <a:schemeClr val="accent1">
-              <a:shade val="50000"/>
-            </a:schemeClr>
-          </a:lnRef>
-          <a:fillRef idx="1">
-            <a:schemeClr val="accent1"/>
-          </a:fillRef>
-          <a:effectRef idx="0">
-            <a:schemeClr val="accent1"/>
-          </a:effectRef>
-          <a:fontRef idx="minor">
-            <a:schemeClr val="lt1"/>
-          </a:fontRef>
-        </p:style>
-      </p:sp>
-      <p:sp>
-        <p:nvSpPr>
-          <p:cNvPr id="9" name="Title 8"/>
-          <p:cNvSpPr>
-            <a:spLocks noGrp="1"/>
-          </p:cNvSpPr>
-          <p:nvPr>
-            <p:ph type="title"/>
+        <p:txBody>
+          <a:bodyPr anchor="b"/>
+          <a:lstStyle>
+            <a:lvl1pPr algn="l">
+              <a:defRPr sz="2400" b="0"/>
+            </a:lvl1pPr>
+          </a:lstStyle>
+          <a:p>
+            <a:r>
+              <a:rPr lang="en-US" smtClean="0"/>
+              <a:t>Click to edit Master title style</a:t>
+            </a:r>
+            <a:endParaRPr lang="en-US" dirty="0"/>
+          </a:p>
+        </p:txBody>
+      </p:sp>
+      <p:sp>
+        <p:nvSpPr>
+          <p:cNvPr id="3" name="Content Placeholder 2"/>
+          <p:cNvSpPr>
+            <a:spLocks noGrp="1"/>
+          </p:cNvSpPr>
+          <p:nvPr>
+            <p:ph idx="1"/>
           </p:nvPr>
         </p:nvSpPr>
         <p:spPr>
           <a:xfrm>
-            <a:off x="8261404" y="542282"/>
-            <a:ext cx="3383280" cy="1920240"/>
+            <a:off x="4784616" y="1447800"/>
+            <a:ext cx="5195997" cy="4572000"/>
           </a:xfrm>
         </p:spPr>
         <p:txBody>
-          <a:bodyPr anchor="b">
-            <a:noAutofit/>
+          <a:bodyPr anchor="ctr">
+            <a:normAutofit/>
           </a:bodyPr>
           <a:lstStyle>
             <a:lvl1pPr>
-              <a:lnSpc>
-                <a:spcPct val="85000"/>
-              </a:lnSpc>
-              <a:defRPr sz="4000">
-                <a:solidFill>
-                  <a:srgbClr val="FFFFFF"/>
-                </a:solidFill>
-              </a:defRPr>
+              <a:defRPr sz="2000"/>
             </a:lvl1pPr>
+            <a:lvl2pPr>
+              <a:defRPr sz="1800"/>
+            </a:lvl2pPr>
+            <a:lvl3pPr>
+              <a:defRPr sz="1600"/>
+            </a:lvl3pPr>
+            <a:lvl4pPr>
+              <a:defRPr sz="1400"/>
+            </a:lvl4pPr>
+            <a:lvl5pPr>
+              <a:defRPr sz="1400"/>
+            </a:lvl5pPr>
+            <a:lvl6pPr>
+              <a:defRPr sz="1400"/>
+            </a:lvl6pPr>
+            <a:lvl7pPr>
+              <a:defRPr sz="1400"/>
+            </a:lvl7pPr>
+            <a:lvl8pPr>
+              <a:defRPr sz="1400"/>
+            </a:lvl8pPr>
+            <a:lvl9pPr>
+              <a:defRPr sz="1400"/>
+            </a:lvl9pPr>
           </a:lstStyle>
           <a:p>
-            <a:r>
-              <a:rPr lang="en-US" smtClean="0"/>
-              <a:t>Click to edit Master title style</a:t>
+            <a:pPr lvl="0"/>
+            <a:r>
+              <a:rPr lang="en-US" smtClean="0"/>
+              <a:t>Edit Master text styles</a:t>
+            </a:r>
+          </a:p>
+          <a:p>
+            <a:pPr lvl="1"/>
+            <a:r>
+              <a:rPr lang="en-US" smtClean="0"/>
+              <a:t>Second level</a:t>
+            </a:r>
+          </a:p>
+          <a:p>
+            <a:pPr lvl="2"/>
+            <a:r>
+              <a:rPr lang="en-US" smtClean="0"/>
+              <a:t>Third level</a:t>
+            </a:r>
+          </a:p>
+          <a:p>
+            <a:pPr lvl="3"/>
+            <a:r>
+              <a:rPr lang="en-US" smtClean="0"/>
+              <a:t>Fourth level</a:t>
+            </a:r>
+          </a:p>
+          <a:p>
+            <a:pPr lvl="4"/>
+            <a:r>
+              <a:rPr lang="en-US" smtClean="0"/>
+              <a:t>Fifth level</a:t>
             </a:r>
             <a:endParaRPr lang="en-US" dirty="0"/>
           </a:p>
@@ -2235,130 +4811,26 @@
       </p:sp>
       <p:sp>
         <p:nvSpPr>
-          <p:cNvPr id="3" name="Content Placeholder 2"/>
-          <p:cNvSpPr>
-            <a:spLocks noGrp="1"/>
-          </p:cNvSpPr>
-          <p:nvPr>
-            <p:ph idx="1"/>
+          <p:cNvPr id="4" name="Text Placeholder 3"/>
+          <p:cNvSpPr>
+            <a:spLocks noGrp="1"/>
+          </p:cNvSpPr>
+          <p:nvPr>
+            <p:ph type="body" sz="half" idx="2"/>
           </p:nvPr>
         </p:nvSpPr>
         <p:spPr>
           <a:xfrm>
-            <a:off x="762000" y="762000"/>
-            <a:ext cx="6096000" cy="4572000"/>
+            <a:off x="1154953" y="3129280"/>
+            <a:ext cx="3401063" cy="2895599"/>
           </a:xfrm>
         </p:spPr>
         <p:txBody>
           <a:bodyPr/>
           <a:lstStyle>
-            <a:lvl1pPr>
-              <a:defRPr sz="3200"/>
-            </a:lvl1pPr>
-            <a:lvl2pPr>
-              <a:defRPr sz="2800"/>
-            </a:lvl2pPr>
-            <a:lvl3pPr>
-              <a:defRPr sz="2400"/>
-            </a:lvl3pPr>
-            <a:lvl4pPr>
-              <a:defRPr sz="2000"/>
-            </a:lvl4pPr>
-            <a:lvl5pPr>
-              <a:defRPr sz="2000"/>
-            </a:lvl5pPr>
-            <a:lvl6pPr>
-              <a:defRPr sz="2000"/>
-            </a:lvl6pPr>
-            <a:lvl7pPr>
-              <a:defRPr sz="2000"/>
-            </a:lvl7pPr>
-            <a:lvl8pPr>
-              <a:defRPr sz="2000"/>
-            </a:lvl8pPr>
-            <a:lvl9pPr>
-              <a:defRPr sz="2000"/>
-            </a:lvl9pPr>
-          </a:lstStyle>
-          <a:p>
-            <a:pPr lvl="0"/>
-            <a:r>
-              <a:rPr lang="en-US" smtClean="0"/>
-              <a:t>Edit Master text styles</a:t>
-            </a:r>
-          </a:p>
-          <a:p>
-            <a:pPr lvl="1"/>
-            <a:r>
-              <a:rPr lang="en-US" smtClean="0"/>
-              <a:t>Second level</a:t>
-            </a:r>
-          </a:p>
-          <a:p>
-            <a:pPr lvl="2"/>
-            <a:r>
-              <a:rPr lang="en-US" smtClean="0"/>
-              <a:t>Third level</a:t>
-            </a:r>
-          </a:p>
-          <a:p>
-            <a:pPr lvl="3"/>
-            <a:r>
-              <a:rPr lang="en-US" smtClean="0"/>
-              <a:t>Fourth level</a:t>
-            </a:r>
-          </a:p>
-          <a:p>
-            <a:pPr lvl="4"/>
-            <a:r>
-              <a:rPr lang="en-US" smtClean="0"/>
-              <a:t>Fifth level</a:t>
-            </a:r>
-            <a:endParaRPr lang="en-US" dirty="0"/>
-          </a:p>
-        </p:txBody>
-      </p:sp>
-      <p:sp>
-        <p:nvSpPr>
-          <p:cNvPr id="4" name="Text Placeholder 3"/>
-          <p:cNvSpPr>
-            <a:spLocks noGrp="1"/>
-          </p:cNvSpPr>
-          <p:nvPr>
-            <p:ph type="body" sz="half" idx="2"/>
-          </p:nvPr>
-        </p:nvSpPr>
-        <p:spPr>
-          <a:xfrm>
-            <a:off x="8275982" y="2511813"/>
-            <a:ext cx="3398520" cy="3126987"/>
-          </a:xfrm>
-        </p:spPr>
-        <p:txBody>
-          <a:bodyPr>
-            <a:normAutofit/>
-          </a:bodyPr>
-          <a:lstStyle>
-            <a:lvl1pPr marL="0" marR="0" indent="0" algn="l" defTabSz="914400" rtl="0" eaLnBrk="1" fontAlgn="auto" latinLnBrk="0" hangingPunct="1">
-              <a:lnSpc>
-                <a:spcPct val="100000"/>
-              </a:lnSpc>
-              <a:spcBef>
-                <a:spcPts val="1200"/>
-              </a:spcBef>
-              <a:spcAft>
-                <a:spcPts val="0"/>
-              </a:spcAft>
-              <a:buClrTx/>
-              <a:buSzTx/>
-              <a:buFontTx/>
-              <a:buNone/>
-              <a:tabLst/>
-              <a:defRPr sz="1800">
-                <a:solidFill>
-                  <a:srgbClr val="262626"/>
-                </a:solidFill>
-              </a:defRPr>
+            <a:lvl1pPr marL="0" indent="0">
+              <a:buNone/>
+              <a:defRPr sz="1400"/>
             </a:lvl1pPr>
             <a:lvl2pPr marL="457200" indent="0">
               <a:buNone/>
@@ -2394,23 +4866,7 @@
             </a:lvl9pPr>
           </a:lstStyle>
           <a:p>
-            <a:pPr marL="0" marR="0" lvl="0" indent="0" algn="l" defTabSz="914400" rtl="0" eaLnBrk="1" fontAlgn="auto" latinLnBrk="0" hangingPunct="1">
-              <a:lnSpc>
-                <a:spcPct val="100000"/>
-              </a:lnSpc>
-              <a:spcBef>
-                <a:spcPts val="1400"/>
-              </a:spcBef>
-              <a:spcAft>
-                <a:spcPts val="0"/>
-              </a:spcAft>
-              <a:buClrTx/>
-              <a:buSzTx/>
-              <a:buFontTx/>
-              <a:buNone/>
-              <a:tabLst/>
-              <a:defRPr/>
-            </a:pPr>
+            <a:pPr lvl="0"/>
             <a:r>
               <a:rPr lang="en-US" smtClean="0"/>
               <a:t>Edit Master text styles</a:t>
@@ -2420,7 +4876,7 @@
       </p:sp>
       <p:sp>
         <p:nvSpPr>
-          <p:cNvPr id="5" name="Date Placeholder 4"/>
+          <p:cNvPr id="7" name="Date Placeholder 4"/>
           <p:cNvSpPr>
             <a:spLocks noGrp="1"/>
           </p:cNvSpPr>
@@ -2443,7 +4899,7 @@
       </p:sp>
       <p:sp>
         <p:nvSpPr>
-          <p:cNvPr id="6" name="Footer Placeholder 5"/>
+          <p:cNvPr id="5" name="Footer Placeholder 5"/>
           <p:cNvSpPr>
             <a:spLocks noGrp="1"/>
           </p:cNvSpPr>
@@ -2462,7 +4918,7 @@
       </p:sp>
       <p:sp>
         <p:nvSpPr>
-          <p:cNvPr id="7" name="Slide Number Placeholder 6"/>
+          <p:cNvPr id="6" name="Slide Number Placeholder 6"/>
           <p:cNvSpPr>
             <a:spLocks noGrp="1"/>
           </p:cNvSpPr>
@@ -2473,17 +4929,7 @@
         <p:spPr/>
         <p:txBody>
           <a:bodyPr/>
-          <a:lstStyle>
-            <a:lvl1pPr>
-              <a:defRPr>
-                <a:solidFill>
-                  <a:srgbClr val="FFFFFF">
-                    <a:alpha val="20000"/>
-                  </a:srgbClr>
-                </a:solidFill>
-              </a:defRPr>
-            </a:lvl1pPr>
-          </a:lstStyle>
+          <a:lstStyle/>
           <a:p>
             <a:fld id="{9CF90E31-9492-468D-B5CF-42E9C00E9A84}" type="slidenum">
               <a:rPr lang="en-US" smtClean="0"/>
@@ -2496,7 +4942,7 @@
     </p:spTree>
     <p:extLst>
       <p:ext uri="{BB962C8B-B14F-4D97-AF65-F5344CB8AC3E}">
-        <p14:creationId xmlns:p14="http://schemas.microsoft.com/office/powerpoint/2010/main" val="3641002825"/>
+        <p14:creationId xmlns:p14="http://schemas.microsoft.com/office/powerpoint/2010/main" val="3978257917"/>
       </p:ext>
     </p:extLst>
   </p:cSld>
@@ -2514,14 +4960,6 @@
 <file path=ppt/slideLayouts/slideLayout9.xml><?xml version="1.0" encoding="utf-8"?>
 <p:sldLayout xmlns:a="http://schemas.openxmlformats.org/drawingml/2006/main" xmlns:r="http://schemas.openxmlformats.org/officeDocument/2006/relationships" xmlns:p="http://schemas.openxmlformats.org/presentationml/2006/main" type="picTx" preserve="1">
   <p:cSld name="Picture with Caption">
-    <p:bg>
-      <p:bgPr>
-        <a:solidFill>
-          <a:schemeClr val="accent1"/>
-        </a:solidFill>
-        <a:effectLst/>
-      </p:bgPr>
-    </p:bg>
     <p:spTree>
       <p:nvGrpSpPr>
         <p:cNvPr id="1" name=""/>
@@ -2548,8 +4986,8 @@
         </p:nvSpPr>
         <p:spPr>
           <a:xfrm>
-            <a:off x="649224" y="5418667"/>
-            <a:ext cx="10780776" cy="613283"/>
+            <a:off x="1153907" y="1854192"/>
+            <a:ext cx="5092906" cy="1574808"/>
           </a:xfrm>
         </p:spPr>
         <p:txBody>
@@ -2557,12 +4995,8 @@
             <a:normAutofit/>
           </a:bodyPr>
           <a:lstStyle>
-            <a:lvl1pPr>
-              <a:defRPr sz="3200" b="0">
-                <a:solidFill>
-                  <a:srgbClr val="FFFFFF"/>
-                </a:solidFill>
-              </a:defRPr>
+            <a:lvl1pPr algn="l">
+              <a:defRPr sz="3600" b="0"/>
             </a:lvl1pPr>
           </a:lstStyle>
           <a:p>
@@ -2586,64 +5020,62 @@
         </p:nvSpPr>
         <p:spPr>
           <a:xfrm>
-            <a:off x="0" y="0"/>
-            <a:ext cx="12192000" cy="5330952"/>
+            <a:off x="6949546" y="1143000"/>
+            <a:ext cx="3200400" cy="4572000"/>
           </a:xfrm>
-          <a:solidFill>
-            <a:schemeClr val="accent1">
-              <a:lumMod val="40000"/>
-              <a:lumOff val="60000"/>
-            </a:schemeClr>
-          </a:solidFill>
+          <a:prstGeom prst="roundRect">
+            <a:avLst>
+              <a:gd name="adj" fmla="val 1858"/>
+            </a:avLst>
+          </a:prstGeom>
+          <a:effectLst>
+            <a:outerShdw blurRad="50800" dist="50800" dir="5400000" algn="tl" rotWithShape="0">
+              <a:srgbClr val="000000">
+                <a:alpha val="43000"/>
+              </a:srgbClr>
+            </a:outerShdw>
+          </a:effectLst>
         </p:spPr>
         <p:txBody>
-          <a:bodyPr anchor="t"/>
+          <a:bodyPr anchor="t">
+            <a:normAutofit/>
+          </a:bodyPr>
           <a:lstStyle>
             <a:lvl1pPr marL="0" indent="0" algn="ctr">
-              <a:spcBef>
-                <a:spcPts val="800"/>
-              </a:spcBef>
-              <a:buNone/>
-              <a:defRPr sz="3200">
-                <a:solidFill>
-                  <a:schemeClr val="tx1">
-                    <a:lumMod val="75000"/>
-                    <a:lumOff val="25000"/>
-                  </a:schemeClr>
-                </a:solidFill>
-              </a:defRPr>
+              <a:buNone/>
+              <a:defRPr sz="1600"/>
             </a:lvl1pPr>
             <a:lvl2pPr marL="457200" indent="0">
               <a:buNone/>
-              <a:defRPr sz="2800"/>
+              <a:defRPr sz="1600"/>
             </a:lvl2pPr>
             <a:lvl3pPr marL="914400" indent="0">
               <a:buNone/>
-              <a:defRPr sz="2400"/>
+              <a:defRPr sz="1600"/>
             </a:lvl3pPr>
             <a:lvl4pPr marL="1371600" indent="0">
               <a:buNone/>
-              <a:defRPr sz="2000"/>
+              <a:defRPr sz="1600"/>
             </a:lvl4pPr>
             <a:lvl5pPr marL="1828800" indent="0">
               <a:buNone/>
-              <a:defRPr sz="2000"/>
+              <a:defRPr sz="1600"/>
             </a:lvl5pPr>
             <a:lvl6pPr marL="2286000" indent="0">
               <a:buNone/>
-              <a:defRPr sz="2000"/>
+              <a:defRPr sz="1600"/>
             </a:lvl6pPr>
             <a:lvl7pPr marL="2743200" indent="0">
               <a:buNone/>
-              <a:defRPr sz="2000"/>
+              <a:defRPr sz="1600"/>
             </a:lvl7pPr>
             <a:lvl8pPr marL="3200400" indent="0">
               <a:buNone/>
-              <a:defRPr sz="2000"/>
+              <a:defRPr sz="1600"/>
             </a:lvl8pPr>
             <a:lvl9pPr marL="3657600" indent="0">
               <a:buNone/>
-              <a:defRPr sz="2000"/>
+              <a:defRPr sz="1600"/>
             </a:lvl9pPr>
           </a:lstStyle>
           <a:p>
@@ -2667,8 +5099,8 @@
         </p:nvSpPr>
         <p:spPr>
           <a:xfrm>
-            <a:off x="676656" y="5909735"/>
-            <a:ext cx="9229344" cy="533400"/>
+            <a:off x="1154954" y="3657600"/>
+            <a:ext cx="5084979" cy="1371600"/>
           </a:xfrm>
         </p:spPr>
         <p:txBody>
@@ -2677,15 +5109,8 @@
           </a:bodyPr>
           <a:lstStyle>
             <a:lvl1pPr marL="0" indent="0">
-              <a:lnSpc>
-                <a:spcPct val="90000"/>
-              </a:lnSpc>
-              <a:buNone/>
-              <a:defRPr sz="1400">
-                <a:solidFill>
-                  <a:srgbClr val="262626"/>
-                </a:solidFill>
-              </a:defRPr>
+              <a:buNone/>
+              <a:defRPr sz="1400"/>
             </a:lvl1pPr>
             <a:lvl2pPr marL="457200" indent="0">
               <a:buNone/>
@@ -2731,7 +5156,7 @@
       </p:sp>
       <p:sp>
         <p:nvSpPr>
-          <p:cNvPr id="12" name="Date Placeholder 11"/>
+          <p:cNvPr id="5" name="Date Placeholder 4"/>
           <p:cNvSpPr>
             <a:spLocks noGrp="1"/>
           </p:cNvSpPr>
@@ -2742,17 +5167,7 @@
         <p:spPr/>
         <p:txBody>
           <a:bodyPr/>
-          <a:lstStyle>
-            <a:lvl1pPr>
-              <a:defRPr>
-                <a:solidFill>
-                  <a:srgbClr val="FFFFFF">
-                    <a:alpha val="80000"/>
-                  </a:srgbClr>
-                </a:solidFill>
-              </a:defRPr>
-            </a:lvl1pPr>
-          </a:lstStyle>
+          <a:lstStyle/>
           <a:p>
             <a:fld id="{23635349-6CC1-4828-A550-3FA4C396D5D2}" type="datetimeFigureOut">
               <a:rPr lang="en-US" smtClean="0"/>
@@ -2764,7 +5179,7 @@
       </p:sp>
       <p:sp>
         <p:nvSpPr>
-          <p:cNvPr id="13" name="Footer Placeholder 12"/>
+          <p:cNvPr id="6" name="Footer Placeholder 5"/>
           <p:cNvSpPr>
             <a:spLocks noGrp="1"/>
           </p:cNvSpPr>
@@ -2775,17 +5190,7 @@
         <p:spPr/>
         <p:txBody>
           <a:bodyPr/>
-          <a:lstStyle>
-            <a:lvl1pPr>
-              <a:defRPr>
-                <a:solidFill>
-                  <a:srgbClr val="FFFFFF">
-                    <a:alpha val="80000"/>
-                  </a:srgbClr>
-                </a:solidFill>
-              </a:defRPr>
-            </a:lvl1pPr>
-          </a:lstStyle>
+          <a:lstStyle/>
           <a:p>
             <a:endParaRPr lang="en-US"/>
           </a:p>
@@ -2793,7 +5198,7 @@
       </p:sp>
       <p:sp>
         <p:nvSpPr>
-          <p:cNvPr id="14" name="Slide Number Placeholder 13"/>
+          <p:cNvPr id="7" name="Slide Number Placeholder 6"/>
           <p:cNvSpPr>
             <a:spLocks noGrp="1"/>
           </p:cNvSpPr>
@@ -2804,17 +5209,7 @@
         <p:spPr/>
         <p:txBody>
           <a:bodyPr/>
-          <a:lstStyle>
-            <a:lvl1pPr>
-              <a:defRPr>
-                <a:solidFill>
-                  <a:srgbClr val="FFFFFF">
-                    <a:alpha val="25000"/>
-                  </a:srgbClr>
-                </a:solidFill>
-              </a:defRPr>
-            </a:lvl1pPr>
-          </a:lstStyle>
+          <a:lstStyle/>
           <a:p>
             <a:fld id="{9CF90E31-9492-468D-B5CF-42E9C00E9A84}" type="slidenum">
               <a:rPr lang="en-US" smtClean="0"/>
@@ -2827,12 +5222,12 @@
     </p:spTree>
     <p:extLst>
       <p:ext uri="{BB962C8B-B14F-4D97-AF65-F5344CB8AC3E}">
-        <p14:creationId xmlns:p14="http://schemas.microsoft.com/office/powerpoint/2010/main" val="4205446204"/>
+        <p14:creationId xmlns:p14="http://schemas.microsoft.com/office/powerpoint/2010/main" val="1918184090"/>
       </p:ext>
     </p:extLst>
   </p:cSld>
   <p:clrMapOvr>
-    <a:overrideClrMapping bg1="lt1" tx1="dk1" bg2="lt2" tx2="dk2" accent1="accent1" accent2="accent2" accent3="accent3" accent4="accent4" accent5="accent5" accent6="accent6" hlink="hlink" folHlink="folHlink"/>
+    <a:masterClrMapping/>
   </p:clrMapOvr>
 </p:sldLayout>
 </file>
@@ -2841,8 +5236,8 @@
 <p:sldMaster xmlns:a="http://schemas.openxmlformats.org/drawingml/2006/main" xmlns:r="http://schemas.openxmlformats.org/officeDocument/2006/relationships" xmlns:p="http://schemas.openxmlformats.org/presentationml/2006/main">
   <p:cSld>
     <p:bg>
-      <p:bgRef idx="1001">
-        <a:schemeClr val="bg1"/>
+      <p:bgRef idx="1003">
+        <a:schemeClr val="bg2"/>
       </p:bgRef>
     </p:bg>
     <p:spTree>
@@ -2859,128 +5254,344 @@
           <a:chExt cx="0" cy="0"/>
         </a:xfrm>
       </p:grpSpPr>
-      <p:sp>
-        <p:nvSpPr>
-          <p:cNvPr id="2" name="Title Placeholder 1"/>
-          <p:cNvSpPr>
-            <a:spLocks noGrp="1"/>
-          </p:cNvSpPr>
-          <p:nvPr>
-            <p:ph type="title"/>
-          </p:nvPr>
-        </p:nvSpPr>
+      <p:pic>
+        <p:nvPicPr>
+          <p:cNvPr id="8" name="Picture 7"/>
+          <p:cNvPicPr>
+            <a:picLocks noChangeAspect="1"/>
+          </p:cNvPicPr>
+          <p:nvPr/>
+        </p:nvPicPr>
+        <p:blipFill rotWithShape="1">
+          <a:blip r:embed="rId19">
+            <a:extLst>
+              <a:ext uri="{28A0092B-C50C-407E-A947-70E740481C1C}">
+                <a14:useLocalDpi xmlns:a14="http://schemas.microsoft.com/office/drawing/2010/main" val="0"/>
+              </a:ext>
+            </a:extLst>
+          </a:blip>
+          <a:srcRect l="3613"/>
+          <a:stretch/>
+        </p:blipFill>
         <p:spPr>
           <a:xfrm>
-            <a:off x="657224" y="499533"/>
-            <a:ext cx="10772775" cy="1658198"/>
+            <a:off x="0" y="2669685"/>
+            <a:ext cx="4037012" cy="4188315"/>
           </a:xfrm>
           <a:prstGeom prst="rect">
             <a:avLst/>
           </a:prstGeom>
         </p:spPr>
-        <p:txBody>
-          <a:bodyPr vert="horz" lIns="91440" tIns="45720" rIns="91440" bIns="45720" rtlCol="0" anchor="ctr">
-            <a:normAutofit/>
-          </a:bodyPr>
-          <a:lstStyle/>
-          <a:p>
-            <a:r>
-              <a:rPr lang="en-US" smtClean="0"/>
-              <a:t>Click to edit Master title style</a:t>
-            </a:r>
-            <a:endParaRPr lang="en-US" dirty="0"/>
-          </a:p>
-        </p:txBody>
-      </p:sp>
-      <p:sp>
-        <p:nvSpPr>
-          <p:cNvPr id="3" name="Text Placeholder 2"/>
-          <p:cNvSpPr>
-            <a:spLocks noGrp="1"/>
-          </p:cNvSpPr>
-          <p:nvPr>
-            <p:ph type="body" idx="1"/>
-          </p:nvPr>
-        </p:nvSpPr>
+      </p:pic>
+      <p:pic>
+        <p:nvPicPr>
+          <p:cNvPr id="7" name="Picture 6"/>
+          <p:cNvPicPr>
+            <a:picLocks noChangeAspect="1"/>
+          </p:cNvPicPr>
+          <p:nvPr/>
+        </p:nvPicPr>
+        <p:blipFill rotWithShape="1">
+          <a:blip r:embed="rId20">
+            <a:extLst>
+              <a:ext uri="{28A0092B-C50C-407E-A947-70E740481C1C}">
+                <a14:useLocalDpi xmlns:a14="http://schemas.microsoft.com/office/drawing/2010/main" val="0"/>
+              </a:ext>
+            </a:extLst>
+          </a:blip>
+          <a:srcRect l="35640"/>
+          <a:stretch/>
+        </p:blipFill>
         <p:spPr>
           <a:xfrm>
-            <a:off x="676656" y="2011680"/>
-            <a:ext cx="10753725" cy="3766185"/>
+            <a:off x="0" y="2892347"/>
+            <a:ext cx="1522412" cy="2365453"/>
           </a:xfrm>
           <a:prstGeom prst="rect">
             <a:avLst/>
           </a:prstGeom>
         </p:spPr>
-        <p:txBody>
-          <a:bodyPr vert="horz" lIns="91440" tIns="45720" rIns="91440" bIns="45720" rtlCol="0">
-            <a:normAutofit/>
-          </a:bodyPr>
-          <a:lstStyle/>
-          <a:p>
-            <a:pPr lvl="0"/>
-            <a:r>
-              <a:rPr lang="en-US" smtClean="0"/>
-              <a:t>Edit Master text styles</a:t>
-            </a:r>
-          </a:p>
-          <a:p>
-            <a:pPr lvl="1"/>
-            <a:r>
-              <a:rPr lang="en-US" smtClean="0"/>
-              <a:t>Second level</a:t>
-            </a:r>
-          </a:p>
-          <a:p>
-            <a:pPr lvl="2"/>
-            <a:r>
-              <a:rPr lang="en-US" smtClean="0"/>
-              <a:t>Third level</a:t>
-            </a:r>
-          </a:p>
-          <a:p>
-            <a:pPr lvl="3"/>
-            <a:r>
-              <a:rPr lang="en-US" smtClean="0"/>
-              <a:t>Fourth level</a:t>
-            </a:r>
-          </a:p>
-          <a:p>
-            <a:pPr lvl="4"/>
-            <a:r>
-              <a:rPr lang="en-US" smtClean="0"/>
-              <a:t>Fifth level</a:t>
-            </a:r>
-            <a:endParaRPr lang="en-US" dirty="0"/>
-          </a:p>
-        </p:txBody>
-      </p:sp>
-      <p:sp>
-        <p:nvSpPr>
-          <p:cNvPr id="4" name="Date Placeholder 3"/>
-          <p:cNvSpPr>
-            <a:spLocks noGrp="1"/>
-          </p:cNvSpPr>
-          <p:nvPr>
-            <p:ph type="dt" sz="half" idx="2"/>
-          </p:nvPr>
+      </p:pic>
+      <p:sp>
+        <p:nvSpPr>
+          <p:cNvPr id="16" name="Oval 15"/>
+          <p:cNvSpPr/>
+          <p:nvPr/>
         </p:nvSpPr>
         <p:spPr>
           <a:xfrm>
-            <a:off x="685800" y="6412447"/>
-            <a:ext cx="4114800" cy="228600"/>
+            <a:off x="8609012" y="1676400"/>
+            <a:ext cx="2819400" cy="2819400"/>
+          </a:xfrm>
+          <a:prstGeom prst="ellipse">
+            <a:avLst/>
+          </a:prstGeom>
+          <a:gradFill flip="none" rotWithShape="1">
+            <a:gsLst>
+              <a:gs pos="0">
+                <a:schemeClr val="bg2">
+                  <a:lumMod val="60000"/>
+                  <a:lumOff val="40000"/>
+                  <a:alpha val="7000"/>
+                </a:schemeClr>
+              </a:gs>
+              <a:gs pos="69000">
+                <a:schemeClr val="bg2">
+                  <a:lumMod val="60000"/>
+                  <a:lumOff val="40000"/>
+                  <a:alpha val="0"/>
+                </a:schemeClr>
+              </a:gs>
+              <a:gs pos="36000">
+                <a:schemeClr val="bg2">
+                  <a:lumMod val="60000"/>
+                  <a:lumOff val="40000"/>
+                  <a:alpha val="6000"/>
+                </a:schemeClr>
+              </a:gs>
+            </a:gsLst>
+            <a:path path="circle">
+              <a:fillToRect l="50000" t="50000" r="50000" b="50000"/>
+            </a:path>
+            <a:tileRect/>
+          </a:gradFill>
+          <a:ln>
+            <a:noFill/>
+          </a:ln>
+          <a:effectLst/>
+        </p:spPr>
+        <p:style>
+          <a:lnRef idx="1">
+            <a:schemeClr val="accent1"/>
+          </a:lnRef>
+          <a:fillRef idx="3">
+            <a:schemeClr val="accent1"/>
+          </a:fillRef>
+          <a:effectRef idx="2">
+            <a:schemeClr val="accent1"/>
+          </a:effectRef>
+          <a:fontRef idx="minor">
+            <a:schemeClr val="lt1"/>
+          </a:fontRef>
+        </p:style>
+      </p:sp>
+      <p:pic>
+        <p:nvPicPr>
+          <p:cNvPr id="9" name="Picture 8"/>
+          <p:cNvPicPr>
+            <a:picLocks noChangeAspect="1"/>
+          </p:cNvPicPr>
+          <p:nvPr/>
+        </p:nvPicPr>
+        <p:blipFill rotWithShape="1">
+          <a:blip r:embed="rId21">
+            <a:extLst>
+              <a:ext uri="{28A0092B-C50C-407E-A947-70E740481C1C}">
+                <a14:useLocalDpi xmlns:a14="http://schemas.microsoft.com/office/drawing/2010/main" val="0"/>
+              </a:ext>
+            </a:extLst>
+          </a:blip>
+          <a:srcRect t="28813"/>
+          <a:stretch/>
+        </p:blipFill>
+        <p:spPr>
+          <a:xfrm>
+            <a:off x="7999412" y="0"/>
+            <a:ext cx="1603387" cy="1141407"/>
           </a:xfrm>
           <a:prstGeom prst="rect">
             <a:avLst/>
           </a:prstGeom>
         </p:spPr>
-        <p:txBody>
-          <a:bodyPr vert="horz" lIns="91440" tIns="45720" rIns="91440" bIns="45720" rtlCol="0" anchor="ctr"/>
+      </p:pic>
+      <p:pic>
+        <p:nvPicPr>
+          <p:cNvPr id="10" name="Picture 9"/>
+          <p:cNvPicPr>
+            <a:picLocks noChangeAspect="1"/>
+          </p:cNvPicPr>
+          <p:nvPr/>
+        </p:nvPicPr>
+        <p:blipFill rotWithShape="1">
+          <a:blip r:embed="rId22">
+            <a:extLst>
+              <a:ext uri="{28A0092B-C50C-407E-A947-70E740481C1C}">
+                <a14:useLocalDpi xmlns:a14="http://schemas.microsoft.com/office/drawing/2010/main" val="0"/>
+              </a:ext>
+            </a:extLst>
+          </a:blip>
+          <a:srcRect b="23320"/>
+          <a:stretch/>
+        </p:blipFill>
+        <p:spPr>
+          <a:xfrm>
+            <a:off x="8605878" y="6096000"/>
+            <a:ext cx="993734" cy="762000"/>
+          </a:xfrm>
+          <a:prstGeom prst="rect">
+            <a:avLst/>
+          </a:prstGeom>
+        </p:spPr>
+      </p:pic>
+      <p:sp>
+        <p:nvSpPr>
+          <p:cNvPr id="14" name="Rectangle 13"/>
+          <p:cNvSpPr/>
+          <p:nvPr/>
+        </p:nvSpPr>
+        <p:spPr>
+          <a:xfrm>
+            <a:off x="10437812" y="0"/>
+            <a:ext cx="685800" cy="1143000"/>
+          </a:xfrm>
+          <a:prstGeom prst="rect">
+            <a:avLst/>
+          </a:prstGeom>
+          <a:solidFill>
+            <a:schemeClr val="accent1"/>
+          </a:solidFill>
+          <a:ln>
+            <a:noFill/>
+          </a:ln>
+        </p:spPr>
+        <p:style>
+          <a:lnRef idx="1">
+            <a:schemeClr val="accent1"/>
+          </a:lnRef>
+          <a:fillRef idx="3">
+            <a:schemeClr val="accent1"/>
+          </a:fillRef>
+          <a:effectRef idx="2">
+            <a:schemeClr val="accent1"/>
+          </a:effectRef>
+          <a:fontRef idx="minor">
+            <a:schemeClr val="lt1"/>
+          </a:fontRef>
+        </p:style>
+      </p:sp>
+      <p:sp>
+        <p:nvSpPr>
+          <p:cNvPr id="2" name="Title Placeholder 1"/>
+          <p:cNvSpPr>
+            <a:spLocks noGrp="1"/>
+          </p:cNvSpPr>
+          <p:nvPr>
+            <p:ph type="title"/>
+          </p:nvPr>
+        </p:nvSpPr>
+        <p:spPr>
+          <a:xfrm>
+            <a:off x="646111" y="452718"/>
+            <a:ext cx="9404723" cy="1400530"/>
+          </a:xfrm>
+          <a:prstGeom prst="rect">
+            <a:avLst/>
+          </a:prstGeom>
+        </p:spPr>
+        <p:txBody>
+          <a:bodyPr vert="horz" lIns="91440" tIns="45720" rIns="91440" bIns="45720" rtlCol="0" anchor="t">
+            <a:noAutofit/>
+          </a:bodyPr>
+          <a:lstStyle/>
+          <a:p>
+            <a:r>
+              <a:rPr lang="en-US" smtClean="0"/>
+              <a:t>Click to edit Master title style</a:t>
+            </a:r>
+            <a:endParaRPr lang="en-US" dirty="0"/>
+          </a:p>
+        </p:txBody>
+      </p:sp>
+      <p:sp>
+        <p:nvSpPr>
+          <p:cNvPr id="3" name="Text Placeholder 2"/>
+          <p:cNvSpPr>
+            <a:spLocks noGrp="1"/>
+          </p:cNvSpPr>
+          <p:nvPr>
+            <p:ph type="body" idx="1"/>
+          </p:nvPr>
+        </p:nvSpPr>
+        <p:spPr>
+          <a:xfrm>
+            <a:off x="1103312" y="2052918"/>
+            <a:ext cx="8946541" cy="4195481"/>
+          </a:xfrm>
+          <a:prstGeom prst="rect">
+            <a:avLst/>
+          </a:prstGeom>
+        </p:spPr>
+        <p:txBody>
+          <a:bodyPr vert="horz" lIns="91440" tIns="45720" rIns="91440" bIns="45720" rtlCol="0">
+            <a:normAutofit/>
+          </a:bodyPr>
+          <a:lstStyle/>
+          <a:p>
+            <a:pPr lvl="0"/>
+            <a:r>
+              <a:rPr lang="en-US" smtClean="0"/>
+              <a:t>Edit Master text styles</a:t>
+            </a:r>
+          </a:p>
+          <a:p>
+            <a:pPr lvl="1"/>
+            <a:r>
+              <a:rPr lang="en-US" smtClean="0"/>
+              <a:t>Second level</a:t>
+            </a:r>
+          </a:p>
+          <a:p>
+            <a:pPr lvl="2"/>
+            <a:r>
+              <a:rPr lang="en-US" smtClean="0"/>
+              <a:t>Third level</a:t>
+            </a:r>
+          </a:p>
+          <a:p>
+            <a:pPr lvl="3"/>
+            <a:r>
+              <a:rPr lang="en-US" smtClean="0"/>
+              <a:t>Fourth level</a:t>
+            </a:r>
+          </a:p>
+          <a:p>
+            <a:pPr lvl="4"/>
+            <a:r>
+              <a:rPr lang="en-US" smtClean="0"/>
+              <a:t>Fifth level</a:t>
+            </a:r>
+            <a:endParaRPr lang="en-US" dirty="0"/>
+          </a:p>
+        </p:txBody>
+      </p:sp>
+      <p:sp>
+        <p:nvSpPr>
+          <p:cNvPr id="4" name="Date Placeholder 3"/>
+          <p:cNvSpPr>
+            <a:spLocks noGrp="1"/>
+          </p:cNvSpPr>
+          <p:nvPr>
+            <p:ph type="dt" sz="half" idx="2"/>
+          </p:nvPr>
+        </p:nvSpPr>
+        <p:spPr>
+          <a:xfrm rot="5400000">
+            <a:off x="10155639" y="1790701"/>
+            <a:ext cx="990599" cy="304799"/>
+          </a:xfrm>
+          <a:prstGeom prst="rect">
+            <a:avLst/>
+          </a:prstGeom>
+        </p:spPr>
+        <p:txBody>
+          <a:bodyPr vert="horz" lIns="91440" tIns="45720" rIns="91440" bIns="45720" rtlCol="0" anchor="t"/>
           <a:lstStyle>
             <a:lvl1pPr algn="l">
-              <a:defRPr sz="950">
+              <a:defRPr sz="1100" b="0" i="0">
                 <a:solidFill>
                   <a:schemeClr val="tx1">
-                    <a:alpha val="80000"/>
+                    <a:tint val="75000"/>
+                    <a:alpha val="60000"/>
                   </a:schemeClr>
                 </a:solidFill>
               </a:defRPr>
@@ -3006,22 +5617,23 @@
           </p:nvPr>
         </p:nvSpPr>
         <p:spPr>
-          <a:xfrm>
-            <a:off x="685800" y="6554697"/>
-            <a:ext cx="5029200" cy="228600"/>
+          <a:xfrm rot="5400000">
+            <a:off x="8951573" y="3225297"/>
+            <a:ext cx="3859795" cy="304801"/>
           </a:xfrm>
           <a:prstGeom prst="rect">
             <a:avLst/>
           </a:prstGeom>
         </p:spPr>
         <p:txBody>
-          <a:bodyPr vert="horz" lIns="91440" tIns="45720" rIns="91440" bIns="45720" rtlCol="0" anchor="ctr"/>
+          <a:bodyPr vert="horz" lIns="91440" tIns="45720" rIns="91440" bIns="45720" rtlCol="0" anchor="b"/>
           <a:lstStyle>
             <a:lvl1pPr algn="l">
-              <a:defRPr sz="950" cap="all" baseline="0">
+              <a:defRPr sz="1100" b="0" i="0">
                 <a:solidFill>
                   <a:schemeClr val="tx1">
-                    <a:alpha val="80000"/>
+                    <a:tint val="75000"/>
+                    <a:alpha val="60000"/>
                   </a:schemeClr>
                 </a:solidFill>
               </a:defRPr>
@@ -3042,10 +5654,10 @@
             <p:ph type="sldNum" sz="quarter" idx="4"/>
           </p:nvPr>
         </p:nvSpPr>
-        <p:spPr>
+        <p:spPr bwMode="gray">
           <a:xfrm>
-            <a:off x="8763926" y="5876412"/>
-            <a:ext cx="2926080" cy="1397039"/>
+            <a:off x="10352540" y="295729"/>
+            <a:ext cx="838199" cy="767687"/>
           </a:xfrm>
           <a:prstGeom prst="rect">
             <a:avLst/>
@@ -3054,17 +5666,13 @@
         <p:txBody>
           <a:bodyPr vert="horz" lIns="91440" tIns="45720" rIns="91440" bIns="45720" rtlCol="0" anchor="b"/>
           <a:lstStyle>
-            <a:lvl1pPr algn="r">
-              <a:defRPr sz="10300" b="0">
-                <a:ln>
-                  <a:noFill/>
-                </a:ln>
+            <a:lvl1pPr algn="ctr">
+              <a:defRPr sz="2800" b="0" i="0">
                 <a:solidFill>
-                  <a:schemeClr val="accent1">
-                    <a:alpha val="25000"/>
+                  <a:schemeClr val="tx1">
+                    <a:tint val="75000"/>
                   </a:schemeClr>
                 </a:solidFill>
-                <a:latin typeface="+mj-lt"/>
               </a:defRPr>
             </a:lvl1pPr>
           </a:lstStyle>
@@ -3080,232 +5688,327 @@
     </p:spTree>
     <p:extLst>
       <p:ext uri="{BB962C8B-B14F-4D97-AF65-F5344CB8AC3E}">
-        <p14:creationId xmlns:p14="http://schemas.microsoft.com/office/powerpoint/2010/main" val="2271279663"/>
+        <p14:creationId xmlns:p14="http://schemas.microsoft.com/office/powerpoint/2010/main" val="1412126952"/>
       </p:ext>
     </p:extLst>
   </p:cSld>
-  <p:clrMap bg1="lt1" tx1="dk1" bg2="lt2" tx2="dk2" accent1="accent1" accent2="accent2" accent3="accent3" accent4="accent4" accent5="accent5" accent6="accent6" hlink="hlink" folHlink="folHlink"/>
+  <p:clrMap bg1="dk1" tx1="lt1" bg2="dk2" tx2="lt2" accent1="accent1" accent2="accent2" accent3="accent3" accent4="accent4" accent5="accent5" accent6="accent6" hlink="hlink" folHlink="folHlink"/>
   <p:sldLayoutIdLst>
-    <p:sldLayoutId id="2147484032" r:id="rId1"/>
-    <p:sldLayoutId id="2147484033" r:id="rId2"/>
-    <p:sldLayoutId id="2147484034" r:id="rId3"/>
-    <p:sldLayoutId id="2147484035" r:id="rId4"/>
-    <p:sldLayoutId id="2147484036" r:id="rId5"/>
-    <p:sldLayoutId id="2147484037" r:id="rId6"/>
-    <p:sldLayoutId id="2147484038" r:id="rId7"/>
-    <p:sldLayoutId id="2147484039" r:id="rId8"/>
-    <p:sldLayoutId id="2147484040" r:id="rId9"/>
-    <p:sldLayoutId id="2147484041" r:id="rId10"/>
-    <p:sldLayoutId id="2147484042" r:id="rId11"/>
+    <p:sldLayoutId id="2147484062" r:id="rId1"/>
+    <p:sldLayoutId id="2147484063" r:id="rId2"/>
+    <p:sldLayoutId id="2147484064" r:id="rId3"/>
+    <p:sldLayoutId id="2147484065" r:id="rId4"/>
+    <p:sldLayoutId id="2147484066" r:id="rId5"/>
+    <p:sldLayoutId id="2147484067" r:id="rId6"/>
+    <p:sldLayoutId id="2147484068" r:id="rId7"/>
+    <p:sldLayoutId id="2147484069" r:id="rId8"/>
+    <p:sldLayoutId id="2147484070" r:id="rId9"/>
+    <p:sldLayoutId id="2147484071" r:id="rId10"/>
+    <p:sldLayoutId id="2147484072" r:id="rId11"/>
+    <p:sldLayoutId id="2147484073" r:id="rId12"/>
+    <p:sldLayoutId id="2147484074" r:id="rId13"/>
+    <p:sldLayoutId id="2147484075" r:id="rId14"/>
+    <p:sldLayoutId id="2147484076" r:id="rId15"/>
+    <p:sldLayoutId id="2147484077" r:id="rId16"/>
+    <p:sldLayoutId id="2147484078" r:id="rId17"/>
   </p:sldLayoutIdLst>
   <p:txStyles>
     <p:titleStyle>
-      <a:lvl1pPr algn="l" defTabSz="914400" rtl="0" eaLnBrk="1" latinLnBrk="0" hangingPunct="1">
-        <a:lnSpc>
-          <a:spcPct val="85000"/>
-        </a:lnSpc>
+      <a:lvl1pPr algn="l" defTabSz="457200" rtl="0" eaLnBrk="1" latinLnBrk="0" hangingPunct="1">
         <a:spcBef>
           <a:spcPct val="0"/>
         </a:spcBef>
         <a:buNone/>
-        <a:defRPr sz="5400" kern="1200" spc="-120" baseline="0">
+        <a:defRPr sz="4200" b="0" i="0" kern="1200">
           <a:solidFill>
-            <a:schemeClr val="accent1"/>
+            <a:schemeClr val="tx2"/>
           </a:solidFill>
           <a:latin typeface="+mj-lt"/>
           <a:ea typeface="+mj-ea"/>
           <a:cs typeface="+mj-cs"/>
         </a:defRPr>
       </a:lvl1pPr>
+      <a:lvl2pPr eaLnBrk="1" hangingPunct="1">
+        <a:defRPr>
+          <a:solidFill>
+            <a:schemeClr val="tx2"/>
+          </a:solidFill>
+        </a:defRPr>
+      </a:lvl2pPr>
+      <a:lvl3pPr eaLnBrk="1" hangingPunct="1">
+        <a:defRPr>
+          <a:solidFill>
+            <a:schemeClr val="tx2"/>
+          </a:solidFill>
+        </a:defRPr>
+      </a:lvl3pPr>
+      <a:lvl4pPr eaLnBrk="1" hangingPunct="1">
+        <a:defRPr>
+          <a:solidFill>
+            <a:schemeClr val="tx2"/>
+          </a:solidFill>
+        </a:defRPr>
+      </a:lvl4pPr>
+      <a:lvl5pPr eaLnBrk="1" hangingPunct="1">
+        <a:defRPr>
+          <a:solidFill>
+            <a:schemeClr val="tx2"/>
+          </a:solidFill>
+        </a:defRPr>
+      </a:lvl5pPr>
+      <a:lvl6pPr eaLnBrk="1" hangingPunct="1">
+        <a:defRPr>
+          <a:solidFill>
+            <a:schemeClr val="tx2"/>
+          </a:solidFill>
+        </a:defRPr>
+      </a:lvl6pPr>
+      <a:lvl7pPr eaLnBrk="1" hangingPunct="1">
+        <a:defRPr>
+          <a:solidFill>
+            <a:schemeClr val="tx2"/>
+          </a:solidFill>
+        </a:defRPr>
+      </a:lvl7pPr>
+      <a:lvl8pPr eaLnBrk="1" hangingPunct="1">
+        <a:defRPr>
+          <a:solidFill>
+            <a:schemeClr val="tx2"/>
+          </a:solidFill>
+        </a:defRPr>
+      </a:lvl8pPr>
+      <a:lvl9pPr eaLnBrk="1" hangingPunct="1">
+        <a:defRPr>
+          <a:solidFill>
+            <a:schemeClr val="tx2"/>
+          </a:solidFill>
+        </a:defRPr>
+      </a:lvl9pPr>
     </p:titleStyle>
     <p:bodyStyle>
-      <a:lvl1pPr marL="91440" indent="-91440" algn="l" defTabSz="914400" rtl="0" eaLnBrk="1" latinLnBrk="0" hangingPunct="1">
-        <a:lnSpc>
-          <a:spcPct val="85000"/>
-        </a:lnSpc>
+      <a:lvl1pPr marL="342900" indent="-342900" algn="l" defTabSz="457200" rtl="0" eaLnBrk="1" latinLnBrk="0" hangingPunct="1">
         <a:spcBef>
-          <a:spcPts val="1300"/>
+          <a:spcPts val="1000"/>
         </a:spcBef>
-        <a:buFont typeface="Arial" pitchFamily="34" charset="0"/>
-        <a:buChar char=" "/>
-        <a:defRPr sz="2400" kern="1200">
+        <a:spcAft>
+          <a:spcPts val="0"/>
+        </a:spcAft>
+        <a:buClr>
+          <a:schemeClr val="bg2">
+            <a:lumMod val="40000"/>
+            <a:lumOff val="60000"/>
+          </a:schemeClr>
+        </a:buClr>
+        <a:buSzPct val="80000"/>
+        <a:buFont typeface="Wingdings 3" charset="2"/>
+        <a:buChar char=""/>
+        <a:defRPr sz="2000" b="0" i="0" kern="1200">
           <a:solidFill>
-            <a:schemeClr val="tx1">
-              <a:lumMod val="85000"/>
-              <a:lumOff val="15000"/>
-            </a:schemeClr>
+            <a:schemeClr val="tx1"/>
           </a:solidFill>
-          <a:latin typeface="+mn-lt"/>
-          <a:ea typeface="+mn-ea"/>
-          <a:cs typeface="+mn-cs"/>
+          <a:latin typeface="+mj-lt"/>
+          <a:ea typeface="+mj-ea"/>
+          <a:cs typeface="+mj-cs"/>
         </a:defRPr>
       </a:lvl1pPr>
-      <a:lvl2pPr marL="347472" indent="-342900" algn="l" defTabSz="914400" rtl="0" eaLnBrk="1" latinLnBrk="0" hangingPunct="1">
-        <a:lnSpc>
-          <a:spcPct val="85000"/>
-        </a:lnSpc>
+      <a:lvl2pPr marL="742950" indent="-285750" algn="l" defTabSz="457200" rtl="0" eaLnBrk="1" latinLnBrk="0" hangingPunct="1">
         <a:spcBef>
-          <a:spcPts val="600"/>
+          <a:spcPts val="1000"/>
         </a:spcBef>
-        <a:buFont typeface="Arial" pitchFamily="34" charset="0"/>
-        <a:buChar char=" "/>
-        <a:defRPr sz="2400" kern="1200">
+        <a:spcAft>
+          <a:spcPts val="0"/>
+        </a:spcAft>
+        <a:buClr>
+          <a:schemeClr val="bg2">
+            <a:lumMod val="40000"/>
+            <a:lumOff val="60000"/>
+          </a:schemeClr>
+        </a:buClr>
+        <a:buSzPct val="80000"/>
+        <a:buFont typeface="Wingdings 3" charset="2"/>
+        <a:buChar char=""/>
+        <a:defRPr sz="1800" b="0" i="0" kern="1200">
           <a:solidFill>
-            <a:schemeClr val="tx1">
-              <a:lumMod val="85000"/>
-              <a:lumOff val="15000"/>
-            </a:schemeClr>
+            <a:schemeClr val="tx1"/>
           </a:solidFill>
-          <a:latin typeface="+mn-lt"/>
-          <a:ea typeface="+mn-ea"/>
-          <a:cs typeface="+mn-cs"/>
+          <a:latin typeface="+mj-lt"/>
+          <a:ea typeface="+mj-ea"/>
+          <a:cs typeface="+mj-cs"/>
         </a:defRPr>
       </a:lvl2pPr>
-      <a:lvl3pPr marL="548640" indent="-548640" algn="l" defTabSz="914400" rtl="0" eaLnBrk="1" latinLnBrk="0" hangingPunct="1">
-        <a:lnSpc>
-          <a:spcPct val="85000"/>
-        </a:lnSpc>
+      <a:lvl3pPr marL="1143000" indent="-228600" algn="l" defTabSz="457200" rtl="0" eaLnBrk="1" latinLnBrk="0" hangingPunct="1">
         <a:spcBef>
-          <a:spcPts val="600"/>
+          <a:spcPts val="1000"/>
         </a:spcBef>
-        <a:buFont typeface="Arial" pitchFamily="34" charset="0"/>
-        <a:buChar char=" "/>
-        <a:defRPr sz="2000" i="1" kern="1200">
+        <a:spcAft>
+          <a:spcPts val="0"/>
+        </a:spcAft>
+        <a:buClr>
+          <a:schemeClr val="bg2">
+            <a:lumMod val="40000"/>
+            <a:lumOff val="60000"/>
+          </a:schemeClr>
+        </a:buClr>
+        <a:buSzPct val="80000"/>
+        <a:buFont typeface="Wingdings 3" charset="2"/>
+        <a:buChar char=""/>
+        <a:defRPr sz="1600" b="0" i="0" kern="1200">
           <a:solidFill>
-            <a:schemeClr val="tx1">
-              <a:lumMod val="85000"/>
-              <a:lumOff val="15000"/>
-            </a:schemeClr>
+            <a:schemeClr val="tx1"/>
           </a:solidFill>
-          <a:latin typeface="+mn-lt"/>
-          <a:ea typeface="+mn-ea"/>
-          <a:cs typeface="+mn-cs"/>
+          <a:latin typeface="+mj-lt"/>
+          <a:ea typeface="+mj-ea"/>
+          <a:cs typeface="+mj-cs"/>
         </a:defRPr>
       </a:lvl3pPr>
-      <a:lvl4pPr marL="822960" indent="-822960" algn="l" defTabSz="914400" rtl="0" eaLnBrk="1" latinLnBrk="0" hangingPunct="1">
-        <a:lnSpc>
-          <a:spcPct val="85000"/>
-        </a:lnSpc>
+      <a:lvl4pPr marL="1600200" indent="-228600" algn="l" defTabSz="457200" rtl="0" eaLnBrk="1" latinLnBrk="0" hangingPunct="1">
         <a:spcBef>
-          <a:spcPts val="600"/>
+          <a:spcPts val="1000"/>
         </a:spcBef>
-        <a:buFont typeface="Arial" pitchFamily="34" charset="0"/>
-        <a:buChar char=" "/>
-        <a:defRPr sz="1800" kern="1200">
+        <a:spcAft>
+          <a:spcPts val="0"/>
+        </a:spcAft>
+        <a:buClr>
+          <a:schemeClr val="bg2">
+            <a:lumMod val="40000"/>
+            <a:lumOff val="60000"/>
+          </a:schemeClr>
+        </a:buClr>
+        <a:buSzPct val="80000"/>
+        <a:buFont typeface="Wingdings 3" charset="2"/>
+        <a:buChar char=""/>
+        <a:defRPr sz="1400" b="0" i="0" kern="1200">
           <a:solidFill>
-            <a:schemeClr val="tx1">
-              <a:lumMod val="85000"/>
-              <a:lumOff val="15000"/>
-            </a:schemeClr>
+            <a:schemeClr val="tx1"/>
           </a:solidFill>
-          <a:latin typeface="+mn-lt"/>
-          <a:ea typeface="+mn-ea"/>
-          <a:cs typeface="+mn-cs"/>
+          <a:latin typeface="+mj-lt"/>
+          <a:ea typeface="+mj-ea"/>
+          <a:cs typeface="+mj-cs"/>
         </a:defRPr>
       </a:lvl4pPr>
-      <a:lvl5pPr marL="1097280" indent="-1097280" algn="l" defTabSz="914400" rtl="0" eaLnBrk="1" latinLnBrk="0" hangingPunct="1">
-        <a:lnSpc>
-          <a:spcPct val="85000"/>
-        </a:lnSpc>
+      <a:lvl5pPr marL="2057400" indent="-228600" algn="l" defTabSz="457200" rtl="0" eaLnBrk="1" latinLnBrk="0" hangingPunct="1">
         <a:spcBef>
-          <a:spcPts val="600"/>
+          <a:spcPts val="1000"/>
         </a:spcBef>
-        <a:buFont typeface="Arial" pitchFamily="34" charset="0"/>
-        <a:buChar char=" "/>
-        <a:defRPr sz="1800" kern="1200">
+        <a:spcAft>
+          <a:spcPts val="0"/>
+        </a:spcAft>
+        <a:buClr>
+          <a:schemeClr val="bg2">
+            <a:lumMod val="40000"/>
+            <a:lumOff val="60000"/>
+          </a:schemeClr>
+        </a:buClr>
+        <a:buSzPct val="80000"/>
+        <a:buFont typeface="Wingdings 3" charset="2"/>
+        <a:buChar char=""/>
+        <a:defRPr sz="1400" b="0" i="0" kern="1200">
           <a:solidFill>
-            <a:schemeClr val="tx1">
-              <a:lumMod val="85000"/>
-              <a:lumOff val="15000"/>
-            </a:schemeClr>
+            <a:schemeClr val="tx1"/>
           </a:solidFill>
-          <a:latin typeface="+mn-lt"/>
-          <a:ea typeface="+mn-ea"/>
-          <a:cs typeface="+mn-cs"/>
+          <a:latin typeface="+mj-lt"/>
+          <a:ea typeface="+mj-ea"/>
+          <a:cs typeface="+mj-cs"/>
         </a:defRPr>
       </a:lvl5pPr>
-      <a:lvl6pPr marL="1200000" indent="-228600" algn="l" defTabSz="914400" rtl="0" eaLnBrk="1" latinLnBrk="0" hangingPunct="1">
-        <a:lnSpc>
-          <a:spcPct val="85000"/>
-        </a:lnSpc>
+      <a:lvl6pPr marL="2506000" indent="-228600" algn="l" defTabSz="457200" rtl="0" eaLnBrk="1" latinLnBrk="0" hangingPunct="1">
         <a:spcBef>
-          <a:spcPts val="600"/>
+          <a:spcPts val="1000"/>
         </a:spcBef>
-        <a:buFont typeface="Arial" pitchFamily="34" charset="0"/>
-        <a:buChar char=" "/>
-        <a:defRPr sz="1800" kern="1200">
+        <a:spcAft>
+          <a:spcPts val="0"/>
+        </a:spcAft>
+        <a:buClr>
+          <a:schemeClr val="bg2">
+            <a:lumMod val="40000"/>
+            <a:lumOff val="60000"/>
+          </a:schemeClr>
+        </a:buClr>
+        <a:buSzPct val="80000"/>
+        <a:buFont typeface="Wingdings 3" charset="2"/>
+        <a:buChar char=""/>
+        <a:defRPr sz="1400" b="0" i="0" kern="1200">
           <a:solidFill>
-            <a:schemeClr val="tx1">
-              <a:lumMod val="85000"/>
-              <a:lumOff val="15000"/>
-            </a:schemeClr>
+            <a:schemeClr val="tx1"/>
           </a:solidFill>
-          <a:latin typeface="+mn-lt"/>
-          <a:ea typeface="+mn-ea"/>
-          <a:cs typeface="+mn-cs"/>
+          <a:latin typeface="+mj-lt"/>
+          <a:ea typeface="+mj-ea"/>
+          <a:cs typeface="+mj-cs"/>
         </a:defRPr>
       </a:lvl6pPr>
-      <a:lvl7pPr marL="1400000" indent="-228600" algn="l" defTabSz="914400" rtl="0" eaLnBrk="1" latinLnBrk="0" hangingPunct="1">
-        <a:lnSpc>
-          <a:spcPct val="85000"/>
-        </a:lnSpc>
+      <a:lvl7pPr marL="2971800" indent="-228600" algn="l" defTabSz="457200" rtl="0" eaLnBrk="1" latinLnBrk="0" hangingPunct="1">
         <a:spcBef>
-          <a:spcPts val="600"/>
+          <a:spcPts val="1000"/>
         </a:spcBef>
-        <a:buFont typeface="Arial" pitchFamily="34" charset="0"/>
-        <a:buChar char=" "/>
-        <a:defRPr sz="1800" kern="1200">
+        <a:spcAft>
+          <a:spcPts val="0"/>
+        </a:spcAft>
+        <a:buClr>
+          <a:schemeClr val="bg2">
+            <a:lumMod val="40000"/>
+            <a:lumOff val="60000"/>
+          </a:schemeClr>
+        </a:buClr>
+        <a:buSzPct val="80000"/>
+        <a:buFont typeface="Wingdings 3" charset="2"/>
+        <a:buChar char=""/>
+        <a:defRPr sz="1400" b="0" i="0" kern="1200">
           <a:solidFill>
-            <a:schemeClr val="tx1">
-              <a:lumMod val="85000"/>
-              <a:lumOff val="15000"/>
-            </a:schemeClr>
+            <a:schemeClr val="tx1"/>
           </a:solidFill>
-          <a:latin typeface="+mn-lt"/>
-          <a:ea typeface="+mn-ea"/>
-          <a:cs typeface="+mn-cs"/>
+          <a:latin typeface="+mj-lt"/>
+          <a:ea typeface="+mj-ea"/>
+          <a:cs typeface="+mj-cs"/>
         </a:defRPr>
       </a:lvl7pPr>
-      <a:lvl8pPr marL="1600000" indent="-228600" algn="l" defTabSz="914400" rtl="0" eaLnBrk="1" latinLnBrk="0" hangingPunct="1">
-        <a:lnSpc>
-          <a:spcPct val="85000"/>
-        </a:lnSpc>
+      <a:lvl8pPr marL="3429000" indent="-228600" algn="l" defTabSz="457200" rtl="0" eaLnBrk="1" latinLnBrk="0" hangingPunct="1">
         <a:spcBef>
-          <a:spcPts val="600"/>
+          <a:spcPts val="1000"/>
         </a:spcBef>
-        <a:buFont typeface="Arial" pitchFamily="34" charset="0"/>
-        <a:buChar char=" "/>
-        <a:defRPr sz="1800" kern="1200">
+        <a:spcAft>
+          <a:spcPts val="0"/>
+        </a:spcAft>
+        <a:buClr>
+          <a:schemeClr val="bg2">
+            <a:lumMod val="40000"/>
+            <a:lumOff val="60000"/>
+          </a:schemeClr>
+        </a:buClr>
+        <a:buSzPct val="80000"/>
+        <a:buFont typeface="Wingdings 3" charset="2"/>
+        <a:buChar char=""/>
+        <a:defRPr sz="1400" b="0" i="0" kern="1200">
           <a:solidFill>
-            <a:schemeClr val="tx1">
-              <a:lumMod val="85000"/>
-              <a:lumOff val="15000"/>
-            </a:schemeClr>
+            <a:schemeClr val="tx1"/>
           </a:solidFill>
-          <a:latin typeface="+mn-lt"/>
-          <a:ea typeface="+mn-ea"/>
-          <a:cs typeface="+mn-cs"/>
+          <a:latin typeface="+mj-lt"/>
+          <a:ea typeface="+mj-ea"/>
+          <a:cs typeface="+mj-cs"/>
         </a:defRPr>
       </a:lvl8pPr>
-      <a:lvl9pPr marL="1800000" indent="-228600" algn="l" defTabSz="914400" rtl="0" eaLnBrk="1" latinLnBrk="0" hangingPunct="1">
-        <a:lnSpc>
-          <a:spcPct val="85000"/>
-        </a:lnSpc>
+      <a:lvl9pPr marL="3886200" indent="-228600" algn="l" defTabSz="457200" rtl="0" eaLnBrk="1" latinLnBrk="0" hangingPunct="1">
         <a:spcBef>
-          <a:spcPts val="600"/>
+          <a:spcPts val="1000"/>
         </a:spcBef>
-        <a:buFont typeface="Arial" pitchFamily="34" charset="0"/>
-        <a:buChar char=" "/>
-        <a:defRPr sz="1800" kern="1200">
+        <a:spcAft>
+          <a:spcPts val="0"/>
+        </a:spcAft>
+        <a:buClr>
+          <a:schemeClr val="bg2">
+            <a:lumMod val="40000"/>
+            <a:lumOff val="60000"/>
+          </a:schemeClr>
+        </a:buClr>
+        <a:buSzPct val="80000"/>
+        <a:buFont typeface="Wingdings 3" charset="2"/>
+        <a:buChar char=""/>
+        <a:defRPr sz="1400" b="0" i="0" kern="1200">
           <a:solidFill>
-            <a:schemeClr val="tx1">
-              <a:lumMod val="85000"/>
-              <a:lumOff val="15000"/>
-            </a:schemeClr>
+            <a:schemeClr val="tx1"/>
           </a:solidFill>
-          <a:latin typeface="+mn-lt"/>
-          <a:ea typeface="+mn-ea"/>
-          <a:cs typeface="+mn-cs"/>
+          <a:latin typeface="+mj-lt"/>
+          <a:ea typeface="+mj-ea"/>
+          <a:cs typeface="+mj-cs"/>
         </a:defRPr>
       </a:lvl9pPr>
     </p:bodyStyle>
@@ -3313,7 +6016,7 @@
       <a:defPPr>
         <a:defRPr lang="en-US"/>
       </a:defPPr>
-      <a:lvl1pPr marL="0" algn="l" defTabSz="914400" rtl="0" eaLnBrk="1" latinLnBrk="0" hangingPunct="1">
+      <a:lvl1pPr marL="0" algn="l" defTabSz="457200" rtl="0" eaLnBrk="1" latinLnBrk="0" hangingPunct="1">
         <a:defRPr sz="1800" kern="1200">
           <a:solidFill>
             <a:schemeClr val="tx1"/>
@@ -3323,7 +6026,7 @@
           <a:cs typeface="+mn-cs"/>
         </a:defRPr>
       </a:lvl1pPr>
-      <a:lvl2pPr marL="457200" algn="l" defTabSz="914400" rtl="0" eaLnBrk="1" latinLnBrk="0" hangingPunct="1">
+      <a:lvl2pPr marL="457200" algn="l" defTabSz="457200" rtl="0" eaLnBrk="1" latinLnBrk="0" hangingPunct="1">
         <a:defRPr sz="1800" kern="1200">
           <a:solidFill>
             <a:schemeClr val="tx1"/>
@@ -3333,7 +6036,7 @@
           <a:cs typeface="+mn-cs"/>
         </a:defRPr>
       </a:lvl2pPr>
-      <a:lvl3pPr marL="914400" algn="l" defTabSz="914400" rtl="0" eaLnBrk="1" latinLnBrk="0" hangingPunct="1">
+      <a:lvl3pPr marL="914400" algn="l" defTabSz="457200" rtl="0" eaLnBrk="1" latinLnBrk="0" hangingPunct="1">
         <a:defRPr sz="1800" kern="1200">
           <a:solidFill>
             <a:schemeClr val="tx1"/>
@@ -3343,7 +6046,7 @@
           <a:cs typeface="+mn-cs"/>
         </a:defRPr>
       </a:lvl3pPr>
-      <a:lvl4pPr marL="1371600" algn="l" defTabSz="914400" rtl="0" eaLnBrk="1" latinLnBrk="0" hangingPunct="1">
+      <a:lvl4pPr marL="1371600" algn="l" defTabSz="457200" rtl="0" eaLnBrk="1" latinLnBrk="0" hangingPunct="1">
         <a:defRPr sz="1800" kern="1200">
           <a:solidFill>
             <a:schemeClr val="tx1"/>
@@ -3353,7 +6056,7 @@
           <a:cs typeface="+mn-cs"/>
         </a:defRPr>
       </a:lvl4pPr>
-      <a:lvl5pPr marL="1828800" algn="l" defTabSz="914400" rtl="0" eaLnBrk="1" latinLnBrk="0" hangingPunct="1">
+      <a:lvl5pPr marL="1828800" algn="l" defTabSz="457200" rtl="0" eaLnBrk="1" latinLnBrk="0" hangingPunct="1">
         <a:defRPr sz="1800" kern="1200">
           <a:solidFill>
             <a:schemeClr val="tx1"/>
@@ -3363,7 +6066,7 @@
           <a:cs typeface="+mn-cs"/>
         </a:defRPr>
       </a:lvl5pPr>
-      <a:lvl6pPr marL="2286000" algn="l" defTabSz="914400" rtl="0" eaLnBrk="1" latinLnBrk="0" hangingPunct="1">
+      <a:lvl6pPr marL="2286000" algn="l" defTabSz="457200" rtl="0" eaLnBrk="1" latinLnBrk="0" hangingPunct="1">
         <a:defRPr sz="1800" kern="1200">
           <a:solidFill>
             <a:schemeClr val="tx1"/>
@@ -3373,7 +6076,7 @@
           <a:cs typeface="+mn-cs"/>
         </a:defRPr>
       </a:lvl6pPr>
-      <a:lvl7pPr marL="2743200" algn="l" defTabSz="914400" rtl="0" eaLnBrk="1" latinLnBrk="0" hangingPunct="1">
+      <a:lvl7pPr marL="2743200" algn="l" defTabSz="457200" rtl="0" eaLnBrk="1" latinLnBrk="0" hangingPunct="1">
         <a:defRPr sz="1800" kern="1200">
           <a:solidFill>
             <a:schemeClr val="tx1"/>
@@ -3383,7 +6086,7 @@
           <a:cs typeface="+mn-cs"/>
         </a:defRPr>
       </a:lvl7pPr>
-      <a:lvl8pPr marL="3200400" algn="l" defTabSz="914400" rtl="0" eaLnBrk="1" latinLnBrk="0" hangingPunct="1">
+      <a:lvl8pPr marL="3200400" algn="l" defTabSz="457200" rtl="0" eaLnBrk="1" latinLnBrk="0" hangingPunct="1">
         <a:defRPr sz="1800" kern="1200">
           <a:solidFill>
             <a:schemeClr val="tx1"/>
@@ -3393,7 +6096,7 @@
           <a:cs typeface="+mn-cs"/>
         </a:defRPr>
       </a:lvl8pPr>
-      <a:lvl9pPr marL="3657600" algn="l" defTabSz="914400" rtl="0" eaLnBrk="1" latinLnBrk="0" hangingPunct="1">
+      <a:lvl9pPr marL="3657600" algn="l" defTabSz="457200" rtl="0" eaLnBrk="1" latinLnBrk="0" hangingPunct="1">
         <a:defRPr sz="1800" kern="1200">
           <a:solidFill>
             <a:schemeClr val="tx1"/>
@@ -3533,7 +6236,7 @@
     <p:bg>
       <p:bgPr>
         <a:solidFill>
-          <a:schemeClr val="accent1"/>
+          <a:schemeClr val="bg2"/>
         </a:solidFill>
         <a:effectLst/>
       </p:bgPr>
@@ -3570,14 +6273,14 @@
             <a:r>
               <a:rPr lang="en-US" dirty="0" smtClean="0">
                 <a:solidFill>
-                  <a:schemeClr val="bg1"/>
+                  <a:schemeClr val="tx1"/>
                 </a:solidFill>
               </a:rPr>
               <a:t>Apple App</a:t>
             </a:r>
             <a:endParaRPr lang="en-US" dirty="0">
               <a:solidFill>
-                <a:schemeClr val="bg1"/>
+                <a:schemeClr val="tx1"/>
               </a:solidFill>
             </a:endParaRPr>
           </a:p>
@@ -3712,6 +6415,13 @@
   <p:clrMapOvr>
     <a:masterClrMapping/>
   </p:clrMapOvr>
+  <p:timing>
+    <p:tnLst>
+      <p:par>
+        <p:cTn id="1" dur="indefinite" restart="never" nodeType="tmRoot"/>
+      </p:par>
+    </p:tnLst>
+  </p:timing>
 </p:sld>
 </file>
 
@@ -5087,8 +7797,8 @@
         </p:blipFill>
         <p:spPr>
           <a:xfrm>
-            <a:off x="2705495" y="2011363"/>
-            <a:ext cx="6695285" cy="3767137"/>
+            <a:off x="2226697" y="2265517"/>
+            <a:ext cx="6700381" cy="3770004"/>
           </a:xfrm>
         </p:spPr>
       </p:pic>
@@ -5176,13 +7886,20 @@
   <p:clrMapOvr>
     <a:masterClrMapping/>
   </p:clrMapOvr>
+  <p:timing>
+    <p:tnLst>
+      <p:par>
+        <p:cTn id="1" dur="indefinite" restart="never" nodeType="tmRoot"/>
+      </p:par>
+    </p:tnLst>
+  </p:timing>
 </p:sld>
 </file>
 
 <file path=ppt/theme/theme1.xml><?xml version="1.0" encoding="utf-8"?>
-<a:theme xmlns:a="http://schemas.openxmlformats.org/drawingml/2006/main" name="Metropolitan">
+<a:theme xmlns:a="http://schemas.openxmlformats.org/drawingml/2006/main" name="Ion">
   <a:themeElements>
-    <a:clrScheme name="Violet">
+    <a:clrScheme name="Ion">
       <a:dk1>
         <a:sysClr val="windowText" lastClr="000000"/>
       </a:dk1>
@@ -5190,42 +7907,42 @@
         <a:sysClr val="window" lastClr="FFFFFF"/>
       </a:lt1>
       <a:dk2>
-        <a:srgbClr val="373545"/>
+        <a:srgbClr val="1E5155"/>
       </a:dk2>
       <a:lt2>
-        <a:srgbClr val="DCD8DC"/>
+        <a:srgbClr val="EBEBEB"/>
       </a:lt2>
       <a:accent1>
-        <a:srgbClr val="AD84C6"/>
+        <a:srgbClr val="B01513"/>
       </a:accent1>
       <a:accent2>
-        <a:srgbClr val="8784C7"/>
+        <a:srgbClr val="EA6312"/>
       </a:accent2>
       <a:accent3>
-        <a:srgbClr val="5D739A"/>
+        <a:srgbClr val="E6B729"/>
       </a:accent3>
       <a:accent4>
-        <a:srgbClr val="6997AF"/>
+        <a:srgbClr val="6AAC90"/>
       </a:accent4>
       <a:accent5>
-        <a:srgbClr val="84ACB6"/>
+        <a:srgbClr val="54849A"/>
       </a:accent5>
       <a:accent6>
-        <a:srgbClr val="6F8183"/>
+        <a:srgbClr val="9E5E9B"/>
       </a:accent6>
       <a:hlink>
-        <a:srgbClr val="69A020"/>
+        <a:srgbClr val="58C1BA"/>
       </a:hlink>
       <a:folHlink>
-        <a:srgbClr val="8C8C8C"/>
+        <a:srgbClr val="9DFFCB"/>
       </a:folHlink>
     </a:clrScheme>
-    <a:fontScheme name="Metropolitan">
+    <a:fontScheme name="Ion">
       <a:majorFont>
-        <a:latin typeface="Calibri Light" panose="020F0302020204030204"/>
+        <a:latin typeface="Century Gothic" panose="020B0502020202020204"/>
         <a:ea typeface=""/>
         <a:cs typeface=""/>
-        <a:font script="Jpan" typeface="ＭＳ Ｐゴシック"/>
+        <a:font script="Jpan" typeface="メイリオ"/>
         <a:font script="Hang" typeface="맑은 고딕"/>
         <a:font script="Hans" typeface="宋体"/>
         <a:font script="Hant" typeface="新細明體"/>
@@ -5257,20 +7974,20 @@
         <a:font script="Geor" typeface="Sylfaen"/>
       </a:majorFont>
       <a:minorFont>
-        <a:latin typeface="Calibri Light" panose="020F0302020204030204"/>
+        <a:latin typeface="Century Gothic" panose="020B0502020202020204"/>
         <a:ea typeface=""/>
         <a:cs typeface=""/>
-        <a:font script="Jpan" typeface="ＭＳ Ｐゴシック"/>
+        <a:font script="Jpan" typeface="メイリオ"/>
         <a:font script="Hang" typeface="맑은 고딕"/>
         <a:font script="Hans" typeface="宋体"/>
         <a:font script="Hant" typeface="新細明體"/>
-        <a:font script="Arab" typeface="Times New Roman"/>
-        <a:font script="Hebr" typeface="Times New Roman"/>
-        <a:font script="Thai" typeface="Angsana New"/>
+        <a:font script="Arab" typeface="Arial"/>
+        <a:font script="Hebr" typeface="Arial"/>
+        <a:font script="Thai" typeface="Cordia New"/>
         <a:font script="Ethi" typeface="Nyala"/>
         <a:font script="Beng" typeface="Vrinda"/>
         <a:font script="Gujr" typeface="Shruti"/>
-        <a:font script="Khmr" typeface="MoolBoran"/>
+        <a:font script="Khmr" typeface="DaunPenh"/>
         <a:font script="Knda" typeface="Tunga"/>
         <a:font script="Guru" typeface="Raavi"/>
         <a:font script="Cans" typeface="Euphemia"/>
@@ -5287,12 +8004,12 @@
         <a:font script="Laoo" typeface="DokChampa"/>
         <a:font script="Sinh" typeface="Iskoola Pota"/>
         <a:font script="Mong" typeface="Mongolian Baiti"/>
-        <a:font script="Viet" typeface="Times New Roman"/>
+        <a:font script="Viet" typeface="Arial"/>
         <a:font script="Uigh" typeface="Microsoft Uighur"/>
         <a:font script="Geor" typeface="Sylfaen"/>
       </a:minorFont>
     </a:fontScheme>
-    <a:fmtScheme name="Metropolitan">
+    <a:fmtScheme name="Ion">
       <a:fillStyleLst>
         <a:solidFill>
           <a:schemeClr val="phClr"/>
@@ -5301,69 +8018,52 @@
           <a:gsLst>
             <a:gs pos="0">
               <a:schemeClr val="phClr">
-                <a:tint val="70000"/>
-                <a:satMod val="100000"/>
-                <a:lumMod val="110000"/>
-              </a:schemeClr>
-            </a:gs>
-            <a:gs pos="50000">
-              <a:schemeClr val="phClr">
-                <a:tint val="75000"/>
-                <a:satMod val="101000"/>
-                <a:lumMod val="105000"/>
+                <a:tint val="64000"/>
+                <a:lumMod val="118000"/>
               </a:schemeClr>
             </a:gs>
             <a:gs pos="100000">
               <a:schemeClr val="phClr">
-                <a:tint val="82000"/>
-                <a:satMod val="104000"/>
-                <a:lumMod val="105000"/>
+                <a:tint val="92000"/>
+                <a:alpha val="100000"/>
+                <a:lumMod val="110000"/>
               </a:schemeClr>
             </a:gs>
           </a:gsLst>
-          <a:lin ang="2700000" scaled="0"/>
+          <a:lin ang="5400000" scaled="0"/>
         </a:gradFill>
         <a:gradFill rotWithShape="1">
           <a:gsLst>
             <a:gs pos="0">
               <a:schemeClr val="phClr">
-                <a:tint val="97000"/>
-                <a:satMod val="100000"/>
-                <a:lumMod val="102000"/>
-              </a:schemeClr>
-            </a:gs>
-            <a:gs pos="50000">
-              <a:schemeClr val="phClr">
-                <a:shade val="100000"/>
-                <a:satMod val="100000"/>
-                <a:lumMod val="100000"/>
+                <a:tint val="98000"/>
+                <a:lumMod val="114000"/>
               </a:schemeClr>
             </a:gs>
             <a:gs pos="100000">
               <a:schemeClr val="phClr">
-                <a:shade val="80000"/>
-                <a:satMod val="100000"/>
-                <a:lumMod val="99000"/>
+                <a:shade val="90000"/>
+                <a:lumMod val="84000"/>
               </a:schemeClr>
             </a:gs>
           </a:gsLst>
-          <a:lin ang="2700000" scaled="0"/>
+          <a:lin ang="5400000" scaled="0"/>
         </a:gradFill>
       </a:fillStyleLst>
       <a:lnStyleLst>
-        <a:ln w="9525" cap="flat" cmpd="sng" algn="ctr">
+        <a:ln w="9525" cap="rnd" cmpd="sng" algn="ctr">
           <a:solidFill>
             <a:schemeClr val="phClr"/>
           </a:solidFill>
           <a:prstDash val="solid"/>
         </a:ln>
-        <a:ln w="12700" cap="flat" cmpd="sng" algn="ctr">
+        <a:ln w="19050" cap="rnd" cmpd="sng" algn="ctr">
           <a:solidFill>
             <a:schemeClr val="phClr"/>
           </a:solidFill>
           <a:prstDash val="solid"/>
         </a:ln>
-        <a:ln w="19050" cap="flat" cmpd="sng" algn="ctr">
+        <a:ln w="28575" cap="rnd" cmpd="sng" algn="ctr">
           <a:solidFill>
             <a:schemeClr val="phClr"/>
           </a:solidFill>
@@ -5375,34 +8075,80 @@
           <a:effectLst/>
         </a:effectStyle>
         <a:effectStyle>
-          <a:effectLst/>
+          <a:effectLst>
+            <a:outerShdw blurRad="38100" dist="25400" dir="5400000" rotWithShape="0">
+              <a:srgbClr val="000000">
+                <a:alpha val="45000"/>
+              </a:srgbClr>
+            </a:outerShdw>
+          </a:effectLst>
         </a:effectStyle>
         <a:effectStyle>
           <a:effectLst>
-            <a:outerShdw blurRad="57150" dist="19050" dir="5400000" algn="ctr" rotWithShape="0">
+            <a:outerShdw blurRad="63500" dist="38100" dir="5400000" rotWithShape="0">
               <a:srgbClr val="000000">
-                <a:alpha val="63000"/>
+                <a:alpha val="60000"/>
               </a:srgbClr>
             </a:outerShdw>
           </a:effectLst>
+          <a:scene3d>
+            <a:camera prst="orthographicFront">
+              <a:rot lat="0" lon="0" rev="0"/>
+            </a:camera>
+            <a:lightRig rig="threePt" dir="tl"/>
+          </a:scene3d>
+          <a:sp3d prstMaterial="plastic">
+            <a:bevelT w="0" h="0"/>
+          </a:sp3d>
         </a:effectStyle>
       </a:effectStyleLst>
       <a:bgFillStyleLst>
         <a:solidFill>
           <a:schemeClr val="phClr"/>
         </a:solidFill>
-        <a:solidFill>
-          <a:schemeClr val="phClr">
-            <a:tint val="95000"/>
-            <a:satMod val="170000"/>
-          </a:schemeClr>
-        </a:solidFill>
-        <a:solidFill>
-          <a:schemeClr val="phClr">
-            <a:shade val="95000"/>
-            <a:satMod val="170000"/>
-          </a:schemeClr>
-        </a:solidFill>
+        <a:gradFill rotWithShape="1">
+          <a:gsLst>
+            <a:gs pos="0">
+              <a:schemeClr val="phClr">
+                <a:tint val="97000"/>
+                <a:hueMod val="88000"/>
+                <a:satMod val="130000"/>
+                <a:lumMod val="124000"/>
+              </a:schemeClr>
+            </a:gs>
+            <a:gs pos="100000">
+              <a:schemeClr val="phClr">
+                <a:tint val="96000"/>
+                <a:shade val="88000"/>
+                <a:hueMod val="108000"/>
+                <a:satMod val="164000"/>
+                <a:lumMod val="76000"/>
+              </a:schemeClr>
+            </a:gs>
+          </a:gsLst>
+          <a:path path="circle">
+            <a:fillToRect l="45000" t="65000" r="125000" b="100000"/>
+          </a:path>
+        </a:gradFill>
+        <a:blipFill rotWithShape="1">
+          <a:blip xmlns:r="http://schemas.openxmlformats.org/officeDocument/2006/relationships" r:embed="rId1">
+            <a:duotone>
+              <a:schemeClr val="phClr">
+                <a:shade val="69000"/>
+                <a:hueMod val="108000"/>
+                <a:satMod val="164000"/>
+                <a:lumMod val="74000"/>
+              </a:schemeClr>
+              <a:schemeClr val="phClr">
+                <a:tint val="96000"/>
+                <a:hueMod val="88000"/>
+                <a:satMod val="140000"/>
+                <a:lumMod val="132000"/>
+              </a:schemeClr>
+            </a:duotone>
+          </a:blip>
+          <a:stretch/>
+        </a:blipFill>
       </a:bgFillStyleLst>
     </a:fmtScheme>
   </a:themeElements>
@@ -5410,7 +8156,7 @@
   <a:extraClrSchemeLst/>
   <a:extLst>
     <a:ext uri="{05A4C25C-085E-4340-85A3-A5531E510DB2}">
-      <thm15:themeFamily xmlns:thm15="http://schemas.microsoft.com/office/thememl/2012/main" name="Metropolitan" id="{4C5440D6-04D2-4954-96CF-F251137069B2}" vid="{79CFCA13-9412-4290-BB4B-85112F88857B}"/>
+      <thm15:themeFamily xmlns:thm15="http://schemas.microsoft.com/office/thememl/2012/main" name="Ion" id="{B8441ADB-2E43-4AF7-B97A-BD870242C6A8}" vid="{292E63A9-BB86-4E3D-B92A-7223C6510D2E}"/>
     </a:ext>
   </a:extLst>
 </a:theme>

--- a/Presentations/Sprint One Presentation Final.pptx
+++ b/Presentations/Sprint One Presentation Final.pptx
@@ -7849,7 +7849,7 @@
       </p:grpSpPr>
       <p:pic>
         <p:nvPicPr>
-          <p:cNvPr id="4" name="Content Placeholder 3"/>
+          <p:cNvPr id="3" name="Content Placeholder 2"/>
           <p:cNvPicPr>
             <a:picLocks noGrp="1" noChangeAspect="1"/>
           </p:cNvPicPr>
@@ -7871,8 +7871,8 @@
         </p:blipFill>
         <p:spPr>
           <a:xfrm>
-            <a:off x="1888282" y="1073417"/>
-            <a:ext cx="8452287" cy="4754412"/>
+            <a:off x="1282057" y="789104"/>
+            <a:ext cx="9470456" cy="5327132"/>
           </a:xfrm>
         </p:spPr>
       </p:pic>
